--- a/BaoCaoWeb.pptx
+++ b/BaoCaoWeb.pptx
@@ -7,39 +7,41 @@
   <p:sldIdLst>
     <p:sldId id="256" r:id="rId2"/>
     <p:sldId id="257" r:id="rId3"/>
-    <p:sldId id="258" r:id="rId4"/>
-    <p:sldId id="259" r:id="rId5"/>
-    <p:sldId id="260" r:id="rId6"/>
-    <p:sldId id="261" r:id="rId7"/>
-    <p:sldId id="267" r:id="rId8"/>
-    <p:sldId id="265" r:id="rId9"/>
-    <p:sldId id="266" r:id="rId10"/>
-    <p:sldId id="262" r:id="rId11"/>
-    <p:sldId id="268" r:id="rId12"/>
-    <p:sldId id="263" r:id="rId13"/>
-    <p:sldId id="264" r:id="rId14"/>
+    <p:sldId id="261" r:id="rId4"/>
+    <p:sldId id="269" r:id="rId5"/>
+    <p:sldId id="267" r:id="rId6"/>
+    <p:sldId id="265" r:id="rId7"/>
+    <p:sldId id="266" r:id="rId8"/>
+    <p:sldId id="262" r:id="rId9"/>
+    <p:sldId id="270" r:id="rId10"/>
+    <p:sldId id="268" r:id="rId11"/>
+    <p:sldId id="271" r:id="rId12"/>
+    <p:sldId id="272" r:id="rId13"/>
+    <p:sldId id="273" r:id="rId14"/>
+    <p:sldId id="263" r:id="rId15"/>
+    <p:sldId id="264" r:id="rId16"/>
   </p:sldIdLst>
   <p:sldSz cx="18288000" cy="10287000"/>
   <p:notesSz cx="6858000" cy="9144000"/>
   <p:embeddedFontLst>
     <p:embeddedFont>
-      <p:font typeface="Cabin" panose="020B0604020202020204" charset="-93"/>
-      <p:regular r:id="rId15"/>
+      <p:font typeface="Cabin" panose="020B0604020202020204" charset="0"/>
+      <p:regular r:id="rId17"/>
     </p:embeddedFont>
     <p:embeddedFont>
-      <p:font typeface="Cabin Bold" panose="020B0604020202020204" charset="-93"/>
-      <p:regular r:id="rId16"/>
+      <p:font typeface="Cabin Bold" panose="020B0604020202020204" charset="0"/>
+      <p:regular r:id="rId18"/>
     </p:embeddedFont>
     <p:embeddedFont>
       <p:font typeface="Trebuchet MS" panose="020B0603020202020204" pitchFamily="34" charset="0"/>
-      <p:regular r:id="rId17"/>
-      <p:bold r:id="rId18"/>
-      <p:italic r:id="rId19"/>
-      <p:boldItalic r:id="rId20"/>
+      <p:regular r:id="rId19"/>
+      <p:bold r:id="rId20"/>
+      <p:italic r:id="rId21"/>
+      <p:boldItalic r:id="rId22"/>
     </p:embeddedFont>
     <p:embeddedFont>
       <p:font typeface="Wingdings 3" panose="05040102010807070707" pitchFamily="18" charset="2"/>
-      <p:regular r:id="rId21"/>
+      <p:regular r:id="rId23"/>
     </p:embeddedFont>
   </p:embeddedFontLst>
   <p:defaultTextStyle>
@@ -902,7 +904,7 @@
             <a:fld id="{1D8BD707-D9CF-40AE-B4C6-C98DA3205C09}" type="datetimeFigureOut">
               <a:rPr lang="en-US" smtClean="0"/>
               <a:pPr/>
-              <a:t>10/4/2024</a:t>
+              <a:t>10/11/2024</a:t>
             </a:fld>
             <a:endParaRPr lang="en-US"/>
           </a:p>
@@ -1155,7 +1157,7 @@
             <a:fld id="{1D8BD707-D9CF-40AE-B4C6-C98DA3205C09}" type="datetimeFigureOut">
               <a:rPr lang="en-US" smtClean="0"/>
               <a:pPr/>
-              <a:t>10/4/2024</a:t>
+              <a:t>10/11/2024</a:t>
             </a:fld>
             <a:endParaRPr lang="en-US"/>
           </a:p>
@@ -1471,7 +1473,7 @@
             <a:fld id="{1D8BD707-D9CF-40AE-B4C6-C98DA3205C09}" type="datetimeFigureOut">
               <a:rPr lang="en-US" smtClean="0"/>
               <a:pPr/>
-              <a:t>10/4/2024</a:t>
+              <a:t>10/11/2024</a:t>
             </a:fld>
             <a:endParaRPr lang="en-US"/>
           </a:p>
@@ -1806,7 +1808,7 @@
             <a:fld id="{1D8BD707-D9CF-40AE-B4C6-C98DA3205C09}" type="datetimeFigureOut">
               <a:rPr lang="en-US" smtClean="0"/>
               <a:pPr/>
-              <a:t>10/4/2024</a:t>
+              <a:t>10/11/2024</a:t>
             </a:fld>
             <a:endParaRPr lang="en-US"/>
           </a:p>
@@ -2122,7 +2124,7 @@
             <a:fld id="{1D8BD707-D9CF-40AE-B4C6-C98DA3205C09}" type="datetimeFigureOut">
               <a:rPr lang="en-US" smtClean="0"/>
               <a:pPr/>
-              <a:t>10/4/2024</a:t>
+              <a:t>10/11/2024</a:t>
             </a:fld>
             <a:endParaRPr lang="en-US"/>
           </a:p>
@@ -2517,7 +2519,7 @@
             <a:fld id="{1D8BD707-D9CF-40AE-B4C6-C98DA3205C09}" type="datetimeFigureOut">
               <a:rPr lang="en-US" smtClean="0"/>
               <a:pPr/>
-              <a:t>10/4/2024</a:t>
+              <a:t>10/11/2024</a:t>
             </a:fld>
             <a:endParaRPr lang="en-US"/>
           </a:p>
@@ -2689,7 +2691,7 @@
             <a:fld id="{1D8BD707-D9CF-40AE-B4C6-C98DA3205C09}" type="datetimeFigureOut">
               <a:rPr lang="en-US" smtClean="0"/>
               <a:pPr/>
-              <a:t>10/4/2024</a:t>
+              <a:t>10/11/2024</a:t>
             </a:fld>
             <a:endParaRPr lang="en-US"/>
           </a:p>
@@ -2871,7 +2873,7 @@
             <a:fld id="{1D8BD707-D9CF-40AE-B4C6-C98DA3205C09}" type="datetimeFigureOut">
               <a:rPr lang="en-US" smtClean="0"/>
               <a:pPr/>
-              <a:t>10/4/2024</a:t>
+              <a:t>10/11/2024</a:t>
             </a:fld>
             <a:endParaRPr lang="en-US"/>
           </a:p>
@@ -3043,7 +3045,7 @@
             <a:fld id="{1D8BD707-D9CF-40AE-B4C6-C98DA3205C09}" type="datetimeFigureOut">
               <a:rPr lang="en-US" smtClean="0"/>
               <a:pPr/>
-              <a:t>10/4/2024</a:t>
+              <a:t>10/11/2024</a:t>
             </a:fld>
             <a:endParaRPr lang="en-US"/>
           </a:p>
@@ -3292,7 +3294,7 @@
             <a:fld id="{1D8BD707-D9CF-40AE-B4C6-C98DA3205C09}" type="datetimeFigureOut">
               <a:rPr lang="en-US" smtClean="0"/>
               <a:pPr/>
-              <a:t>10/4/2024</a:t>
+              <a:t>10/11/2024</a:t>
             </a:fld>
             <a:endParaRPr lang="en-US"/>
           </a:p>
@@ -3526,7 +3528,7 @@
             <a:fld id="{1D8BD707-D9CF-40AE-B4C6-C98DA3205C09}" type="datetimeFigureOut">
               <a:rPr lang="en-US" smtClean="0"/>
               <a:pPr/>
-              <a:t>10/4/2024</a:t>
+              <a:t>10/11/2024</a:t>
             </a:fld>
             <a:endParaRPr lang="en-US"/>
           </a:p>
@@ -3902,7 +3904,7 @@
             <a:fld id="{1D8BD707-D9CF-40AE-B4C6-C98DA3205C09}" type="datetimeFigureOut">
               <a:rPr lang="en-US" smtClean="0"/>
               <a:pPr/>
-              <a:t>10/4/2024</a:t>
+              <a:t>10/11/2024</a:t>
             </a:fld>
             <a:endParaRPr lang="en-US"/>
           </a:p>
@@ -4027,7 +4029,7 @@
             <a:fld id="{1D8BD707-D9CF-40AE-B4C6-C98DA3205C09}" type="datetimeFigureOut">
               <a:rPr lang="en-US" smtClean="0"/>
               <a:pPr/>
-              <a:t>10/4/2024</a:t>
+              <a:t>10/11/2024</a:t>
             </a:fld>
             <a:endParaRPr lang="en-US"/>
           </a:p>
@@ -4124,7 +4126,7 @@
             <a:fld id="{1D8BD707-D9CF-40AE-B4C6-C98DA3205C09}" type="datetimeFigureOut">
               <a:rPr lang="en-US" smtClean="0"/>
               <a:pPr/>
-              <a:t>10/4/2024</a:t>
+              <a:t>10/11/2024</a:t>
             </a:fld>
             <a:endParaRPr lang="en-US"/>
           </a:p>
@@ -4381,7 +4383,7 @@
             <a:fld id="{1D8BD707-D9CF-40AE-B4C6-C98DA3205C09}" type="datetimeFigureOut">
               <a:rPr lang="en-US" smtClean="0"/>
               <a:pPr/>
-              <a:t>10/4/2024</a:t>
+              <a:t>10/11/2024</a:t>
             </a:fld>
             <a:endParaRPr lang="en-US"/>
           </a:p>
@@ -4689,7 +4691,7 @@
             <a:fld id="{1D8BD707-D9CF-40AE-B4C6-C98DA3205C09}" type="datetimeFigureOut">
               <a:rPr lang="en-US" smtClean="0"/>
               <a:pPr/>
-              <a:t>10/4/2024</a:t>
+              <a:t>10/11/2024</a:t>
             </a:fld>
             <a:endParaRPr lang="en-US"/>
           </a:p>
@@ -5392,7 +5394,7 @@
             <a:fld id="{1D8BD707-D9CF-40AE-B4C6-C98DA3205C09}" type="datetimeFigureOut">
               <a:rPr lang="en-US" smtClean="0"/>
               <a:pPr/>
-              <a:t>10/4/2024</a:t>
+              <a:t>10/11/2024</a:t>
             </a:fld>
             <a:endParaRPr lang="en-US"/>
           </a:p>
@@ -6279,6 +6281,18 @@
   <p:clrMapOvr>
     <a:masterClrMapping/>
   </p:clrMapOvr>
+  <mc:AlternateContent xmlns:mc="http://schemas.openxmlformats.org/markup-compatibility/2006">
+    <mc:Choice xmlns:p159="http://schemas.microsoft.com/office/powerpoint/2015/09/main" Requires="p159">
+      <p:transition xmlns:p14="http://schemas.microsoft.com/office/powerpoint/2010/main" spd="slow" p14:dur="2000">
+        <p159:morph option="byObject"/>
+      </p:transition>
+    </mc:Choice>
+    <mc:Fallback>
+      <p:transition spd="slow">
+        <p:fade/>
+      </p:transition>
+    </mc:Fallback>
+  </mc:AlternateContent>
 </p:sld>
 </file>
 
@@ -6301,7 +6315,13 @@
       </p:grpSpPr>
       <p:grpSp>
         <p:nvGrpSpPr>
-          <p:cNvPr id="2" name="Group 2"/>
+          <p:cNvPr id="2" name="Group 2">
+            <a:extLst>
+              <a:ext uri="{FF2B5EF4-FFF2-40B4-BE49-F238E27FC236}">
+                <a16:creationId xmlns:a16="http://schemas.microsoft.com/office/drawing/2014/main" id="{DD4B8093-146E-B253-9D69-731A054AC3B4}"/>
+              </a:ext>
+            </a:extLst>
+          </p:cNvPr>
           <p:cNvGrpSpPr/>
           <p:nvPr/>
         </p:nvGrpSpPr>
@@ -6315,7 +6335,13 @@
         </p:grpSpPr>
         <p:sp>
           <p:nvSpPr>
-            <p:cNvPr id="3" name="Freeform 3"/>
+            <p:cNvPr id="4" name="Freeform 3">
+              <a:extLst>
+                <a:ext uri="{FF2B5EF4-FFF2-40B4-BE49-F238E27FC236}">
+                  <a16:creationId xmlns:a16="http://schemas.microsoft.com/office/drawing/2014/main" id="{844902E5-F9BA-A6E9-48CB-8B8B1CF6824F}"/>
+                </a:ext>
+              </a:extLst>
+            </p:cNvPr>
             <p:cNvSpPr/>
             <p:nvPr/>
           </p:nvSpPr>
@@ -6362,7 +6388,13 @@
         </p:sp>
         <p:sp>
           <p:nvSpPr>
-            <p:cNvPr id="4" name="TextBox 4"/>
+            <p:cNvPr id="5" name="TextBox 4">
+              <a:extLst>
+                <a:ext uri="{FF2B5EF4-FFF2-40B4-BE49-F238E27FC236}">
+                  <a16:creationId xmlns:a16="http://schemas.microsoft.com/office/drawing/2014/main" id="{3CAC8A2A-CDE1-5A03-E80A-6E73518CDCAB}"/>
+                </a:ext>
+              </a:extLst>
+            </p:cNvPr>
             <p:cNvSpPr txBox="1"/>
             <p:nvPr/>
           </p:nvSpPr>
@@ -6394,66 +6426,19 @@
       </p:grpSp>
       <p:sp>
         <p:nvSpPr>
-          <p:cNvPr id="5" name="Freeform 5"/>
-          <p:cNvSpPr/>
+          <p:cNvPr id="6" name="TextBox 6">
+            <a:extLst>
+              <a:ext uri="{FF2B5EF4-FFF2-40B4-BE49-F238E27FC236}">
+                <a16:creationId xmlns:a16="http://schemas.microsoft.com/office/drawing/2014/main" id="{3002C486-0359-C7D1-4CF0-50298877DD87}"/>
+              </a:ext>
+            </a:extLst>
+          </p:cNvPr>
+          <p:cNvSpPr txBox="1"/>
           <p:nvPr/>
         </p:nvSpPr>
         <p:spPr>
           <a:xfrm>
-            <a:off x="914400" y="2247900"/>
-            <a:ext cx="15697200" cy="7239000"/>
-          </a:xfrm>
-          <a:custGeom>
-            <a:avLst/>
-            <a:gdLst/>
-            <a:ahLst/>
-            <a:cxnLst/>
-            <a:rect l="l" t="t" r="r" b="b"/>
-            <a:pathLst>
-              <a:path w="13985018" h="7264253">
-                <a:moveTo>
-                  <a:pt x="0" y="0"/>
-                </a:moveTo>
-                <a:lnTo>
-                  <a:pt x="13985018" y="0"/>
-                </a:lnTo>
-                <a:lnTo>
-                  <a:pt x="13985018" y="7264253"/>
-                </a:lnTo>
-                <a:lnTo>
-                  <a:pt x="0" y="7264253"/>
-                </a:lnTo>
-                <a:lnTo>
-                  <a:pt x="0" y="0"/>
-                </a:lnTo>
-                <a:close/>
-              </a:path>
-            </a:pathLst>
-          </a:custGeom>
-          <a:blipFill>
-            <a:blip r:embed="rId2"/>
-            <a:stretch>
-              <a:fillRect r="-3886"/>
-            </a:stretch>
-          </a:blipFill>
-        </p:spPr>
-        <p:txBody>
-          <a:bodyPr/>
-          <a:lstStyle/>
-          <a:p>
-            <a:endParaRPr lang="vi-VN"/>
-          </a:p>
-        </p:txBody>
-      </p:sp>
-      <p:sp>
-        <p:nvSpPr>
-          <p:cNvPr id="6" name="TextBox 6"/>
-          <p:cNvSpPr txBox="1"/>
-          <p:nvPr/>
-        </p:nvSpPr>
-        <p:spPr>
-          <a:xfrm>
-            <a:off x="337504" y="16661"/>
+            <a:off x="2819400" y="140010"/>
             <a:ext cx="12311696" cy="1284134"/>
           </a:xfrm>
           <a:prstGeom prst="rect">
@@ -6472,7 +6457,7 @@
               </a:lnSpc>
             </a:pPr>
             <a:r>
-              <a:rPr lang="en-US" sz="7749" b="1" dirty="0">
+              <a:rPr lang="en-US" sz="7749" b="1" dirty="0" err="1">
                 <a:solidFill>
                   <a:srgbClr val="000000"/>
                 </a:solidFill>
@@ -6481,19 +6466,7 @@
                 <a:cs typeface="Cabin Bold"/>
                 <a:sym typeface="Cabin Bold"/>
               </a:rPr>
-              <a:t>Giao </a:t>
-            </a:r>
-            <a:r>
-              <a:rPr lang="en-US" sz="7749" b="1" dirty="0" err="1">
-                <a:solidFill>
-                  <a:srgbClr val="000000"/>
-                </a:solidFill>
-                <a:latin typeface="Cabin Bold"/>
-                <a:ea typeface="Cabin Bold"/>
-                <a:cs typeface="Cabin Bold"/>
-                <a:sym typeface="Cabin Bold"/>
-              </a:rPr>
-              <a:t>diện</a:t>
+              <a:t>Xem</a:t>
             </a:r>
             <a:r>
               <a:rPr lang="en-US" sz="7749" b="1" dirty="0">
@@ -6508,7 +6481,7 @@
               <a:t> </a:t>
             </a:r>
             <a:r>
-              <a:rPr lang="vi-VN" sz="7749" b="1" dirty="0">
+              <a:rPr lang="en-US" sz="7749" b="1" dirty="0" err="1">
                 <a:solidFill>
                   <a:srgbClr val="000000"/>
                 </a:solidFill>
@@ -6517,7 +6490,55 @@
                 <a:cs typeface="Cabin Bold"/>
                 <a:sym typeface="Cabin Bold"/>
               </a:rPr>
-              <a:t>quản lý sinh viên</a:t>
+              <a:t>thông</a:t>
+            </a:r>
+            <a:r>
+              <a:rPr lang="en-US" sz="7749" b="1" dirty="0">
+                <a:solidFill>
+                  <a:srgbClr val="000000"/>
+                </a:solidFill>
+                <a:latin typeface="Cabin Bold"/>
+                <a:ea typeface="Cabin Bold"/>
+                <a:cs typeface="Cabin Bold"/>
+                <a:sym typeface="Cabin Bold"/>
+              </a:rPr>
+              <a:t> tin </a:t>
+            </a:r>
+            <a:r>
+              <a:rPr lang="en-US" sz="7749" b="1" dirty="0" err="1">
+                <a:solidFill>
+                  <a:srgbClr val="000000"/>
+                </a:solidFill>
+                <a:latin typeface="Cabin Bold"/>
+                <a:ea typeface="Cabin Bold"/>
+                <a:cs typeface="Cabin Bold"/>
+                <a:sym typeface="Cabin Bold"/>
+              </a:rPr>
+              <a:t>sinh</a:t>
+            </a:r>
+            <a:r>
+              <a:rPr lang="en-US" sz="7749" b="1" dirty="0">
+                <a:solidFill>
+                  <a:srgbClr val="000000"/>
+                </a:solidFill>
+                <a:latin typeface="Cabin Bold"/>
+                <a:ea typeface="Cabin Bold"/>
+                <a:cs typeface="Cabin Bold"/>
+                <a:sym typeface="Cabin Bold"/>
+              </a:rPr>
+              <a:t> </a:t>
+            </a:r>
+            <a:r>
+              <a:rPr lang="en-US" sz="7749" b="1" dirty="0" err="1">
+                <a:solidFill>
+                  <a:srgbClr val="000000"/>
+                </a:solidFill>
+                <a:latin typeface="Cabin Bold"/>
+                <a:ea typeface="Cabin Bold"/>
+                <a:cs typeface="Cabin Bold"/>
+                <a:sym typeface="Cabin Bold"/>
+              </a:rPr>
+              <a:t>viên</a:t>
             </a:r>
             <a:endParaRPr lang="en-US" sz="7749" b="1" dirty="0">
               <a:solidFill>
@@ -6531,11 +6552,58 @@
           </a:p>
         </p:txBody>
       </p:sp>
+      <p:pic>
+        <p:nvPicPr>
+          <p:cNvPr id="9" name="Picture 8">
+            <a:extLst>
+              <a:ext uri="{FF2B5EF4-FFF2-40B4-BE49-F238E27FC236}">
+                <a16:creationId xmlns:a16="http://schemas.microsoft.com/office/drawing/2014/main" id="{844C39AB-00BC-2541-5CBE-015DF57E76C3}"/>
+              </a:ext>
+            </a:extLst>
+          </p:cNvPr>
+          <p:cNvPicPr>
+            <a:picLocks noChangeAspect="1"/>
+          </p:cNvPicPr>
+          <p:nvPr/>
+        </p:nvPicPr>
+        <p:blipFill>
+          <a:blip r:embed="rId2"/>
+          <a:stretch>
+            <a:fillRect/>
+          </a:stretch>
+        </p:blipFill>
+        <p:spPr>
+          <a:xfrm>
+            <a:off x="1873890" y="2194304"/>
+            <a:ext cx="14540220" cy="6759196"/>
+          </a:xfrm>
+          <a:prstGeom prst="rect">
+            <a:avLst/>
+          </a:prstGeom>
+        </p:spPr>
+      </p:pic>
     </p:spTree>
+    <p:extLst>
+      <p:ext uri="{BB962C8B-B14F-4D97-AF65-F5344CB8AC3E}">
+        <p14:creationId xmlns:p14="http://schemas.microsoft.com/office/powerpoint/2010/main" val="194072174"/>
+      </p:ext>
+    </p:extLst>
   </p:cSld>
   <p:clrMapOvr>
     <a:masterClrMapping/>
   </p:clrMapOvr>
+  <mc:AlternateContent xmlns:mc="http://schemas.openxmlformats.org/markup-compatibility/2006">
+    <mc:Choice xmlns:p159="http://schemas.microsoft.com/office/powerpoint/2015/09/main" Requires="p159">
+      <p:transition xmlns:p14="http://schemas.microsoft.com/office/powerpoint/2010/main" spd="slow" p14:dur="2000">
+        <p159:morph option="byObject"/>
+      </p:transition>
+    </mc:Choice>
+    <mc:Fallback>
+      <p:transition spd="slow">
+        <p:fade/>
+      </p:transition>
+    </mc:Fallback>
+  </mc:AlternateContent>
 </p:sld>
 </file>
 
@@ -6667,12 +6735,164 @@
           </p:txBody>
         </p:sp>
       </p:grpSp>
+      <p:sp>
+        <p:nvSpPr>
+          <p:cNvPr id="6" name="TextBox 6">
+            <a:extLst>
+              <a:ext uri="{FF2B5EF4-FFF2-40B4-BE49-F238E27FC236}">
+                <a16:creationId xmlns:a16="http://schemas.microsoft.com/office/drawing/2014/main" id="{3002C486-0359-C7D1-4CF0-50298877DD87}"/>
+              </a:ext>
+            </a:extLst>
+          </p:cNvPr>
+          <p:cNvSpPr txBox="1"/>
+          <p:nvPr/>
+        </p:nvSpPr>
+        <p:spPr>
+          <a:xfrm>
+            <a:off x="2819400" y="140010"/>
+            <a:ext cx="12311696" cy="1284134"/>
+          </a:xfrm>
+          <a:prstGeom prst="rect">
+            <a:avLst/>
+          </a:prstGeom>
+        </p:spPr>
+        <p:txBody>
+          <a:bodyPr wrap="square" lIns="0" tIns="0" rIns="0" bIns="0" rtlCol="0" anchor="t">
+            <a:spAutoFit/>
+          </a:bodyPr>
+          <a:lstStyle/>
+          <a:p>
+            <a:pPr algn="ctr">
+              <a:lnSpc>
+                <a:spcPts val="10848"/>
+              </a:lnSpc>
+            </a:pPr>
+            <a:r>
+              <a:rPr lang="en-US" sz="7749" b="1" dirty="0" err="1">
+                <a:solidFill>
+                  <a:srgbClr val="000000"/>
+                </a:solidFill>
+                <a:latin typeface="Cabin Bold"/>
+                <a:ea typeface="Cabin Bold"/>
+                <a:cs typeface="Cabin Bold"/>
+                <a:sym typeface="Cabin Bold"/>
+              </a:rPr>
+              <a:t>Tạo</a:t>
+            </a:r>
+            <a:r>
+              <a:rPr lang="en-US" sz="7749" b="1" dirty="0">
+                <a:solidFill>
+                  <a:srgbClr val="000000"/>
+                </a:solidFill>
+                <a:latin typeface="Cabin Bold"/>
+                <a:ea typeface="Cabin Bold"/>
+                <a:cs typeface="Cabin Bold"/>
+                <a:sym typeface="Cabin Bold"/>
+              </a:rPr>
+              <a:t> </a:t>
+            </a:r>
+            <a:r>
+              <a:rPr lang="en-US" sz="7749" b="1" dirty="0" err="1">
+                <a:solidFill>
+                  <a:srgbClr val="000000"/>
+                </a:solidFill>
+                <a:latin typeface="Cabin Bold"/>
+                <a:ea typeface="Cabin Bold"/>
+                <a:cs typeface="Cabin Bold"/>
+                <a:sym typeface="Cabin Bold"/>
+              </a:rPr>
+              <a:t>tài</a:t>
+            </a:r>
+            <a:r>
+              <a:rPr lang="en-US" sz="7749" b="1" dirty="0">
+                <a:solidFill>
+                  <a:srgbClr val="000000"/>
+                </a:solidFill>
+                <a:latin typeface="Cabin Bold"/>
+                <a:ea typeface="Cabin Bold"/>
+                <a:cs typeface="Cabin Bold"/>
+                <a:sym typeface="Cabin Bold"/>
+              </a:rPr>
+              <a:t> </a:t>
+            </a:r>
+            <a:r>
+              <a:rPr lang="en-US" sz="7749" b="1" dirty="0" err="1">
+                <a:solidFill>
+                  <a:srgbClr val="000000"/>
+                </a:solidFill>
+                <a:latin typeface="Cabin Bold"/>
+                <a:ea typeface="Cabin Bold"/>
+                <a:cs typeface="Cabin Bold"/>
+                <a:sym typeface="Cabin Bold"/>
+              </a:rPr>
+              <a:t>khoản</a:t>
+            </a:r>
+            <a:r>
+              <a:rPr lang="en-US" sz="7749" b="1" dirty="0">
+                <a:solidFill>
+                  <a:srgbClr val="000000"/>
+                </a:solidFill>
+                <a:latin typeface="Cabin Bold"/>
+                <a:ea typeface="Cabin Bold"/>
+                <a:cs typeface="Cabin Bold"/>
+                <a:sym typeface="Cabin Bold"/>
+              </a:rPr>
+              <a:t> </a:t>
+            </a:r>
+            <a:r>
+              <a:rPr lang="en-US" sz="7749" b="1" dirty="0" err="1">
+                <a:solidFill>
+                  <a:srgbClr val="000000"/>
+                </a:solidFill>
+                <a:latin typeface="Cabin Bold"/>
+                <a:ea typeface="Cabin Bold"/>
+                <a:cs typeface="Cabin Bold"/>
+                <a:sym typeface="Cabin Bold"/>
+              </a:rPr>
+              <a:t>giảng</a:t>
+            </a:r>
+            <a:r>
+              <a:rPr lang="en-US" sz="7749" b="1" dirty="0">
+                <a:solidFill>
+                  <a:srgbClr val="000000"/>
+                </a:solidFill>
+                <a:latin typeface="Cabin Bold"/>
+                <a:ea typeface="Cabin Bold"/>
+                <a:cs typeface="Cabin Bold"/>
+                <a:sym typeface="Cabin Bold"/>
+              </a:rPr>
+              <a:t> </a:t>
+            </a:r>
+            <a:r>
+              <a:rPr lang="en-US" sz="7749" b="1" dirty="0" err="1">
+                <a:solidFill>
+                  <a:srgbClr val="000000"/>
+                </a:solidFill>
+                <a:latin typeface="Cabin Bold"/>
+                <a:ea typeface="Cabin Bold"/>
+                <a:cs typeface="Cabin Bold"/>
+                <a:sym typeface="Cabin Bold"/>
+              </a:rPr>
+              <a:t>viên</a:t>
+            </a:r>
+            <a:endParaRPr lang="en-US" sz="7749" b="1" dirty="0">
+              <a:solidFill>
+                <a:srgbClr val="000000"/>
+              </a:solidFill>
+              <a:latin typeface="Cabin Bold"/>
+              <a:ea typeface="Cabin Bold"/>
+              <a:cs typeface="Cabin Bold"/>
+              <a:sym typeface="Cabin Bold"/>
+            </a:endParaRPr>
+          </a:p>
+        </p:txBody>
+      </p:sp>
       <p:pic>
         <p:nvPicPr>
-          <p:cNvPr id="3" name="Picture 2">
+          <p:cNvPr id="7" name="Picture 6">
             <a:extLst>
               <a:ext uri="{FF2B5EF4-FFF2-40B4-BE49-F238E27FC236}">
-                <a16:creationId xmlns:a16="http://schemas.microsoft.com/office/drawing/2014/main" id="{47177A6D-8D85-1B49-7BDB-0FC4FABC77E8}"/>
+                <a16:creationId xmlns:a16="http://schemas.microsoft.com/office/drawing/2014/main" id="{447AA37B-633F-EBBE-B785-C0F6857AB5F3}"/>
               </a:ext>
             </a:extLst>
           </p:cNvPr>
@@ -6689,131 +6909,686 @@
         </p:blipFill>
         <p:spPr>
           <a:xfrm>
-            <a:off x="990600" y="2095500"/>
-            <a:ext cx="15537443" cy="7053737"/>
+            <a:off x="1953907" y="1897098"/>
+            <a:ext cx="14380186" cy="6492803"/>
           </a:xfrm>
           <a:prstGeom prst="rect">
             <a:avLst/>
           </a:prstGeom>
-          <a:ln>
-            <a:noFill/>
-          </a:ln>
-          <a:effectLst>
-            <a:outerShdw blurRad="292100" dist="139700" dir="2700000" algn="tl" rotWithShape="0">
-              <a:srgbClr val="333333">
-                <a:alpha val="65000"/>
-              </a:srgbClr>
-            </a:outerShdw>
-          </a:effectLst>
         </p:spPr>
       </p:pic>
-      <p:sp>
-        <p:nvSpPr>
-          <p:cNvPr id="7" name="TextBox 6">
-            <a:extLst>
-              <a:ext uri="{FF2B5EF4-FFF2-40B4-BE49-F238E27FC236}">
-                <a16:creationId xmlns:a16="http://schemas.microsoft.com/office/drawing/2014/main" id="{8B3E09E3-7E09-07DC-B55C-ED8E8599676A}"/>
-              </a:ext>
-            </a:extLst>
-          </p:cNvPr>
-          <p:cNvSpPr txBox="1"/>
-          <p:nvPr/>
-        </p:nvSpPr>
-        <p:spPr>
-          <a:xfrm>
-            <a:off x="-1143000" y="429877"/>
-            <a:ext cx="9448800" cy="707886"/>
-          </a:xfrm>
-          <a:prstGeom prst="rect">
-            <a:avLst/>
-          </a:prstGeom>
-          <a:noFill/>
-        </p:spPr>
-        <p:txBody>
-          <a:bodyPr wrap="square">
-            <a:spAutoFit/>
-          </a:bodyPr>
-          <a:lstStyle/>
-          <a:p>
-            <a:pPr algn="ctr">
-              <a:lnSpc>
-                <a:spcPts val="4759"/>
-              </a:lnSpc>
-            </a:pPr>
-            <a:r>
-              <a:rPr lang="en-US" sz="4000" b="1" dirty="0">
-                <a:solidFill>
-                  <a:srgbClr val="000000"/>
-                </a:solidFill>
-                <a:latin typeface="Cabin"/>
-                <a:ea typeface="Cabin"/>
-                <a:cs typeface="Cabin"/>
-                <a:sym typeface="Cabin"/>
-              </a:rPr>
-              <a:t>Giao </a:t>
-            </a:r>
-            <a:r>
-              <a:rPr lang="en-US" sz="4000" b="1" dirty="0" err="1">
-                <a:solidFill>
-                  <a:srgbClr val="000000"/>
-                </a:solidFill>
-                <a:latin typeface="Cabin"/>
-                <a:ea typeface="Cabin"/>
-                <a:cs typeface="Cabin"/>
-                <a:sym typeface="Cabin"/>
-              </a:rPr>
-              <a:t>diện</a:t>
-            </a:r>
-            <a:r>
-              <a:rPr lang="en-US" sz="4000" b="1" dirty="0">
-                <a:solidFill>
-                  <a:srgbClr val="000000"/>
-                </a:solidFill>
-                <a:latin typeface="Cabin"/>
-                <a:ea typeface="Cabin"/>
-                <a:cs typeface="Cabin"/>
-                <a:sym typeface="Cabin"/>
-              </a:rPr>
-              <a:t> </a:t>
-            </a:r>
-            <a:r>
-              <a:rPr lang="vi-VN" sz="4000" b="1" dirty="0">
-                <a:solidFill>
-                  <a:srgbClr val="000000"/>
-                </a:solidFill>
-                <a:latin typeface="Cabin"/>
-                <a:ea typeface="Cabin"/>
-                <a:cs typeface="Cabin"/>
-                <a:sym typeface="Cabin"/>
-              </a:rPr>
-              <a:t>thông tin chi tiết</a:t>
-            </a:r>
-            <a:endParaRPr lang="en-US" sz="4000" b="1" dirty="0">
-              <a:solidFill>
-                <a:srgbClr val="000000"/>
-              </a:solidFill>
-              <a:latin typeface="Cabin"/>
-              <a:ea typeface="Cabin"/>
-              <a:cs typeface="Cabin"/>
-              <a:sym typeface="Cabin"/>
-            </a:endParaRPr>
-          </a:p>
-        </p:txBody>
-      </p:sp>
     </p:spTree>
     <p:extLst>
       <p:ext uri="{BB962C8B-B14F-4D97-AF65-F5344CB8AC3E}">
-        <p14:creationId xmlns:p14="http://schemas.microsoft.com/office/powerpoint/2010/main" val="194072174"/>
+        <p14:creationId xmlns:p14="http://schemas.microsoft.com/office/powerpoint/2010/main" val="2951302357"/>
       </p:ext>
     </p:extLst>
   </p:cSld>
   <p:clrMapOvr>
     <a:masterClrMapping/>
   </p:clrMapOvr>
+  <mc:AlternateContent xmlns:mc="http://schemas.openxmlformats.org/markup-compatibility/2006">
+    <mc:Choice xmlns:p159="http://schemas.microsoft.com/office/powerpoint/2015/09/main" Requires="p159">
+      <p:transition xmlns:p14="http://schemas.microsoft.com/office/powerpoint/2010/main" spd="slow" p14:dur="2000">
+        <p159:morph option="byObject"/>
+      </p:transition>
+    </mc:Choice>
+    <mc:Fallback>
+      <p:transition spd="slow">
+        <p:fade/>
+      </p:transition>
+    </mc:Fallback>
+  </mc:AlternateContent>
 </p:sld>
 </file>
 
 <file path=ppt/slides/slide12.xml><?xml version="1.0" encoding="utf-8"?>
+<p:sld xmlns:a="http://schemas.openxmlformats.org/drawingml/2006/main" xmlns:r="http://schemas.openxmlformats.org/officeDocument/2006/relationships" xmlns:p="http://schemas.openxmlformats.org/presentationml/2006/main">
+  <p:cSld>
+    <p:spTree>
+      <p:nvGrpSpPr>
+        <p:cNvPr id="1" name=""/>
+        <p:cNvGrpSpPr/>
+        <p:nvPr/>
+      </p:nvGrpSpPr>
+      <p:grpSpPr>
+        <a:xfrm>
+          <a:off x="0" y="0"/>
+          <a:ext cx="0" cy="0"/>
+          <a:chOff x="0" y="0"/>
+          <a:chExt cx="0" cy="0"/>
+        </a:xfrm>
+      </p:grpSpPr>
+      <p:grpSp>
+        <p:nvGrpSpPr>
+          <p:cNvPr id="2" name="Group 2">
+            <a:extLst>
+              <a:ext uri="{FF2B5EF4-FFF2-40B4-BE49-F238E27FC236}">
+                <a16:creationId xmlns:a16="http://schemas.microsoft.com/office/drawing/2014/main" id="{DD4B8093-146E-B253-9D69-731A054AC3B4}"/>
+              </a:ext>
+            </a:extLst>
+          </p:cNvPr>
+          <p:cNvGrpSpPr/>
+          <p:nvPr/>
+        </p:nvGrpSpPr>
+        <p:grpSpPr>
+          <a:xfrm>
+            <a:off x="0" y="0"/>
+            <a:ext cx="18288000" cy="1564155"/>
+            <a:chOff x="0" y="0"/>
+            <a:chExt cx="4816593" cy="411959"/>
+          </a:xfrm>
+        </p:grpSpPr>
+        <p:sp>
+          <p:nvSpPr>
+            <p:cNvPr id="4" name="Freeform 3">
+              <a:extLst>
+                <a:ext uri="{FF2B5EF4-FFF2-40B4-BE49-F238E27FC236}">
+                  <a16:creationId xmlns:a16="http://schemas.microsoft.com/office/drawing/2014/main" id="{844902E5-F9BA-A6E9-48CB-8B8B1CF6824F}"/>
+                </a:ext>
+              </a:extLst>
+            </p:cNvPr>
+            <p:cNvSpPr/>
+            <p:nvPr/>
+          </p:nvSpPr>
+          <p:spPr>
+            <a:xfrm>
+              <a:off x="0" y="0"/>
+              <a:ext cx="4816592" cy="411959"/>
+            </a:xfrm>
+            <a:custGeom>
+              <a:avLst/>
+              <a:gdLst/>
+              <a:ahLst/>
+              <a:cxnLst/>
+              <a:rect l="l" t="t" r="r" b="b"/>
+              <a:pathLst>
+                <a:path w="4816592" h="411959">
+                  <a:moveTo>
+                    <a:pt x="0" y="0"/>
+                  </a:moveTo>
+                  <a:lnTo>
+                    <a:pt x="4816592" y="0"/>
+                  </a:lnTo>
+                  <a:lnTo>
+                    <a:pt x="4816592" y="411959"/>
+                  </a:lnTo>
+                  <a:lnTo>
+                    <a:pt x="0" y="411959"/>
+                  </a:lnTo>
+                  <a:close/>
+                </a:path>
+              </a:pathLst>
+            </a:custGeom>
+            <a:solidFill>
+              <a:srgbClr val="AEB2D5"/>
+            </a:solidFill>
+          </p:spPr>
+          <p:txBody>
+            <a:bodyPr/>
+            <a:lstStyle/>
+            <a:p>
+              <a:endParaRPr lang="vi-VN"/>
+            </a:p>
+          </p:txBody>
+        </p:sp>
+        <p:sp>
+          <p:nvSpPr>
+            <p:cNvPr id="5" name="TextBox 4">
+              <a:extLst>
+                <a:ext uri="{FF2B5EF4-FFF2-40B4-BE49-F238E27FC236}">
+                  <a16:creationId xmlns:a16="http://schemas.microsoft.com/office/drawing/2014/main" id="{3CAC8A2A-CDE1-5A03-E80A-6E73518CDCAB}"/>
+                </a:ext>
+              </a:extLst>
+            </p:cNvPr>
+            <p:cNvSpPr txBox="1"/>
+            <p:nvPr/>
+          </p:nvSpPr>
+          <p:spPr>
+            <a:xfrm>
+              <a:off x="0" y="-38100"/>
+              <a:ext cx="4816593" cy="450059"/>
+            </a:xfrm>
+            <a:prstGeom prst="rect">
+              <a:avLst/>
+            </a:prstGeom>
+          </p:spPr>
+          <p:txBody>
+            <a:bodyPr lIns="50800" tIns="50800" rIns="50800" bIns="50800" rtlCol="0" anchor="ctr"/>
+            <a:lstStyle/>
+            <a:p>
+              <a:pPr algn="ctr">
+                <a:lnSpc>
+                  <a:spcPts val="2659"/>
+                </a:lnSpc>
+                <a:spcBef>
+                  <a:spcPct val="0"/>
+                </a:spcBef>
+              </a:pPr>
+              <a:endParaRPr/>
+            </a:p>
+          </p:txBody>
+        </p:sp>
+      </p:grpSp>
+      <p:sp>
+        <p:nvSpPr>
+          <p:cNvPr id="6" name="TextBox 6">
+            <a:extLst>
+              <a:ext uri="{FF2B5EF4-FFF2-40B4-BE49-F238E27FC236}">
+                <a16:creationId xmlns:a16="http://schemas.microsoft.com/office/drawing/2014/main" id="{3002C486-0359-C7D1-4CF0-50298877DD87}"/>
+              </a:ext>
+            </a:extLst>
+          </p:cNvPr>
+          <p:cNvSpPr txBox="1"/>
+          <p:nvPr/>
+        </p:nvSpPr>
+        <p:spPr>
+          <a:xfrm>
+            <a:off x="2819400" y="140010"/>
+            <a:ext cx="12311696" cy="1284134"/>
+          </a:xfrm>
+          <a:prstGeom prst="rect">
+            <a:avLst/>
+          </a:prstGeom>
+        </p:spPr>
+        <p:txBody>
+          <a:bodyPr wrap="square" lIns="0" tIns="0" rIns="0" bIns="0" rtlCol="0" anchor="t">
+            <a:spAutoFit/>
+          </a:bodyPr>
+          <a:lstStyle/>
+          <a:p>
+            <a:pPr algn="ctr">
+              <a:lnSpc>
+                <a:spcPts val="10848"/>
+              </a:lnSpc>
+            </a:pPr>
+            <a:r>
+              <a:rPr lang="en-US" sz="7749" b="1" dirty="0" err="1">
+                <a:solidFill>
+                  <a:srgbClr val="000000"/>
+                </a:solidFill>
+                <a:latin typeface="Cabin Bold"/>
+                <a:ea typeface="Cabin Bold"/>
+                <a:cs typeface="Cabin Bold"/>
+                <a:sym typeface="Cabin Bold"/>
+              </a:rPr>
+              <a:t>Xem</a:t>
+            </a:r>
+            <a:r>
+              <a:rPr lang="en-US" sz="7749" b="1" dirty="0">
+                <a:solidFill>
+                  <a:srgbClr val="000000"/>
+                </a:solidFill>
+                <a:latin typeface="Cabin Bold"/>
+                <a:ea typeface="Cabin Bold"/>
+                <a:cs typeface="Cabin Bold"/>
+                <a:sym typeface="Cabin Bold"/>
+              </a:rPr>
+              <a:t> </a:t>
+            </a:r>
+            <a:r>
+              <a:rPr lang="en-US" sz="7749" b="1" dirty="0" err="1">
+                <a:solidFill>
+                  <a:srgbClr val="000000"/>
+                </a:solidFill>
+                <a:latin typeface="Cabin Bold"/>
+                <a:ea typeface="Cabin Bold"/>
+                <a:cs typeface="Cabin Bold"/>
+                <a:sym typeface="Cabin Bold"/>
+              </a:rPr>
+              <a:t>sinh</a:t>
+            </a:r>
+            <a:r>
+              <a:rPr lang="en-US" sz="7749" b="1" dirty="0">
+                <a:solidFill>
+                  <a:srgbClr val="000000"/>
+                </a:solidFill>
+                <a:latin typeface="Cabin Bold"/>
+                <a:ea typeface="Cabin Bold"/>
+                <a:cs typeface="Cabin Bold"/>
+                <a:sym typeface="Cabin Bold"/>
+              </a:rPr>
+              <a:t> </a:t>
+            </a:r>
+            <a:r>
+              <a:rPr lang="en-US" sz="7749" b="1" dirty="0" err="1">
+                <a:solidFill>
+                  <a:srgbClr val="000000"/>
+                </a:solidFill>
+                <a:latin typeface="Cabin Bold"/>
+                <a:ea typeface="Cabin Bold"/>
+                <a:cs typeface="Cabin Bold"/>
+                <a:sym typeface="Cabin Bold"/>
+              </a:rPr>
+              <a:t>viên</a:t>
+            </a:r>
+            <a:r>
+              <a:rPr lang="en-US" sz="7749" b="1" dirty="0">
+                <a:solidFill>
+                  <a:srgbClr val="000000"/>
+                </a:solidFill>
+                <a:latin typeface="Cabin Bold"/>
+                <a:ea typeface="Cabin Bold"/>
+                <a:cs typeface="Cabin Bold"/>
+                <a:sym typeface="Cabin Bold"/>
+              </a:rPr>
+              <a:t> </a:t>
+            </a:r>
+            <a:r>
+              <a:rPr lang="en-US" sz="7749" b="1" dirty="0" err="1">
+                <a:solidFill>
+                  <a:srgbClr val="000000"/>
+                </a:solidFill>
+                <a:latin typeface="Cabin Bold"/>
+                <a:ea typeface="Cabin Bold"/>
+                <a:cs typeface="Cabin Bold"/>
+                <a:sym typeface="Cabin Bold"/>
+              </a:rPr>
+              <a:t>đã</a:t>
+            </a:r>
+            <a:r>
+              <a:rPr lang="en-US" sz="7749" b="1" dirty="0">
+                <a:solidFill>
+                  <a:srgbClr val="000000"/>
+                </a:solidFill>
+                <a:latin typeface="Cabin Bold"/>
+                <a:ea typeface="Cabin Bold"/>
+                <a:cs typeface="Cabin Bold"/>
+                <a:sym typeface="Cabin Bold"/>
+              </a:rPr>
+              <a:t> </a:t>
+            </a:r>
+            <a:r>
+              <a:rPr lang="en-US" sz="7749" b="1" dirty="0" err="1">
+                <a:solidFill>
+                  <a:srgbClr val="000000"/>
+                </a:solidFill>
+                <a:latin typeface="Cabin Bold"/>
+                <a:ea typeface="Cabin Bold"/>
+                <a:cs typeface="Cabin Bold"/>
+                <a:sym typeface="Cabin Bold"/>
+              </a:rPr>
+              <a:t>xoá</a:t>
+            </a:r>
+            <a:endParaRPr lang="en-US" sz="7749" b="1" dirty="0">
+              <a:solidFill>
+                <a:srgbClr val="000000"/>
+              </a:solidFill>
+              <a:latin typeface="Cabin Bold"/>
+              <a:ea typeface="Cabin Bold"/>
+              <a:cs typeface="Cabin Bold"/>
+              <a:sym typeface="Cabin Bold"/>
+            </a:endParaRPr>
+          </a:p>
+        </p:txBody>
+      </p:sp>
+      <p:pic>
+        <p:nvPicPr>
+          <p:cNvPr id="7" name="Picture 6">
+            <a:extLst>
+              <a:ext uri="{FF2B5EF4-FFF2-40B4-BE49-F238E27FC236}">
+                <a16:creationId xmlns:a16="http://schemas.microsoft.com/office/drawing/2014/main" id="{76B0E838-6D83-9084-CDDB-A7F4058B7F8C}"/>
+              </a:ext>
+            </a:extLst>
+          </p:cNvPr>
+          <p:cNvPicPr>
+            <a:picLocks noChangeAspect="1"/>
+          </p:cNvPicPr>
+          <p:nvPr/>
+        </p:nvPicPr>
+        <p:blipFill>
+          <a:blip r:embed="rId2"/>
+          <a:stretch>
+            <a:fillRect/>
+          </a:stretch>
+        </p:blipFill>
+        <p:spPr>
+          <a:xfrm>
+            <a:off x="1919614" y="2072374"/>
+            <a:ext cx="14448772" cy="6142252"/>
+          </a:xfrm>
+          <a:prstGeom prst="rect">
+            <a:avLst/>
+          </a:prstGeom>
+        </p:spPr>
+      </p:pic>
+    </p:spTree>
+    <p:extLst>
+      <p:ext uri="{BB962C8B-B14F-4D97-AF65-F5344CB8AC3E}">
+        <p14:creationId xmlns:p14="http://schemas.microsoft.com/office/powerpoint/2010/main" val="9842156"/>
+      </p:ext>
+    </p:extLst>
+  </p:cSld>
+  <p:clrMapOvr>
+    <a:masterClrMapping/>
+  </p:clrMapOvr>
+  <mc:AlternateContent xmlns:mc="http://schemas.openxmlformats.org/markup-compatibility/2006">
+    <mc:Choice xmlns:p159="http://schemas.microsoft.com/office/powerpoint/2015/09/main" Requires="p159">
+      <p:transition xmlns:p14="http://schemas.microsoft.com/office/powerpoint/2010/main" spd="slow" p14:dur="2000">
+        <p159:morph option="byObject"/>
+      </p:transition>
+    </mc:Choice>
+    <mc:Fallback>
+      <p:transition spd="slow">
+        <p:fade/>
+      </p:transition>
+    </mc:Fallback>
+  </mc:AlternateContent>
+</p:sld>
+</file>
+
+<file path=ppt/slides/slide13.xml><?xml version="1.0" encoding="utf-8"?>
+<p:sld xmlns:a="http://schemas.openxmlformats.org/drawingml/2006/main" xmlns:r="http://schemas.openxmlformats.org/officeDocument/2006/relationships" xmlns:p="http://schemas.openxmlformats.org/presentationml/2006/main">
+  <p:cSld>
+    <p:spTree>
+      <p:nvGrpSpPr>
+        <p:cNvPr id="1" name=""/>
+        <p:cNvGrpSpPr/>
+        <p:nvPr/>
+      </p:nvGrpSpPr>
+      <p:grpSpPr>
+        <a:xfrm>
+          <a:off x="0" y="0"/>
+          <a:ext cx="0" cy="0"/>
+          <a:chOff x="0" y="0"/>
+          <a:chExt cx="0" cy="0"/>
+        </a:xfrm>
+      </p:grpSpPr>
+      <p:grpSp>
+        <p:nvGrpSpPr>
+          <p:cNvPr id="2" name="Group 2">
+            <a:extLst>
+              <a:ext uri="{FF2B5EF4-FFF2-40B4-BE49-F238E27FC236}">
+                <a16:creationId xmlns:a16="http://schemas.microsoft.com/office/drawing/2014/main" id="{DD4B8093-146E-B253-9D69-731A054AC3B4}"/>
+              </a:ext>
+            </a:extLst>
+          </p:cNvPr>
+          <p:cNvGrpSpPr/>
+          <p:nvPr/>
+        </p:nvGrpSpPr>
+        <p:grpSpPr>
+          <a:xfrm>
+            <a:off x="0" y="0"/>
+            <a:ext cx="18288000" cy="1564155"/>
+            <a:chOff x="0" y="0"/>
+            <a:chExt cx="4816593" cy="411959"/>
+          </a:xfrm>
+        </p:grpSpPr>
+        <p:sp>
+          <p:nvSpPr>
+            <p:cNvPr id="4" name="Freeform 3">
+              <a:extLst>
+                <a:ext uri="{FF2B5EF4-FFF2-40B4-BE49-F238E27FC236}">
+                  <a16:creationId xmlns:a16="http://schemas.microsoft.com/office/drawing/2014/main" id="{844902E5-F9BA-A6E9-48CB-8B8B1CF6824F}"/>
+                </a:ext>
+              </a:extLst>
+            </p:cNvPr>
+            <p:cNvSpPr/>
+            <p:nvPr/>
+          </p:nvSpPr>
+          <p:spPr>
+            <a:xfrm>
+              <a:off x="0" y="0"/>
+              <a:ext cx="4816592" cy="411959"/>
+            </a:xfrm>
+            <a:custGeom>
+              <a:avLst/>
+              <a:gdLst/>
+              <a:ahLst/>
+              <a:cxnLst/>
+              <a:rect l="l" t="t" r="r" b="b"/>
+              <a:pathLst>
+                <a:path w="4816592" h="411959">
+                  <a:moveTo>
+                    <a:pt x="0" y="0"/>
+                  </a:moveTo>
+                  <a:lnTo>
+                    <a:pt x="4816592" y="0"/>
+                  </a:lnTo>
+                  <a:lnTo>
+                    <a:pt x="4816592" y="411959"/>
+                  </a:lnTo>
+                  <a:lnTo>
+                    <a:pt x="0" y="411959"/>
+                  </a:lnTo>
+                  <a:close/>
+                </a:path>
+              </a:pathLst>
+            </a:custGeom>
+            <a:solidFill>
+              <a:srgbClr val="AEB2D5"/>
+            </a:solidFill>
+          </p:spPr>
+          <p:txBody>
+            <a:bodyPr/>
+            <a:lstStyle/>
+            <a:p>
+              <a:endParaRPr lang="vi-VN"/>
+            </a:p>
+          </p:txBody>
+        </p:sp>
+        <p:sp>
+          <p:nvSpPr>
+            <p:cNvPr id="5" name="TextBox 4">
+              <a:extLst>
+                <a:ext uri="{FF2B5EF4-FFF2-40B4-BE49-F238E27FC236}">
+                  <a16:creationId xmlns:a16="http://schemas.microsoft.com/office/drawing/2014/main" id="{3CAC8A2A-CDE1-5A03-E80A-6E73518CDCAB}"/>
+                </a:ext>
+              </a:extLst>
+            </p:cNvPr>
+            <p:cNvSpPr txBox="1"/>
+            <p:nvPr/>
+          </p:nvSpPr>
+          <p:spPr>
+            <a:xfrm>
+              <a:off x="0" y="-38100"/>
+              <a:ext cx="4816593" cy="450059"/>
+            </a:xfrm>
+            <a:prstGeom prst="rect">
+              <a:avLst/>
+            </a:prstGeom>
+          </p:spPr>
+          <p:txBody>
+            <a:bodyPr lIns="50800" tIns="50800" rIns="50800" bIns="50800" rtlCol="0" anchor="ctr"/>
+            <a:lstStyle/>
+            <a:p>
+              <a:pPr algn="ctr">
+                <a:lnSpc>
+                  <a:spcPts val="2659"/>
+                </a:lnSpc>
+                <a:spcBef>
+                  <a:spcPct val="0"/>
+                </a:spcBef>
+              </a:pPr>
+              <a:endParaRPr/>
+            </a:p>
+          </p:txBody>
+        </p:sp>
+      </p:grpSp>
+      <p:sp>
+        <p:nvSpPr>
+          <p:cNvPr id="6" name="TextBox 6">
+            <a:extLst>
+              <a:ext uri="{FF2B5EF4-FFF2-40B4-BE49-F238E27FC236}">
+                <a16:creationId xmlns:a16="http://schemas.microsoft.com/office/drawing/2014/main" id="{3002C486-0359-C7D1-4CF0-50298877DD87}"/>
+              </a:ext>
+            </a:extLst>
+          </p:cNvPr>
+          <p:cNvSpPr txBox="1"/>
+          <p:nvPr/>
+        </p:nvSpPr>
+        <p:spPr>
+          <a:xfrm>
+            <a:off x="2819400" y="140010"/>
+            <a:ext cx="12311696" cy="1284134"/>
+          </a:xfrm>
+          <a:prstGeom prst="rect">
+            <a:avLst/>
+          </a:prstGeom>
+        </p:spPr>
+        <p:txBody>
+          <a:bodyPr wrap="square" lIns="0" tIns="0" rIns="0" bIns="0" rtlCol="0" anchor="t">
+            <a:spAutoFit/>
+          </a:bodyPr>
+          <a:lstStyle/>
+          <a:p>
+            <a:pPr algn="ctr">
+              <a:lnSpc>
+                <a:spcPts val="10848"/>
+              </a:lnSpc>
+            </a:pPr>
+            <a:r>
+              <a:rPr lang="en-US" sz="7749" b="1" dirty="0" err="1">
+                <a:solidFill>
+                  <a:srgbClr val="000000"/>
+                </a:solidFill>
+                <a:latin typeface="Cabin Bold"/>
+                <a:ea typeface="Cabin Bold"/>
+                <a:cs typeface="Cabin Bold"/>
+                <a:sym typeface="Cabin Bold"/>
+              </a:rPr>
+              <a:t>Xem</a:t>
+            </a:r>
+            <a:r>
+              <a:rPr lang="en-US" sz="7749" b="1" dirty="0">
+                <a:solidFill>
+                  <a:srgbClr val="000000"/>
+                </a:solidFill>
+                <a:latin typeface="Cabin Bold"/>
+                <a:ea typeface="Cabin Bold"/>
+                <a:cs typeface="Cabin Bold"/>
+                <a:sym typeface="Cabin Bold"/>
+              </a:rPr>
+              <a:t> </a:t>
+            </a:r>
+            <a:r>
+              <a:rPr lang="en-US" sz="7749" b="1" dirty="0" err="1">
+                <a:solidFill>
+                  <a:srgbClr val="000000"/>
+                </a:solidFill>
+                <a:latin typeface="Cabin Bold"/>
+                <a:ea typeface="Cabin Bold"/>
+                <a:cs typeface="Cabin Bold"/>
+                <a:sym typeface="Cabin Bold"/>
+              </a:rPr>
+              <a:t>lớp</a:t>
+            </a:r>
+            <a:r>
+              <a:rPr lang="en-US" sz="7749" b="1" dirty="0">
+                <a:solidFill>
+                  <a:srgbClr val="000000"/>
+                </a:solidFill>
+                <a:latin typeface="Cabin Bold"/>
+                <a:ea typeface="Cabin Bold"/>
+                <a:cs typeface="Cabin Bold"/>
+                <a:sym typeface="Cabin Bold"/>
+              </a:rPr>
+              <a:t> </a:t>
+            </a:r>
+            <a:r>
+              <a:rPr lang="en-US" sz="7749" b="1" dirty="0" err="1">
+                <a:solidFill>
+                  <a:srgbClr val="000000"/>
+                </a:solidFill>
+                <a:latin typeface="Cabin Bold"/>
+                <a:ea typeface="Cabin Bold"/>
+                <a:cs typeface="Cabin Bold"/>
+                <a:sym typeface="Cabin Bold"/>
+              </a:rPr>
+              <a:t>đã</a:t>
+            </a:r>
+            <a:r>
+              <a:rPr lang="en-US" sz="7749" b="1" dirty="0">
+                <a:solidFill>
+                  <a:srgbClr val="000000"/>
+                </a:solidFill>
+                <a:latin typeface="Cabin Bold"/>
+                <a:ea typeface="Cabin Bold"/>
+                <a:cs typeface="Cabin Bold"/>
+                <a:sym typeface="Cabin Bold"/>
+              </a:rPr>
+              <a:t> </a:t>
+            </a:r>
+            <a:r>
+              <a:rPr lang="en-US" sz="7749" b="1" dirty="0" err="1">
+                <a:solidFill>
+                  <a:srgbClr val="000000"/>
+                </a:solidFill>
+                <a:latin typeface="Cabin Bold"/>
+                <a:ea typeface="Cabin Bold"/>
+                <a:cs typeface="Cabin Bold"/>
+                <a:sym typeface="Cabin Bold"/>
+              </a:rPr>
+              <a:t>xoá</a:t>
+            </a:r>
+            <a:endParaRPr lang="en-US" sz="7749" b="1" dirty="0">
+              <a:solidFill>
+                <a:srgbClr val="000000"/>
+              </a:solidFill>
+              <a:latin typeface="Cabin Bold"/>
+              <a:ea typeface="Cabin Bold"/>
+              <a:cs typeface="Cabin Bold"/>
+              <a:sym typeface="Cabin Bold"/>
+            </a:endParaRPr>
+          </a:p>
+        </p:txBody>
+      </p:sp>
+      <p:pic>
+        <p:nvPicPr>
+          <p:cNvPr id="7" name="Picture 6">
+            <a:extLst>
+              <a:ext uri="{FF2B5EF4-FFF2-40B4-BE49-F238E27FC236}">
+                <a16:creationId xmlns:a16="http://schemas.microsoft.com/office/drawing/2014/main" id="{39DD6F1B-E263-87A9-D3A9-37BBA7FE490C}"/>
+              </a:ext>
+            </a:extLst>
+          </p:cNvPr>
+          <p:cNvPicPr>
+            <a:picLocks noChangeAspect="1"/>
+          </p:cNvPicPr>
+          <p:nvPr/>
+        </p:nvPicPr>
+        <p:blipFill>
+          <a:blip r:embed="rId2"/>
+          <a:stretch>
+            <a:fillRect/>
+          </a:stretch>
+        </p:blipFill>
+        <p:spPr>
+          <a:xfrm>
+            <a:off x="1858648" y="2144770"/>
+            <a:ext cx="14570703" cy="5997460"/>
+          </a:xfrm>
+          <a:prstGeom prst="rect">
+            <a:avLst/>
+          </a:prstGeom>
+        </p:spPr>
+      </p:pic>
+    </p:spTree>
+    <p:extLst>
+      <p:ext uri="{BB962C8B-B14F-4D97-AF65-F5344CB8AC3E}">
+        <p14:creationId xmlns:p14="http://schemas.microsoft.com/office/powerpoint/2010/main" val="3433920902"/>
+      </p:ext>
+    </p:extLst>
+  </p:cSld>
+  <p:clrMapOvr>
+    <a:masterClrMapping/>
+  </p:clrMapOvr>
+  <mc:AlternateContent xmlns:mc="http://schemas.openxmlformats.org/markup-compatibility/2006">
+    <mc:Choice xmlns:p159="http://schemas.microsoft.com/office/powerpoint/2015/09/main" Requires="p159">
+      <p:transition xmlns:p14="http://schemas.microsoft.com/office/powerpoint/2010/main" spd="slow" p14:dur="2000">
+        <p159:morph option="byObject"/>
+      </p:transition>
+    </mc:Choice>
+    <mc:Fallback>
+      <p:transition spd="slow">
+        <p:fade/>
+      </p:transition>
+    </mc:Fallback>
+  </mc:AlternateContent>
+</p:sld>
+</file>
+
+<file path=ppt/slides/slide14.xml><?xml version="1.0" encoding="utf-8"?>
 <p:sld xmlns:a="http://schemas.openxmlformats.org/drawingml/2006/main" xmlns:r="http://schemas.openxmlformats.org/officeDocument/2006/relationships" xmlns:p="http://schemas.openxmlformats.org/presentationml/2006/main">
   <p:cSld>
     <p:spTree>
@@ -6935,10 +7710,22 @@
   <p:clrMapOvr>
     <a:masterClrMapping/>
   </p:clrMapOvr>
+  <mc:AlternateContent xmlns:mc="http://schemas.openxmlformats.org/markup-compatibility/2006">
+    <mc:Choice xmlns:p159="http://schemas.microsoft.com/office/powerpoint/2015/09/main" Requires="p159">
+      <p:transition xmlns:p14="http://schemas.microsoft.com/office/powerpoint/2010/main" spd="slow" p14:dur="2000">
+        <p159:morph option="byObject"/>
+      </p:transition>
+    </mc:Choice>
+    <mc:Fallback>
+      <p:transition spd="slow">
+        <p:fade/>
+      </p:transition>
+    </mc:Fallback>
+  </mc:AlternateContent>
 </p:sld>
 </file>
 
-<file path=ppt/slides/slide13.xml><?xml version="1.0" encoding="utf-8"?>
+<file path=ppt/slides/slide15.xml><?xml version="1.0" encoding="utf-8"?>
 <p:sld xmlns:a="http://schemas.openxmlformats.org/drawingml/2006/main" xmlns:r="http://schemas.openxmlformats.org/officeDocument/2006/relationships" xmlns:p="http://schemas.openxmlformats.org/presentationml/2006/main">
   <p:cSld>
     <p:spTree>
@@ -7049,6 +7836,18 @@
   <p:clrMapOvr>
     <a:masterClrMapping/>
   </p:clrMapOvr>
+  <mc:AlternateContent xmlns:mc="http://schemas.openxmlformats.org/markup-compatibility/2006">
+    <mc:Choice xmlns:p159="http://schemas.microsoft.com/office/powerpoint/2015/09/main" Requires="p159">
+      <p:transition xmlns:p14="http://schemas.microsoft.com/office/powerpoint/2010/main" spd="slow" p14:dur="2000">
+        <p159:morph option="byObject"/>
+      </p:transition>
+    </mc:Choice>
+    <mc:Fallback>
+      <p:transition spd="slow">
+        <p:fade/>
+      </p:transition>
+    </mc:Fallback>
+  </mc:AlternateContent>
 </p:sld>
 </file>
 
@@ -7752,6 +8551,18 @@
   <p:clrMapOvr>
     <a:masterClrMapping/>
   </p:clrMapOvr>
+  <mc:AlternateContent xmlns:mc="http://schemas.openxmlformats.org/markup-compatibility/2006">
+    <mc:Choice xmlns:p159="http://schemas.microsoft.com/office/powerpoint/2015/09/main" Requires="p159">
+      <p:transition xmlns:p14="http://schemas.microsoft.com/office/powerpoint/2010/main" spd="slow" p14:dur="2000">
+        <p159:morph option="byObject"/>
+      </p:transition>
+    </mc:Choice>
+    <mc:Fallback>
+      <p:transition spd="slow">
+        <p:fade/>
+      </p:transition>
+    </mc:Fallback>
+  </mc:AlternateContent>
 </p:sld>
 </file>
 
@@ -7772,1427 +8583,6 @@
           <a:chExt cx="0" cy="0"/>
         </a:xfrm>
       </p:grpSpPr>
-      <p:sp>
-        <p:nvSpPr>
-          <p:cNvPr id="2" name="Freeform 2"/>
-          <p:cNvSpPr/>
-          <p:nvPr/>
-        </p:nvSpPr>
-        <p:spPr>
-          <a:xfrm>
-            <a:off x="10972800" y="3057559"/>
-            <a:ext cx="7315200" cy="3777303"/>
-          </a:xfrm>
-          <a:custGeom>
-            <a:avLst/>
-            <a:gdLst/>
-            <a:ahLst/>
-            <a:cxnLst/>
-            <a:rect l="l" t="t" r="r" b="b"/>
-            <a:pathLst>
-              <a:path w="7315200" h="3777303">
-                <a:moveTo>
-                  <a:pt x="0" y="0"/>
-                </a:moveTo>
-                <a:lnTo>
-                  <a:pt x="7315200" y="0"/>
-                </a:lnTo>
-                <a:lnTo>
-                  <a:pt x="7315200" y="3777303"/>
-                </a:lnTo>
-                <a:lnTo>
-                  <a:pt x="0" y="3777303"/>
-                </a:lnTo>
-                <a:lnTo>
-                  <a:pt x="0" y="0"/>
-                </a:lnTo>
-                <a:close/>
-              </a:path>
-            </a:pathLst>
-          </a:custGeom>
-          <a:blipFill>
-            <a:blip r:embed="rId2">
-              <a:extLst>
-                <a:ext uri="{96DAC541-7B7A-43D3-8B79-37D633B846F1}">
-                  <asvg:svgBlip xmlns:asvg="http://schemas.microsoft.com/office/drawing/2016/SVG/main" r:embed="rId3"/>
-                </a:ext>
-              </a:extLst>
-            </a:blip>
-            <a:stretch>
-              <a:fillRect/>
-            </a:stretch>
-          </a:blipFill>
-        </p:spPr>
-        <p:txBody>
-          <a:bodyPr/>
-          <a:lstStyle/>
-          <a:p>
-            <a:endParaRPr lang="vi-VN"/>
-          </a:p>
-        </p:txBody>
-      </p:sp>
-      <p:grpSp>
-        <p:nvGrpSpPr>
-          <p:cNvPr id="3" name="Group 3"/>
-          <p:cNvGrpSpPr/>
-          <p:nvPr/>
-        </p:nvGrpSpPr>
-        <p:grpSpPr>
-          <a:xfrm>
-            <a:off x="0" y="0"/>
-            <a:ext cx="18288000" cy="1564155"/>
-            <a:chOff x="0" y="0"/>
-            <a:chExt cx="4816593" cy="411959"/>
-          </a:xfrm>
-        </p:grpSpPr>
-        <p:sp>
-          <p:nvSpPr>
-            <p:cNvPr id="4" name="Freeform 4"/>
-            <p:cNvSpPr/>
-            <p:nvPr/>
-          </p:nvSpPr>
-          <p:spPr>
-            <a:xfrm>
-              <a:off x="0" y="0"/>
-              <a:ext cx="4816592" cy="411959"/>
-            </a:xfrm>
-            <a:custGeom>
-              <a:avLst/>
-              <a:gdLst/>
-              <a:ahLst/>
-              <a:cxnLst/>
-              <a:rect l="l" t="t" r="r" b="b"/>
-              <a:pathLst>
-                <a:path w="4816592" h="411959">
-                  <a:moveTo>
-                    <a:pt x="0" y="0"/>
-                  </a:moveTo>
-                  <a:lnTo>
-                    <a:pt x="4816592" y="0"/>
-                  </a:lnTo>
-                  <a:lnTo>
-                    <a:pt x="4816592" y="411959"/>
-                  </a:lnTo>
-                  <a:lnTo>
-                    <a:pt x="0" y="411959"/>
-                  </a:lnTo>
-                  <a:close/>
-                </a:path>
-              </a:pathLst>
-            </a:custGeom>
-            <a:solidFill>
-              <a:srgbClr val="AEB2D5"/>
-            </a:solidFill>
-          </p:spPr>
-          <p:txBody>
-            <a:bodyPr/>
-            <a:lstStyle/>
-            <a:p>
-              <a:endParaRPr lang="vi-VN"/>
-            </a:p>
-          </p:txBody>
-        </p:sp>
-        <p:sp>
-          <p:nvSpPr>
-            <p:cNvPr id="5" name="TextBox 5"/>
-            <p:cNvSpPr txBox="1"/>
-            <p:nvPr/>
-          </p:nvSpPr>
-          <p:spPr>
-            <a:xfrm>
-              <a:off x="0" y="-38100"/>
-              <a:ext cx="4816593" cy="450059"/>
-            </a:xfrm>
-            <a:prstGeom prst="rect">
-              <a:avLst/>
-            </a:prstGeom>
-          </p:spPr>
-          <p:txBody>
-            <a:bodyPr lIns="50800" tIns="50800" rIns="50800" bIns="50800" rtlCol="0" anchor="ctr"/>
-            <a:lstStyle/>
-            <a:p>
-              <a:pPr algn="ctr">
-                <a:lnSpc>
-                  <a:spcPts val="2659"/>
-                </a:lnSpc>
-                <a:spcBef>
-                  <a:spcPct val="0"/>
-                </a:spcBef>
-              </a:pPr>
-              <a:endParaRPr/>
-            </a:p>
-          </p:txBody>
-        </p:sp>
-      </p:grpSp>
-      <p:sp>
-        <p:nvSpPr>
-          <p:cNvPr id="6" name="TextBox 6"/>
-          <p:cNvSpPr txBox="1"/>
-          <p:nvPr/>
-        </p:nvSpPr>
-        <p:spPr>
-          <a:xfrm>
-            <a:off x="1014632" y="54761"/>
-            <a:ext cx="5194697" cy="1102087"/>
-          </a:xfrm>
-          <a:prstGeom prst="rect">
-            <a:avLst/>
-          </a:prstGeom>
-        </p:spPr>
-        <p:txBody>
-          <a:bodyPr lIns="0" tIns="0" rIns="0" bIns="0" rtlCol="0" anchor="t">
-            <a:spAutoFit/>
-          </a:bodyPr>
-          <a:lstStyle/>
-          <a:p>
-            <a:pPr algn="ctr">
-              <a:lnSpc>
-                <a:spcPts val="9080"/>
-              </a:lnSpc>
-            </a:pPr>
-            <a:r>
-              <a:rPr lang="en-US" sz="6485" b="1">
-                <a:solidFill>
-                  <a:srgbClr val="000000"/>
-                </a:solidFill>
-                <a:latin typeface="Cabin Bold"/>
-                <a:ea typeface="Cabin Bold"/>
-                <a:cs typeface="Cabin Bold"/>
-                <a:sym typeface="Cabin Bold"/>
-              </a:rPr>
-              <a:t>Ngôn ngữ PHP</a:t>
-            </a:r>
-          </a:p>
-        </p:txBody>
-      </p:sp>
-      <p:sp>
-        <p:nvSpPr>
-          <p:cNvPr id="7" name="TextBox 7"/>
-          <p:cNvSpPr txBox="1"/>
-          <p:nvPr/>
-        </p:nvSpPr>
-        <p:spPr>
-          <a:xfrm>
-            <a:off x="410432" y="3441862"/>
-            <a:ext cx="10114592" cy="4203700"/>
-          </a:xfrm>
-          <a:prstGeom prst="rect">
-            <a:avLst/>
-          </a:prstGeom>
-        </p:spPr>
-        <p:txBody>
-          <a:bodyPr lIns="0" tIns="0" rIns="0" bIns="0" rtlCol="0" anchor="t">
-            <a:spAutoFit/>
-          </a:bodyPr>
-          <a:lstStyle/>
-          <a:p>
-            <a:pPr algn="ctr">
-              <a:lnSpc>
-                <a:spcPts val="5599"/>
-              </a:lnSpc>
-            </a:pPr>
-            <a:r>
-              <a:rPr lang="en-US" sz="3999">
-                <a:solidFill>
-                  <a:srgbClr val="000000"/>
-                </a:solidFill>
-                <a:latin typeface="Cabin"/>
-                <a:ea typeface="Cabin"/>
-                <a:cs typeface="Cabin"/>
-                <a:sym typeface="Cabin"/>
-              </a:rPr>
-              <a:t>PHP là ngôn ngữ kịch bản phía máy chủ được sử dụng phổ biến cho các ứng dụng web động. Trong hệ thống này, PHP xử lý các yêu cầu của người dùng, thực hiện các thao tác cơ sở dữ liệu (thêm, sửa, xóa dữ liệu sinh viên và lớp học).</a:t>
-            </a:r>
-          </a:p>
-          <a:p>
-            <a:pPr algn="ctr">
-              <a:lnSpc>
-                <a:spcPts val="5599"/>
-              </a:lnSpc>
-            </a:pPr>
-            <a:endParaRPr lang="en-US" sz="3999">
-              <a:solidFill>
-                <a:srgbClr val="000000"/>
-              </a:solidFill>
-              <a:latin typeface="Cabin"/>
-              <a:ea typeface="Cabin"/>
-              <a:cs typeface="Cabin"/>
-              <a:sym typeface="Cabin"/>
-            </a:endParaRPr>
-          </a:p>
-        </p:txBody>
-      </p:sp>
-    </p:spTree>
-  </p:cSld>
-  <p:clrMapOvr>
-    <a:masterClrMapping/>
-  </p:clrMapOvr>
-</p:sld>
-</file>
-
-<file path=ppt/slides/slide4.xml><?xml version="1.0" encoding="utf-8"?>
-<p:sld xmlns:a="http://schemas.openxmlformats.org/drawingml/2006/main" xmlns:r="http://schemas.openxmlformats.org/officeDocument/2006/relationships" xmlns:p="http://schemas.openxmlformats.org/presentationml/2006/main">
-  <p:cSld>
-    <p:spTree>
-      <p:nvGrpSpPr>
-        <p:cNvPr id="1" name=""/>
-        <p:cNvGrpSpPr/>
-        <p:nvPr/>
-      </p:nvGrpSpPr>
-      <p:grpSpPr>
-        <a:xfrm>
-          <a:off x="0" y="0"/>
-          <a:ext cx="0" cy="0"/>
-          <a:chOff x="0" y="0"/>
-          <a:chExt cx="0" cy="0"/>
-        </a:xfrm>
-      </p:grpSpPr>
-      <p:grpSp>
-        <p:nvGrpSpPr>
-          <p:cNvPr id="2" name="Group 2"/>
-          <p:cNvGrpSpPr/>
-          <p:nvPr/>
-        </p:nvGrpSpPr>
-        <p:grpSpPr>
-          <a:xfrm>
-            <a:off x="0" y="0"/>
-            <a:ext cx="18288000" cy="1564155"/>
-            <a:chOff x="0" y="0"/>
-            <a:chExt cx="4816593" cy="411959"/>
-          </a:xfrm>
-        </p:grpSpPr>
-        <p:sp>
-          <p:nvSpPr>
-            <p:cNvPr id="3" name="Freeform 3"/>
-            <p:cNvSpPr/>
-            <p:nvPr/>
-          </p:nvSpPr>
-          <p:spPr>
-            <a:xfrm>
-              <a:off x="0" y="0"/>
-              <a:ext cx="4816592" cy="411959"/>
-            </a:xfrm>
-            <a:custGeom>
-              <a:avLst/>
-              <a:gdLst/>
-              <a:ahLst/>
-              <a:cxnLst/>
-              <a:rect l="l" t="t" r="r" b="b"/>
-              <a:pathLst>
-                <a:path w="4816592" h="411959">
-                  <a:moveTo>
-                    <a:pt x="0" y="0"/>
-                  </a:moveTo>
-                  <a:lnTo>
-                    <a:pt x="4816592" y="0"/>
-                  </a:lnTo>
-                  <a:lnTo>
-                    <a:pt x="4816592" y="411959"/>
-                  </a:lnTo>
-                  <a:lnTo>
-                    <a:pt x="0" y="411959"/>
-                  </a:lnTo>
-                  <a:close/>
-                </a:path>
-              </a:pathLst>
-            </a:custGeom>
-            <a:solidFill>
-              <a:srgbClr val="AEB2D5"/>
-            </a:solidFill>
-          </p:spPr>
-          <p:txBody>
-            <a:bodyPr/>
-            <a:lstStyle/>
-            <a:p>
-              <a:endParaRPr lang="vi-VN"/>
-            </a:p>
-          </p:txBody>
-        </p:sp>
-        <p:sp>
-          <p:nvSpPr>
-            <p:cNvPr id="4" name="TextBox 4"/>
-            <p:cNvSpPr txBox="1"/>
-            <p:nvPr/>
-          </p:nvSpPr>
-          <p:spPr>
-            <a:xfrm>
-              <a:off x="0" y="-38100"/>
-              <a:ext cx="4816593" cy="450059"/>
-            </a:xfrm>
-            <a:prstGeom prst="rect">
-              <a:avLst/>
-            </a:prstGeom>
-          </p:spPr>
-          <p:txBody>
-            <a:bodyPr lIns="50800" tIns="50800" rIns="50800" bIns="50800" rtlCol="0" anchor="ctr"/>
-            <a:lstStyle/>
-            <a:p>
-              <a:pPr algn="ctr">
-                <a:lnSpc>
-                  <a:spcPts val="2659"/>
-                </a:lnSpc>
-                <a:spcBef>
-                  <a:spcPct val="0"/>
-                </a:spcBef>
-              </a:pPr>
-              <a:endParaRPr/>
-            </a:p>
-          </p:txBody>
-        </p:sp>
-      </p:grpSp>
-      <p:sp>
-        <p:nvSpPr>
-          <p:cNvPr id="5" name="Freeform 5"/>
-          <p:cNvSpPr/>
-          <p:nvPr/>
-        </p:nvSpPr>
-        <p:spPr>
-          <a:xfrm>
-            <a:off x="9944100" y="3518062"/>
-            <a:ext cx="7315200" cy="3843805"/>
-          </a:xfrm>
-          <a:custGeom>
-            <a:avLst/>
-            <a:gdLst/>
-            <a:ahLst/>
-            <a:cxnLst/>
-            <a:rect l="l" t="t" r="r" b="b"/>
-            <a:pathLst>
-              <a:path w="7315200" h="3843805">
-                <a:moveTo>
-                  <a:pt x="0" y="0"/>
-                </a:moveTo>
-                <a:lnTo>
-                  <a:pt x="7315200" y="0"/>
-                </a:lnTo>
-                <a:lnTo>
-                  <a:pt x="7315200" y="3843805"/>
-                </a:lnTo>
-                <a:lnTo>
-                  <a:pt x="0" y="3843805"/>
-                </a:lnTo>
-                <a:lnTo>
-                  <a:pt x="0" y="0"/>
-                </a:lnTo>
-                <a:close/>
-              </a:path>
-            </a:pathLst>
-          </a:custGeom>
-          <a:blipFill>
-            <a:blip r:embed="rId2">
-              <a:extLst>
-                <a:ext uri="{96DAC541-7B7A-43D3-8B79-37D633B846F1}">
-                  <asvg:svgBlip xmlns:asvg="http://schemas.microsoft.com/office/drawing/2016/SVG/main" r:embed="rId3"/>
-                </a:ext>
-              </a:extLst>
-            </a:blip>
-            <a:stretch>
-              <a:fillRect/>
-            </a:stretch>
-          </a:blipFill>
-        </p:spPr>
-        <p:txBody>
-          <a:bodyPr/>
-          <a:lstStyle/>
-          <a:p>
-            <a:endParaRPr lang="vi-VN"/>
-          </a:p>
-        </p:txBody>
-      </p:sp>
-      <p:sp>
-        <p:nvSpPr>
-          <p:cNvPr id="6" name="TextBox 6"/>
-          <p:cNvSpPr txBox="1"/>
-          <p:nvPr/>
-        </p:nvSpPr>
-        <p:spPr>
-          <a:xfrm>
-            <a:off x="0" y="54761"/>
-            <a:ext cx="9563247" cy="1102087"/>
-          </a:xfrm>
-          <a:prstGeom prst="rect">
-            <a:avLst/>
-          </a:prstGeom>
-        </p:spPr>
-        <p:txBody>
-          <a:bodyPr lIns="0" tIns="0" rIns="0" bIns="0" rtlCol="0" anchor="t">
-            <a:spAutoFit/>
-          </a:bodyPr>
-          <a:lstStyle/>
-          <a:p>
-            <a:pPr algn="ctr">
-              <a:lnSpc>
-                <a:spcPts val="9080"/>
-              </a:lnSpc>
-            </a:pPr>
-            <a:r>
-              <a:rPr lang="en-US" sz="6485">
-                <a:solidFill>
-                  <a:srgbClr val="000000"/>
-                </a:solidFill>
-                <a:latin typeface="Cabin"/>
-                <a:ea typeface="Cabin"/>
-                <a:cs typeface="Cabin"/>
-                <a:sym typeface="Cabin"/>
-              </a:rPr>
-              <a:t>Hệ quản trị CSDL MySQL</a:t>
-            </a:r>
-          </a:p>
-        </p:txBody>
-      </p:sp>
-      <p:sp>
-        <p:nvSpPr>
-          <p:cNvPr id="7" name="TextBox 7"/>
-          <p:cNvSpPr txBox="1"/>
-          <p:nvPr/>
-        </p:nvSpPr>
-        <p:spPr>
-          <a:xfrm>
-            <a:off x="410432" y="3441862"/>
-            <a:ext cx="9152815" cy="4908550"/>
-          </a:xfrm>
-          <a:prstGeom prst="rect">
-            <a:avLst/>
-          </a:prstGeom>
-        </p:spPr>
-        <p:txBody>
-          <a:bodyPr lIns="0" tIns="0" rIns="0" bIns="0" rtlCol="0" anchor="t">
-            <a:spAutoFit/>
-          </a:bodyPr>
-          <a:lstStyle/>
-          <a:p>
-            <a:pPr algn="ctr">
-              <a:lnSpc>
-                <a:spcPts val="5599"/>
-              </a:lnSpc>
-            </a:pPr>
-            <a:r>
-              <a:rPr lang="en-US" sz="3999">
-                <a:solidFill>
-                  <a:srgbClr val="000000"/>
-                </a:solidFill>
-                <a:latin typeface="Cabin"/>
-                <a:ea typeface="Cabin"/>
-                <a:cs typeface="Cabin"/>
-                <a:sym typeface="Cabin"/>
-              </a:rPr>
-              <a:t>MySQL là hệ quản trị cơ sở dữ liệu quan hệ được sử dụng để lưu trữ dữ liệu cho hệ thống quản lý sinh viên. Các bảng chứa thông tin về lớp học (mã lớp, tên lớp) và sinh viên (mã sinh viên, họ tên, ngày sinh, giới tính) được lưu trữ trong cơ sở dữ liệu.</a:t>
-            </a:r>
-          </a:p>
-          <a:p>
-            <a:pPr algn="ctr">
-              <a:lnSpc>
-                <a:spcPts val="5599"/>
-              </a:lnSpc>
-            </a:pPr>
-            <a:endParaRPr lang="en-US" sz="3999">
-              <a:solidFill>
-                <a:srgbClr val="000000"/>
-              </a:solidFill>
-              <a:latin typeface="Cabin"/>
-              <a:ea typeface="Cabin"/>
-              <a:cs typeface="Cabin"/>
-              <a:sym typeface="Cabin"/>
-            </a:endParaRPr>
-          </a:p>
-        </p:txBody>
-      </p:sp>
-    </p:spTree>
-  </p:cSld>
-  <p:clrMapOvr>
-    <a:masterClrMapping/>
-  </p:clrMapOvr>
-</p:sld>
-</file>
-
-<file path=ppt/slides/slide5.xml><?xml version="1.0" encoding="utf-8"?>
-<p:sld xmlns:a="http://schemas.openxmlformats.org/drawingml/2006/main" xmlns:r="http://schemas.openxmlformats.org/officeDocument/2006/relationships" xmlns:p="http://schemas.openxmlformats.org/presentationml/2006/main">
-  <p:cSld>
-    <p:spTree>
-      <p:nvGrpSpPr>
-        <p:cNvPr id="1" name=""/>
-        <p:cNvGrpSpPr/>
-        <p:nvPr/>
-      </p:nvGrpSpPr>
-      <p:grpSpPr>
-        <a:xfrm>
-          <a:off x="0" y="0"/>
-          <a:ext cx="0" cy="0"/>
-          <a:chOff x="0" y="0"/>
-          <a:chExt cx="0" cy="0"/>
-        </a:xfrm>
-      </p:grpSpPr>
-      <p:grpSp>
-        <p:nvGrpSpPr>
-          <p:cNvPr id="2" name="Group 2"/>
-          <p:cNvGrpSpPr/>
-          <p:nvPr/>
-        </p:nvGrpSpPr>
-        <p:grpSpPr>
-          <a:xfrm>
-            <a:off x="0" y="0"/>
-            <a:ext cx="18288000" cy="1564155"/>
-            <a:chOff x="0" y="0"/>
-            <a:chExt cx="4816593" cy="411959"/>
-          </a:xfrm>
-        </p:grpSpPr>
-        <p:sp>
-          <p:nvSpPr>
-            <p:cNvPr id="3" name="Freeform 3"/>
-            <p:cNvSpPr/>
-            <p:nvPr/>
-          </p:nvSpPr>
-          <p:spPr>
-            <a:xfrm>
-              <a:off x="0" y="0"/>
-              <a:ext cx="4816592" cy="411959"/>
-            </a:xfrm>
-            <a:custGeom>
-              <a:avLst/>
-              <a:gdLst/>
-              <a:ahLst/>
-              <a:cxnLst/>
-              <a:rect l="l" t="t" r="r" b="b"/>
-              <a:pathLst>
-                <a:path w="4816592" h="411959">
-                  <a:moveTo>
-                    <a:pt x="0" y="0"/>
-                  </a:moveTo>
-                  <a:lnTo>
-                    <a:pt x="4816592" y="0"/>
-                  </a:lnTo>
-                  <a:lnTo>
-                    <a:pt x="4816592" y="411959"/>
-                  </a:lnTo>
-                  <a:lnTo>
-                    <a:pt x="0" y="411959"/>
-                  </a:lnTo>
-                  <a:close/>
-                </a:path>
-              </a:pathLst>
-            </a:custGeom>
-            <a:solidFill>
-              <a:srgbClr val="AEB2D5"/>
-            </a:solidFill>
-          </p:spPr>
-          <p:txBody>
-            <a:bodyPr/>
-            <a:lstStyle/>
-            <a:p>
-              <a:endParaRPr lang="vi-VN"/>
-            </a:p>
-          </p:txBody>
-        </p:sp>
-        <p:sp>
-          <p:nvSpPr>
-            <p:cNvPr id="4" name="TextBox 4"/>
-            <p:cNvSpPr txBox="1"/>
-            <p:nvPr/>
-          </p:nvSpPr>
-          <p:spPr>
-            <a:xfrm>
-              <a:off x="0" y="-38100"/>
-              <a:ext cx="4816593" cy="450059"/>
-            </a:xfrm>
-            <a:prstGeom prst="rect">
-              <a:avLst/>
-            </a:prstGeom>
-          </p:spPr>
-          <p:txBody>
-            <a:bodyPr lIns="50800" tIns="50800" rIns="50800" bIns="50800" rtlCol="0" anchor="ctr"/>
-            <a:lstStyle/>
-            <a:p>
-              <a:pPr algn="ctr">
-                <a:lnSpc>
-                  <a:spcPts val="2659"/>
-                </a:lnSpc>
-                <a:spcBef>
-                  <a:spcPct val="0"/>
-                </a:spcBef>
-              </a:pPr>
-              <a:endParaRPr/>
-            </a:p>
-          </p:txBody>
-        </p:sp>
-      </p:grpSp>
-      <p:sp>
-        <p:nvSpPr>
-          <p:cNvPr id="5" name="Freeform 5"/>
-          <p:cNvSpPr/>
-          <p:nvPr/>
-        </p:nvSpPr>
-        <p:spPr>
-          <a:xfrm>
-            <a:off x="13725688" y="1951667"/>
-            <a:ext cx="4114800" cy="4114800"/>
-          </a:xfrm>
-          <a:custGeom>
-            <a:avLst/>
-            <a:gdLst/>
-            <a:ahLst/>
-            <a:cxnLst/>
-            <a:rect l="l" t="t" r="r" b="b"/>
-            <a:pathLst>
-              <a:path w="4114800" h="4114800">
-                <a:moveTo>
-                  <a:pt x="0" y="0"/>
-                </a:moveTo>
-                <a:lnTo>
-                  <a:pt x="4114800" y="0"/>
-                </a:lnTo>
-                <a:lnTo>
-                  <a:pt x="4114800" y="4114800"/>
-                </a:lnTo>
-                <a:lnTo>
-                  <a:pt x="0" y="4114800"/>
-                </a:lnTo>
-                <a:lnTo>
-                  <a:pt x="0" y="0"/>
-                </a:lnTo>
-                <a:close/>
-              </a:path>
-            </a:pathLst>
-          </a:custGeom>
-          <a:blipFill>
-            <a:blip r:embed="rId2">
-              <a:extLst>
-                <a:ext uri="{96DAC541-7B7A-43D3-8B79-37D633B846F1}">
-                  <asvg:svgBlip xmlns:asvg="http://schemas.microsoft.com/office/drawing/2016/SVG/main" r:embed="rId3"/>
-                </a:ext>
-              </a:extLst>
-            </a:blip>
-            <a:stretch>
-              <a:fillRect/>
-            </a:stretch>
-          </a:blipFill>
-        </p:spPr>
-        <p:txBody>
-          <a:bodyPr/>
-          <a:lstStyle/>
-          <a:p>
-            <a:endParaRPr lang="vi-VN"/>
-          </a:p>
-        </p:txBody>
-      </p:sp>
-      <p:sp>
-        <p:nvSpPr>
-          <p:cNvPr id="6" name="Freeform 6"/>
-          <p:cNvSpPr/>
-          <p:nvPr/>
-        </p:nvSpPr>
-        <p:spPr>
-          <a:xfrm>
-            <a:off x="0" y="4732967"/>
-            <a:ext cx="4204279" cy="1039604"/>
-          </a:xfrm>
-          <a:custGeom>
-            <a:avLst/>
-            <a:gdLst/>
-            <a:ahLst/>
-            <a:cxnLst/>
-            <a:rect l="l" t="t" r="r" b="b"/>
-            <a:pathLst>
-              <a:path w="4204279" h="1039604">
-                <a:moveTo>
-                  <a:pt x="0" y="0"/>
-                </a:moveTo>
-                <a:lnTo>
-                  <a:pt x="4204279" y="0"/>
-                </a:lnTo>
-                <a:lnTo>
-                  <a:pt x="4204279" y="1039604"/>
-                </a:lnTo>
-                <a:lnTo>
-                  <a:pt x="0" y="1039604"/>
-                </a:lnTo>
-                <a:lnTo>
-                  <a:pt x="0" y="0"/>
-                </a:lnTo>
-                <a:close/>
-              </a:path>
-            </a:pathLst>
-          </a:custGeom>
-          <a:blipFill>
-            <a:blip r:embed="rId4">
-              <a:extLst>
-                <a:ext uri="{96DAC541-7B7A-43D3-8B79-37D633B846F1}">
-                  <asvg:svgBlip xmlns:asvg="http://schemas.microsoft.com/office/drawing/2016/SVG/main" r:embed="rId5"/>
-                </a:ext>
-              </a:extLst>
-            </a:blip>
-            <a:stretch>
-              <a:fillRect/>
-            </a:stretch>
-          </a:blipFill>
-        </p:spPr>
-        <p:txBody>
-          <a:bodyPr/>
-          <a:lstStyle/>
-          <a:p>
-            <a:endParaRPr lang="vi-VN"/>
-          </a:p>
-        </p:txBody>
-      </p:sp>
-      <p:grpSp>
-        <p:nvGrpSpPr>
-          <p:cNvPr id="7" name="Group 7"/>
-          <p:cNvGrpSpPr/>
-          <p:nvPr/>
-        </p:nvGrpSpPr>
-        <p:grpSpPr>
-          <a:xfrm>
-            <a:off x="461638" y="6201196"/>
-            <a:ext cx="1134124" cy="538007"/>
-            <a:chOff x="0" y="0"/>
-            <a:chExt cx="812800" cy="385577"/>
-          </a:xfrm>
-        </p:grpSpPr>
-        <p:sp>
-          <p:nvSpPr>
-            <p:cNvPr id="8" name="Freeform 8"/>
-            <p:cNvSpPr/>
-            <p:nvPr/>
-          </p:nvSpPr>
-          <p:spPr>
-            <a:xfrm>
-              <a:off x="0" y="0"/>
-              <a:ext cx="812800" cy="385577"/>
-            </a:xfrm>
-            <a:custGeom>
-              <a:avLst/>
-              <a:gdLst/>
-              <a:ahLst/>
-              <a:cxnLst/>
-              <a:rect l="l" t="t" r="r" b="b"/>
-              <a:pathLst>
-                <a:path w="812800" h="385577">
-                  <a:moveTo>
-                    <a:pt x="0" y="0"/>
-                  </a:moveTo>
-                  <a:lnTo>
-                    <a:pt x="609600" y="0"/>
-                  </a:lnTo>
-                  <a:lnTo>
-                    <a:pt x="812800" y="192788"/>
-                  </a:lnTo>
-                  <a:lnTo>
-                    <a:pt x="609600" y="385577"/>
-                  </a:lnTo>
-                  <a:lnTo>
-                    <a:pt x="0" y="385577"/>
-                  </a:lnTo>
-                  <a:lnTo>
-                    <a:pt x="203200" y="192788"/>
-                  </a:lnTo>
-                  <a:lnTo>
-                    <a:pt x="0" y="0"/>
-                  </a:lnTo>
-                  <a:close/>
-                </a:path>
-              </a:pathLst>
-            </a:custGeom>
-            <a:solidFill>
-              <a:srgbClr val="484C89"/>
-            </a:solidFill>
-          </p:spPr>
-          <p:txBody>
-            <a:bodyPr/>
-            <a:lstStyle/>
-            <a:p>
-              <a:endParaRPr lang="vi-VN"/>
-            </a:p>
-          </p:txBody>
-        </p:sp>
-        <p:sp>
-          <p:nvSpPr>
-            <p:cNvPr id="9" name="TextBox 9"/>
-            <p:cNvSpPr txBox="1"/>
-            <p:nvPr/>
-          </p:nvSpPr>
-          <p:spPr>
-            <a:xfrm>
-              <a:off x="177800" y="-38100"/>
-              <a:ext cx="558800" cy="423677"/>
-            </a:xfrm>
-            <a:prstGeom prst="rect">
-              <a:avLst/>
-            </a:prstGeom>
-          </p:spPr>
-          <p:txBody>
-            <a:bodyPr lIns="50800" tIns="50800" rIns="50800" bIns="50800" rtlCol="0" anchor="ctr"/>
-            <a:lstStyle/>
-            <a:p>
-              <a:pPr algn="ctr">
-                <a:lnSpc>
-                  <a:spcPts val="2659"/>
-                </a:lnSpc>
-              </a:pPr>
-              <a:endParaRPr/>
-            </a:p>
-          </p:txBody>
-        </p:sp>
-      </p:grpSp>
-      <p:sp>
-        <p:nvSpPr>
-          <p:cNvPr id="10" name="TextBox 10"/>
-          <p:cNvSpPr txBox="1"/>
-          <p:nvPr/>
-        </p:nvSpPr>
-        <p:spPr>
-          <a:xfrm>
-            <a:off x="-2734255" y="173884"/>
-            <a:ext cx="9563247" cy="1102087"/>
-          </a:xfrm>
-          <a:prstGeom prst="rect">
-            <a:avLst/>
-          </a:prstGeom>
-        </p:spPr>
-        <p:txBody>
-          <a:bodyPr lIns="0" tIns="0" rIns="0" bIns="0" rtlCol="0" anchor="t">
-            <a:spAutoFit/>
-          </a:bodyPr>
-          <a:lstStyle/>
-          <a:p>
-            <a:pPr algn="ctr">
-              <a:lnSpc>
-                <a:spcPts val="9080"/>
-              </a:lnSpc>
-            </a:pPr>
-            <a:r>
-              <a:rPr lang="en-US" sz="6485" b="1">
-                <a:solidFill>
-                  <a:srgbClr val="000000"/>
-                </a:solidFill>
-                <a:latin typeface="Cabin Bold"/>
-                <a:ea typeface="Cabin Bold"/>
-                <a:cs typeface="Cabin Bold"/>
-                <a:sym typeface="Cabin Bold"/>
-              </a:rPr>
-              <a:t>Bootstrap</a:t>
-            </a:r>
-          </a:p>
-        </p:txBody>
-      </p:sp>
-      <p:sp>
-        <p:nvSpPr>
-          <p:cNvPr id="11" name="TextBox 11"/>
-          <p:cNvSpPr txBox="1"/>
-          <p:nvPr/>
-        </p:nvSpPr>
-        <p:spPr>
-          <a:xfrm>
-            <a:off x="195141" y="1919917"/>
-            <a:ext cx="13098598" cy="2089150"/>
-          </a:xfrm>
-          <a:prstGeom prst="rect">
-            <a:avLst/>
-          </a:prstGeom>
-        </p:spPr>
-        <p:txBody>
-          <a:bodyPr lIns="0" tIns="0" rIns="0" bIns="0" rtlCol="0" anchor="t">
-            <a:spAutoFit/>
-          </a:bodyPr>
-          <a:lstStyle/>
-          <a:p>
-            <a:pPr algn="ctr">
-              <a:lnSpc>
-                <a:spcPts val="5599"/>
-              </a:lnSpc>
-            </a:pPr>
-            <a:r>
-              <a:rPr lang="en-US" sz="3999">
-                <a:solidFill>
-                  <a:srgbClr val="000000"/>
-                </a:solidFill>
-                <a:latin typeface="Cabin"/>
-                <a:ea typeface="Cabin"/>
-                <a:cs typeface="Cabin"/>
-                <a:sym typeface="Cabin"/>
-              </a:rPr>
-              <a:t>Bootstrap là một framework phổ biến để phát triển giao diện người dùng, giúp thiết kế các trang web đẹp mắt và tương thích với nhiều kích thước màn hình (responsive design).</a:t>
-            </a:r>
-          </a:p>
-        </p:txBody>
-      </p:sp>
-      <p:sp>
-        <p:nvSpPr>
-          <p:cNvPr id="12" name="TextBox 12"/>
-          <p:cNvSpPr txBox="1"/>
-          <p:nvPr/>
-        </p:nvSpPr>
-        <p:spPr>
-          <a:xfrm>
-            <a:off x="797212" y="4745408"/>
-            <a:ext cx="3012788" cy="919471"/>
-          </a:xfrm>
-          <a:prstGeom prst="rect">
-            <a:avLst/>
-          </a:prstGeom>
-        </p:spPr>
-        <p:txBody>
-          <a:bodyPr wrap="square" lIns="0" tIns="0" rIns="0" bIns="0" rtlCol="0" anchor="t">
-            <a:spAutoFit/>
-          </a:bodyPr>
-          <a:lstStyle/>
-          <a:p>
-            <a:pPr algn="ctr">
-              <a:lnSpc>
-                <a:spcPts val="7595"/>
-              </a:lnSpc>
-            </a:pPr>
-            <a:r>
-              <a:rPr lang="en-US" sz="5425" dirty="0" err="1">
-                <a:solidFill>
-                  <a:srgbClr val="000000"/>
-                </a:solidFill>
-                <a:latin typeface="Cabin"/>
-                <a:ea typeface="Cabin"/>
-                <a:cs typeface="Cabin"/>
-                <a:sym typeface="Cabin"/>
-              </a:rPr>
-              <a:t>Ưu</a:t>
-            </a:r>
-            <a:r>
-              <a:rPr lang="en-US" sz="5425" dirty="0">
-                <a:solidFill>
-                  <a:srgbClr val="000000"/>
-                </a:solidFill>
-                <a:latin typeface="Cabin"/>
-                <a:ea typeface="Cabin"/>
-                <a:cs typeface="Cabin"/>
-                <a:sym typeface="Cabin"/>
-              </a:rPr>
-              <a:t> </a:t>
-            </a:r>
-            <a:r>
-              <a:rPr lang="en-US" sz="5425" dirty="0" err="1">
-                <a:solidFill>
-                  <a:srgbClr val="000000"/>
-                </a:solidFill>
-                <a:latin typeface="Cabin"/>
-                <a:ea typeface="Cabin"/>
-                <a:cs typeface="Cabin"/>
-                <a:sym typeface="Cabin"/>
-              </a:rPr>
-              <a:t>điểm</a:t>
-            </a:r>
-            <a:endParaRPr lang="en-US" sz="5425" dirty="0">
-              <a:solidFill>
-                <a:srgbClr val="000000"/>
-              </a:solidFill>
-              <a:latin typeface="Cabin"/>
-              <a:ea typeface="Cabin"/>
-              <a:cs typeface="Cabin"/>
-              <a:sym typeface="Cabin"/>
-            </a:endParaRPr>
-          </a:p>
-        </p:txBody>
-      </p:sp>
-      <p:grpSp>
-        <p:nvGrpSpPr>
-          <p:cNvPr id="13" name="Group 13"/>
-          <p:cNvGrpSpPr/>
-          <p:nvPr/>
-        </p:nvGrpSpPr>
-        <p:grpSpPr>
-          <a:xfrm>
-            <a:off x="461638" y="7595246"/>
-            <a:ext cx="1134124" cy="538007"/>
-            <a:chOff x="0" y="0"/>
-            <a:chExt cx="812800" cy="385577"/>
-          </a:xfrm>
-        </p:grpSpPr>
-        <p:sp>
-          <p:nvSpPr>
-            <p:cNvPr id="14" name="Freeform 14"/>
-            <p:cNvSpPr/>
-            <p:nvPr/>
-          </p:nvSpPr>
-          <p:spPr>
-            <a:xfrm>
-              <a:off x="0" y="0"/>
-              <a:ext cx="812800" cy="385577"/>
-            </a:xfrm>
-            <a:custGeom>
-              <a:avLst/>
-              <a:gdLst/>
-              <a:ahLst/>
-              <a:cxnLst/>
-              <a:rect l="l" t="t" r="r" b="b"/>
-              <a:pathLst>
-                <a:path w="812800" h="385577">
-                  <a:moveTo>
-                    <a:pt x="0" y="0"/>
-                  </a:moveTo>
-                  <a:lnTo>
-                    <a:pt x="609600" y="0"/>
-                  </a:lnTo>
-                  <a:lnTo>
-                    <a:pt x="812800" y="192788"/>
-                  </a:lnTo>
-                  <a:lnTo>
-                    <a:pt x="609600" y="385577"/>
-                  </a:lnTo>
-                  <a:lnTo>
-                    <a:pt x="0" y="385577"/>
-                  </a:lnTo>
-                  <a:lnTo>
-                    <a:pt x="203200" y="192788"/>
-                  </a:lnTo>
-                  <a:lnTo>
-                    <a:pt x="0" y="0"/>
-                  </a:lnTo>
-                  <a:close/>
-                </a:path>
-              </a:pathLst>
-            </a:custGeom>
-            <a:solidFill>
-              <a:srgbClr val="484C89"/>
-            </a:solidFill>
-          </p:spPr>
-          <p:txBody>
-            <a:bodyPr/>
-            <a:lstStyle/>
-            <a:p>
-              <a:endParaRPr lang="vi-VN"/>
-            </a:p>
-          </p:txBody>
-        </p:sp>
-        <p:sp>
-          <p:nvSpPr>
-            <p:cNvPr id="15" name="TextBox 15"/>
-            <p:cNvSpPr txBox="1"/>
-            <p:nvPr/>
-          </p:nvSpPr>
-          <p:spPr>
-            <a:xfrm>
-              <a:off x="177800" y="-38100"/>
-              <a:ext cx="558800" cy="423677"/>
-            </a:xfrm>
-            <a:prstGeom prst="rect">
-              <a:avLst/>
-            </a:prstGeom>
-          </p:spPr>
-          <p:txBody>
-            <a:bodyPr lIns="50800" tIns="50800" rIns="50800" bIns="50800" rtlCol="0" anchor="ctr"/>
-            <a:lstStyle/>
-            <a:p>
-              <a:pPr algn="ctr">
-                <a:lnSpc>
-                  <a:spcPts val="2659"/>
-                </a:lnSpc>
-              </a:pPr>
-              <a:endParaRPr/>
-            </a:p>
-          </p:txBody>
-        </p:sp>
-      </p:grpSp>
-      <p:grpSp>
-        <p:nvGrpSpPr>
-          <p:cNvPr id="16" name="Group 16"/>
-          <p:cNvGrpSpPr/>
-          <p:nvPr/>
-        </p:nvGrpSpPr>
-        <p:grpSpPr>
-          <a:xfrm>
-            <a:off x="461638" y="8989297"/>
-            <a:ext cx="1134124" cy="538007"/>
-            <a:chOff x="0" y="0"/>
-            <a:chExt cx="812800" cy="385577"/>
-          </a:xfrm>
-        </p:grpSpPr>
-        <p:sp>
-          <p:nvSpPr>
-            <p:cNvPr id="17" name="Freeform 17"/>
-            <p:cNvSpPr/>
-            <p:nvPr/>
-          </p:nvSpPr>
-          <p:spPr>
-            <a:xfrm>
-              <a:off x="0" y="0"/>
-              <a:ext cx="812800" cy="385577"/>
-            </a:xfrm>
-            <a:custGeom>
-              <a:avLst/>
-              <a:gdLst/>
-              <a:ahLst/>
-              <a:cxnLst/>
-              <a:rect l="l" t="t" r="r" b="b"/>
-              <a:pathLst>
-                <a:path w="812800" h="385577">
-                  <a:moveTo>
-                    <a:pt x="0" y="0"/>
-                  </a:moveTo>
-                  <a:lnTo>
-                    <a:pt x="609600" y="0"/>
-                  </a:lnTo>
-                  <a:lnTo>
-                    <a:pt x="812800" y="192788"/>
-                  </a:lnTo>
-                  <a:lnTo>
-                    <a:pt x="609600" y="385577"/>
-                  </a:lnTo>
-                  <a:lnTo>
-                    <a:pt x="0" y="385577"/>
-                  </a:lnTo>
-                  <a:lnTo>
-                    <a:pt x="203200" y="192788"/>
-                  </a:lnTo>
-                  <a:lnTo>
-                    <a:pt x="0" y="0"/>
-                  </a:lnTo>
-                  <a:close/>
-                </a:path>
-              </a:pathLst>
-            </a:custGeom>
-            <a:solidFill>
-              <a:srgbClr val="484C89"/>
-            </a:solidFill>
-          </p:spPr>
-          <p:txBody>
-            <a:bodyPr/>
-            <a:lstStyle/>
-            <a:p>
-              <a:endParaRPr lang="vi-VN"/>
-            </a:p>
-          </p:txBody>
-        </p:sp>
-        <p:sp>
-          <p:nvSpPr>
-            <p:cNvPr id="18" name="TextBox 18"/>
-            <p:cNvSpPr txBox="1"/>
-            <p:nvPr/>
-          </p:nvSpPr>
-          <p:spPr>
-            <a:xfrm>
-              <a:off x="177800" y="-38100"/>
-              <a:ext cx="558800" cy="423677"/>
-            </a:xfrm>
-            <a:prstGeom prst="rect">
-              <a:avLst/>
-            </a:prstGeom>
-          </p:spPr>
-          <p:txBody>
-            <a:bodyPr lIns="50800" tIns="50800" rIns="50800" bIns="50800" rtlCol="0" anchor="ctr"/>
-            <a:lstStyle/>
-            <a:p>
-              <a:pPr algn="ctr">
-                <a:lnSpc>
-                  <a:spcPts val="2659"/>
-                </a:lnSpc>
-              </a:pPr>
-              <a:endParaRPr/>
-            </a:p>
-          </p:txBody>
-        </p:sp>
-      </p:grpSp>
-      <p:sp>
-        <p:nvSpPr>
-          <p:cNvPr id="19" name="TextBox 19"/>
-          <p:cNvSpPr txBox="1"/>
-          <p:nvPr/>
-        </p:nvSpPr>
-        <p:spPr>
-          <a:xfrm>
-            <a:off x="2047369" y="6158812"/>
-            <a:ext cx="5610523" cy="580390"/>
-          </a:xfrm>
-          <a:prstGeom prst="rect">
-            <a:avLst/>
-          </a:prstGeom>
-        </p:spPr>
-        <p:txBody>
-          <a:bodyPr lIns="0" tIns="0" rIns="0" bIns="0" rtlCol="0" anchor="t">
-            <a:spAutoFit/>
-          </a:bodyPr>
-          <a:lstStyle/>
-          <a:p>
-            <a:pPr algn="ctr">
-              <a:lnSpc>
-                <a:spcPts val="4759"/>
-              </a:lnSpc>
-            </a:pPr>
-            <a:r>
-              <a:rPr lang="en-US" sz="3399">
-                <a:solidFill>
-                  <a:srgbClr val="000000"/>
-                </a:solidFill>
-                <a:latin typeface="Cabin"/>
-                <a:ea typeface="Cabin"/>
-                <a:cs typeface="Cabin"/>
-                <a:sym typeface="Cabin"/>
-              </a:rPr>
-              <a:t>Giao diện trực quan dễ sử dụng</a:t>
-            </a:r>
-          </a:p>
-        </p:txBody>
-      </p:sp>
-      <p:sp>
-        <p:nvSpPr>
-          <p:cNvPr id="20" name="TextBox 20"/>
-          <p:cNvSpPr txBox="1"/>
-          <p:nvPr/>
-        </p:nvSpPr>
-        <p:spPr>
-          <a:xfrm>
-            <a:off x="2042832" y="7551695"/>
-            <a:ext cx="5615059" cy="581558"/>
-          </a:xfrm>
-          <a:prstGeom prst="rect">
-            <a:avLst/>
-          </a:prstGeom>
-        </p:spPr>
-        <p:txBody>
-          <a:bodyPr lIns="0" tIns="0" rIns="0" bIns="0" rtlCol="0" anchor="t">
-            <a:spAutoFit/>
-          </a:bodyPr>
-          <a:lstStyle/>
-          <a:p>
-            <a:pPr algn="ctr">
-              <a:lnSpc>
-                <a:spcPts val="4756"/>
-              </a:lnSpc>
-              <a:spcBef>
-                <a:spcPct val="0"/>
-              </a:spcBef>
-            </a:pPr>
-            <a:r>
-              <a:rPr lang="en-US" sz="3397">
-                <a:solidFill>
-                  <a:srgbClr val="000000"/>
-                </a:solidFill>
-                <a:latin typeface="Cabin"/>
-                <a:ea typeface="Cabin"/>
-                <a:cs typeface="Cabin"/>
-                <a:sym typeface="Cabin"/>
-              </a:rPr>
-              <a:t>Tương thích được nhiều thiết bị</a:t>
-            </a:r>
-          </a:p>
-        </p:txBody>
-      </p:sp>
-      <p:sp>
-        <p:nvSpPr>
-          <p:cNvPr id="21" name="TextBox 21"/>
-          <p:cNvSpPr txBox="1"/>
-          <p:nvPr/>
-        </p:nvSpPr>
-        <p:spPr>
-          <a:xfrm>
-            <a:off x="2047369" y="9022478"/>
-            <a:ext cx="7200305" cy="504826"/>
-          </a:xfrm>
-          <a:prstGeom prst="rect">
-            <a:avLst/>
-          </a:prstGeom>
-        </p:spPr>
-        <p:txBody>
-          <a:bodyPr lIns="0" tIns="0" rIns="0" bIns="0" rtlCol="0" anchor="t">
-            <a:spAutoFit/>
-          </a:bodyPr>
-          <a:lstStyle/>
-          <a:p>
-            <a:pPr algn="ctr">
-              <a:lnSpc>
-                <a:spcPts val="4199"/>
-              </a:lnSpc>
-              <a:spcBef>
-                <a:spcPct val="0"/>
-              </a:spcBef>
-            </a:pPr>
-            <a:r>
-              <a:rPr lang="en-US" sz="2999">
-                <a:solidFill>
-                  <a:srgbClr val="000000"/>
-                </a:solidFill>
-                <a:latin typeface="Cabin"/>
-                <a:ea typeface="Cabin"/>
-                <a:cs typeface="Cabin"/>
-                <a:sym typeface="Cabin"/>
-              </a:rPr>
-              <a:t>Cung cấp hệ thống linh hoạt, chuyên nghiệp  </a:t>
-            </a:r>
-          </a:p>
-        </p:txBody>
-      </p:sp>
-    </p:spTree>
-  </p:cSld>
-  <p:clrMapOvr>
-    <a:masterClrMapping/>
-  </p:clrMapOvr>
-</p:sld>
-</file>
-
-<file path=ppt/slides/slide6.xml><?xml version="1.0" encoding="utf-8"?>
-<p:sld xmlns:a="http://schemas.openxmlformats.org/drawingml/2006/main" xmlns:r="http://schemas.openxmlformats.org/officeDocument/2006/relationships" xmlns:p="http://schemas.openxmlformats.org/presentationml/2006/main">
-  <p:cSld>
-    <p:spTree>
-      <p:nvGrpSpPr>
-        <p:cNvPr id="1" name=""/>
-        <p:cNvGrpSpPr/>
-        <p:nvPr/>
-      </p:nvGrpSpPr>
-      <p:grpSpPr>
-        <a:xfrm>
-          <a:off x="0" y="0"/>
-          <a:ext cx="0" cy="0"/>
-          <a:chOff x="0" y="0"/>
-          <a:chExt cx="0" cy="0"/>
-        </a:xfrm>
-      </p:grpSpPr>
-      <p:sp>
-        <p:nvSpPr>
-          <p:cNvPr id="2" name="Freeform 2"/>
-          <p:cNvSpPr/>
-          <p:nvPr/>
-        </p:nvSpPr>
-        <p:spPr>
-          <a:xfrm>
-            <a:off x="1752600" y="2019300"/>
-            <a:ext cx="14173200" cy="7467600"/>
-          </a:xfrm>
-          <a:custGeom>
-            <a:avLst/>
-            <a:gdLst/>
-            <a:ahLst/>
-            <a:cxnLst/>
-            <a:rect l="l" t="t" r="r" b="b"/>
-            <a:pathLst>
-              <a:path w="13764342" h="6980299">
-                <a:moveTo>
-                  <a:pt x="0" y="0"/>
-                </a:moveTo>
-                <a:lnTo>
-                  <a:pt x="13764342" y="0"/>
-                </a:lnTo>
-                <a:lnTo>
-                  <a:pt x="13764342" y="6980299"/>
-                </a:lnTo>
-                <a:lnTo>
-                  <a:pt x="0" y="6980299"/>
-                </a:lnTo>
-                <a:lnTo>
-                  <a:pt x="0" y="0"/>
-                </a:lnTo>
-                <a:close/>
-              </a:path>
-            </a:pathLst>
-          </a:custGeom>
-          <a:blipFill>
-            <a:blip r:embed="rId2"/>
-            <a:stretch>
-              <a:fillRect l="-1096" t="-342" b="-1825"/>
-            </a:stretch>
-          </a:blipFill>
-        </p:spPr>
-        <p:txBody>
-          <a:bodyPr/>
-          <a:lstStyle/>
-          <a:p>
-            <a:endParaRPr lang="vi-VN"/>
-          </a:p>
-        </p:txBody>
-      </p:sp>
       <p:grpSp>
         <p:nvGrpSpPr>
           <p:cNvPr id="3" name="Group 3"/>
@@ -9349,7 +8739,7 @@
               <a:t> </a:t>
             </a:r>
             <a:r>
-              <a:rPr lang="vi-VN" sz="7749" b="1" dirty="0">
+              <a:rPr lang="en-US" sz="7749" b="1" dirty="0" err="1">
                 <a:solidFill>
                   <a:srgbClr val="000000"/>
                 </a:solidFill>
@@ -9358,7 +8748,7 @@
                 <a:cs typeface="Cabin Bold"/>
                 <a:sym typeface="Cabin Bold"/>
               </a:rPr>
-              <a:t>quản lý lớp</a:t>
+              <a:t>đăng</a:t>
             </a:r>
             <a:r>
               <a:rPr lang="en-US" sz="7749" b="1" dirty="0">
@@ -9372,18 +8762,344 @@
               </a:rPr>
               <a:t> </a:t>
             </a:r>
-          </a:p>
-        </p:txBody>
-      </p:sp>
+            <a:r>
+              <a:rPr lang="en-US" sz="7749" b="1" dirty="0" err="1">
+                <a:solidFill>
+                  <a:srgbClr val="000000"/>
+                </a:solidFill>
+                <a:latin typeface="Cabin Bold"/>
+                <a:ea typeface="Cabin Bold"/>
+                <a:cs typeface="Cabin Bold"/>
+                <a:sym typeface="Cabin Bold"/>
+              </a:rPr>
+              <a:t>nhập</a:t>
+            </a:r>
+            <a:endParaRPr lang="en-US" sz="7749" b="1" dirty="0">
+              <a:solidFill>
+                <a:srgbClr val="000000"/>
+              </a:solidFill>
+              <a:latin typeface="Cabin Bold"/>
+              <a:ea typeface="Cabin Bold"/>
+              <a:cs typeface="Cabin Bold"/>
+              <a:sym typeface="Cabin Bold"/>
+            </a:endParaRPr>
+          </a:p>
+        </p:txBody>
+      </p:sp>
+      <p:pic>
+        <p:nvPicPr>
+          <p:cNvPr id="8" name="Picture 7">
+            <a:extLst>
+              <a:ext uri="{FF2B5EF4-FFF2-40B4-BE49-F238E27FC236}">
+                <a16:creationId xmlns:a16="http://schemas.microsoft.com/office/drawing/2014/main" id="{EE85D6E0-4282-73C2-BF9E-6EFA4835318E}"/>
+              </a:ext>
+            </a:extLst>
+          </p:cNvPr>
+          <p:cNvPicPr>
+            <a:picLocks noChangeAspect="1"/>
+          </p:cNvPicPr>
+          <p:nvPr/>
+        </p:nvPicPr>
+        <p:blipFill>
+          <a:blip r:embed="rId2"/>
+          <a:stretch>
+            <a:fillRect/>
+          </a:stretch>
+        </p:blipFill>
+        <p:spPr>
+          <a:xfrm>
+            <a:off x="4648200" y="1741454"/>
+            <a:ext cx="8777838" cy="8191500"/>
+          </a:xfrm>
+          <a:prstGeom prst="rect">
+            <a:avLst/>
+          </a:prstGeom>
+        </p:spPr>
+      </p:pic>
     </p:spTree>
   </p:cSld>
   <p:clrMapOvr>
     <a:masterClrMapping/>
   </p:clrMapOvr>
+  <mc:AlternateContent xmlns:mc="http://schemas.openxmlformats.org/markup-compatibility/2006">
+    <mc:Choice xmlns:p159="http://schemas.microsoft.com/office/powerpoint/2015/09/main" Requires="p159">
+      <p:transition xmlns:p14="http://schemas.microsoft.com/office/powerpoint/2010/main" spd="slow" p14:dur="2000">
+        <p159:morph option="byObject"/>
+      </p:transition>
+    </mc:Choice>
+    <mc:Fallback>
+      <p:transition spd="slow">
+        <p:fade/>
+      </p:transition>
+    </mc:Fallback>
+  </mc:AlternateContent>
 </p:sld>
 </file>
 
-<file path=ppt/slides/slide7.xml><?xml version="1.0" encoding="utf-8"?>
+<file path=ppt/slides/slide4.xml><?xml version="1.0" encoding="utf-8"?>
+<p:sld xmlns:a="http://schemas.openxmlformats.org/drawingml/2006/main" xmlns:r="http://schemas.openxmlformats.org/officeDocument/2006/relationships" xmlns:p="http://schemas.openxmlformats.org/presentationml/2006/main">
+  <p:cSld>
+    <p:spTree>
+      <p:nvGrpSpPr>
+        <p:cNvPr id="1" name=""/>
+        <p:cNvGrpSpPr/>
+        <p:nvPr/>
+      </p:nvGrpSpPr>
+      <p:grpSpPr>
+        <a:xfrm>
+          <a:off x="0" y="0"/>
+          <a:ext cx="0" cy="0"/>
+          <a:chOff x="0" y="0"/>
+          <a:chExt cx="0" cy="0"/>
+        </a:xfrm>
+      </p:grpSpPr>
+      <p:grpSp>
+        <p:nvGrpSpPr>
+          <p:cNvPr id="3" name="Group 3">
+            <a:extLst>
+              <a:ext uri="{FF2B5EF4-FFF2-40B4-BE49-F238E27FC236}">
+                <a16:creationId xmlns:a16="http://schemas.microsoft.com/office/drawing/2014/main" id="{B1D294C2-ADC5-E8AF-669B-65BFBDAF5DCE}"/>
+              </a:ext>
+            </a:extLst>
+          </p:cNvPr>
+          <p:cNvGrpSpPr/>
+          <p:nvPr/>
+        </p:nvGrpSpPr>
+        <p:grpSpPr>
+          <a:xfrm>
+            <a:off x="0" y="32638"/>
+            <a:ext cx="18288000" cy="1564155"/>
+            <a:chOff x="0" y="0"/>
+            <a:chExt cx="4816593" cy="411959"/>
+          </a:xfrm>
+        </p:grpSpPr>
+        <p:sp>
+          <p:nvSpPr>
+            <p:cNvPr id="4" name="Freeform 4">
+              <a:extLst>
+                <a:ext uri="{FF2B5EF4-FFF2-40B4-BE49-F238E27FC236}">
+                  <a16:creationId xmlns:a16="http://schemas.microsoft.com/office/drawing/2014/main" id="{F8D8BBD0-F5D6-5A69-C267-B604646EA140}"/>
+                </a:ext>
+              </a:extLst>
+            </p:cNvPr>
+            <p:cNvSpPr/>
+            <p:nvPr/>
+          </p:nvSpPr>
+          <p:spPr>
+            <a:xfrm>
+              <a:off x="0" y="0"/>
+              <a:ext cx="4816592" cy="411959"/>
+            </a:xfrm>
+            <a:custGeom>
+              <a:avLst/>
+              <a:gdLst/>
+              <a:ahLst/>
+              <a:cxnLst/>
+              <a:rect l="l" t="t" r="r" b="b"/>
+              <a:pathLst>
+                <a:path w="4816592" h="411959">
+                  <a:moveTo>
+                    <a:pt x="0" y="0"/>
+                  </a:moveTo>
+                  <a:lnTo>
+                    <a:pt x="4816592" y="0"/>
+                  </a:lnTo>
+                  <a:lnTo>
+                    <a:pt x="4816592" y="411959"/>
+                  </a:lnTo>
+                  <a:lnTo>
+                    <a:pt x="0" y="411959"/>
+                  </a:lnTo>
+                  <a:close/>
+                </a:path>
+              </a:pathLst>
+            </a:custGeom>
+            <a:solidFill>
+              <a:srgbClr val="AEB2D5"/>
+            </a:solidFill>
+          </p:spPr>
+          <p:txBody>
+            <a:bodyPr/>
+            <a:lstStyle/>
+            <a:p>
+              <a:endParaRPr lang="vi-VN"/>
+            </a:p>
+          </p:txBody>
+        </p:sp>
+        <p:sp>
+          <p:nvSpPr>
+            <p:cNvPr id="5" name="TextBox 5">
+              <a:extLst>
+                <a:ext uri="{FF2B5EF4-FFF2-40B4-BE49-F238E27FC236}">
+                  <a16:creationId xmlns:a16="http://schemas.microsoft.com/office/drawing/2014/main" id="{A0AD75BB-1283-9939-E101-2F17753EC401}"/>
+                </a:ext>
+              </a:extLst>
+            </p:cNvPr>
+            <p:cNvSpPr txBox="1"/>
+            <p:nvPr/>
+          </p:nvSpPr>
+          <p:spPr>
+            <a:xfrm>
+              <a:off x="0" y="-38100"/>
+              <a:ext cx="4816593" cy="450059"/>
+            </a:xfrm>
+            <a:prstGeom prst="rect">
+              <a:avLst/>
+            </a:prstGeom>
+          </p:spPr>
+          <p:txBody>
+            <a:bodyPr lIns="50800" tIns="50800" rIns="50800" bIns="50800" rtlCol="0" anchor="ctr"/>
+            <a:lstStyle/>
+            <a:p>
+              <a:pPr algn="ctr">
+                <a:lnSpc>
+                  <a:spcPts val="2659"/>
+                </a:lnSpc>
+                <a:spcBef>
+                  <a:spcPct val="0"/>
+                </a:spcBef>
+              </a:pPr>
+              <a:endParaRPr/>
+            </a:p>
+          </p:txBody>
+        </p:sp>
+      </p:grpSp>
+      <p:sp>
+        <p:nvSpPr>
+          <p:cNvPr id="6" name="TextBox 6">
+            <a:extLst>
+              <a:ext uri="{FF2B5EF4-FFF2-40B4-BE49-F238E27FC236}">
+                <a16:creationId xmlns:a16="http://schemas.microsoft.com/office/drawing/2014/main" id="{13DDAA3D-BCB8-9B86-BE74-246806C597B4}"/>
+              </a:ext>
+            </a:extLst>
+          </p:cNvPr>
+          <p:cNvSpPr txBox="1"/>
+          <p:nvPr/>
+        </p:nvSpPr>
+        <p:spPr>
+          <a:xfrm>
+            <a:off x="337504" y="16661"/>
+            <a:ext cx="16350295" cy="1284134"/>
+          </a:xfrm>
+          <a:prstGeom prst="rect">
+            <a:avLst/>
+          </a:prstGeom>
+        </p:spPr>
+        <p:txBody>
+          <a:bodyPr wrap="square" lIns="0" tIns="0" rIns="0" bIns="0" rtlCol="0" anchor="t">
+            <a:spAutoFit/>
+          </a:bodyPr>
+          <a:lstStyle/>
+          <a:p>
+            <a:pPr algn="ctr">
+              <a:lnSpc>
+                <a:spcPts val="10848"/>
+              </a:lnSpc>
+            </a:pPr>
+            <a:r>
+              <a:rPr lang="en-US" sz="7749" b="1" dirty="0" err="1">
+                <a:solidFill>
+                  <a:srgbClr val="000000"/>
+                </a:solidFill>
+                <a:latin typeface="Cabin Bold"/>
+                <a:ea typeface="Cabin Bold"/>
+                <a:cs typeface="Cabin Bold"/>
+                <a:sym typeface="Cabin Bold"/>
+              </a:rPr>
+              <a:t>Thêm</a:t>
+            </a:r>
+            <a:r>
+              <a:rPr lang="en-US" sz="7749" b="1" dirty="0">
+                <a:solidFill>
+                  <a:srgbClr val="000000"/>
+                </a:solidFill>
+                <a:latin typeface="Cabin Bold"/>
+                <a:ea typeface="Cabin Bold"/>
+                <a:cs typeface="Cabin Bold"/>
+                <a:sym typeface="Cabin Bold"/>
+              </a:rPr>
+              <a:t> </a:t>
+            </a:r>
+            <a:r>
+              <a:rPr lang="en-US" sz="7749" b="1" dirty="0" err="1">
+                <a:solidFill>
+                  <a:srgbClr val="000000"/>
+                </a:solidFill>
+                <a:latin typeface="Cabin Bold"/>
+                <a:ea typeface="Cabin Bold"/>
+                <a:cs typeface="Cabin Bold"/>
+                <a:sym typeface="Cabin Bold"/>
+              </a:rPr>
+              <a:t>Lớp</a:t>
+            </a:r>
+            <a:endParaRPr lang="en-US" sz="7749" b="1" dirty="0">
+              <a:solidFill>
+                <a:srgbClr val="000000"/>
+              </a:solidFill>
+              <a:latin typeface="Cabin Bold"/>
+              <a:ea typeface="Cabin Bold"/>
+              <a:cs typeface="Cabin Bold"/>
+              <a:sym typeface="Cabin Bold"/>
+            </a:endParaRPr>
+          </a:p>
+        </p:txBody>
+      </p:sp>
+      <p:pic>
+        <p:nvPicPr>
+          <p:cNvPr id="8" name="Picture 7">
+            <a:extLst>
+              <a:ext uri="{FF2B5EF4-FFF2-40B4-BE49-F238E27FC236}">
+                <a16:creationId xmlns:a16="http://schemas.microsoft.com/office/drawing/2014/main" id="{B7E9CC9D-6558-3015-2489-F1A87FBC6385}"/>
+              </a:ext>
+            </a:extLst>
+          </p:cNvPr>
+          <p:cNvPicPr>
+            <a:picLocks noChangeAspect="1"/>
+          </p:cNvPicPr>
+          <p:nvPr/>
+        </p:nvPicPr>
+        <p:blipFill>
+          <a:blip r:embed="rId2"/>
+          <a:stretch>
+            <a:fillRect/>
+          </a:stretch>
+        </p:blipFill>
+        <p:spPr>
+          <a:xfrm>
+            <a:off x="1600200" y="1943100"/>
+            <a:ext cx="14631668" cy="6858000"/>
+          </a:xfrm>
+          <a:prstGeom prst="rect">
+            <a:avLst/>
+          </a:prstGeom>
+        </p:spPr>
+      </p:pic>
+    </p:spTree>
+    <p:extLst>
+      <p:ext uri="{BB962C8B-B14F-4D97-AF65-F5344CB8AC3E}">
+        <p14:creationId xmlns:p14="http://schemas.microsoft.com/office/powerpoint/2010/main" val="290868242"/>
+      </p:ext>
+    </p:extLst>
+  </p:cSld>
+  <p:clrMapOvr>
+    <a:masterClrMapping/>
+  </p:clrMapOvr>
+  <mc:AlternateContent xmlns:mc="http://schemas.openxmlformats.org/markup-compatibility/2006">
+    <mc:Choice xmlns:p159="http://schemas.microsoft.com/office/powerpoint/2015/09/main" Requires="p159">
+      <p:transition xmlns:p14="http://schemas.microsoft.com/office/powerpoint/2010/main" spd="slow" p14:dur="2000">
+        <p159:morph option="byObject"/>
+      </p:transition>
+    </mc:Choice>
+    <mc:Fallback>
+      <p:transition spd="slow">
+        <p:fade/>
+      </p:transition>
+    </mc:Fallback>
+  </mc:AlternateContent>
+</p:sld>
+</file>
+
+<file path=ppt/slides/slide5.xml><?xml version="1.0" encoding="utf-8"?>
 <p:sld xmlns:a="http://schemas.openxmlformats.org/drawingml/2006/main" xmlns:r="http://schemas.openxmlformats.org/officeDocument/2006/relationships" xmlns:p="http://schemas.openxmlformats.org/presentationml/2006/main">
   <p:cSld>
     <p:spTree>
@@ -9511,12 +9227,116 @@
           </p:txBody>
         </p:sp>
       </p:grpSp>
+      <p:sp>
+        <p:nvSpPr>
+          <p:cNvPr id="7" name="TextBox 6">
+            <a:extLst>
+              <a:ext uri="{FF2B5EF4-FFF2-40B4-BE49-F238E27FC236}">
+                <a16:creationId xmlns:a16="http://schemas.microsoft.com/office/drawing/2014/main" id="{9F3DE5B1-4661-2B74-8669-ECEFF27C4EF6}"/>
+              </a:ext>
+            </a:extLst>
+          </p:cNvPr>
+          <p:cNvSpPr txBox="1"/>
+          <p:nvPr/>
+        </p:nvSpPr>
+        <p:spPr>
+          <a:xfrm>
+            <a:off x="337504" y="16661"/>
+            <a:ext cx="16350295" cy="1284134"/>
+          </a:xfrm>
+          <a:prstGeom prst="rect">
+            <a:avLst/>
+          </a:prstGeom>
+        </p:spPr>
+        <p:txBody>
+          <a:bodyPr wrap="square" lIns="0" tIns="0" rIns="0" bIns="0" rtlCol="0" anchor="t">
+            <a:spAutoFit/>
+          </a:bodyPr>
+          <a:lstStyle/>
+          <a:p>
+            <a:pPr algn="ctr">
+              <a:lnSpc>
+                <a:spcPts val="10848"/>
+              </a:lnSpc>
+            </a:pPr>
+            <a:r>
+              <a:rPr lang="en-US" sz="7749" b="1" dirty="0" err="1">
+                <a:solidFill>
+                  <a:srgbClr val="000000"/>
+                </a:solidFill>
+                <a:latin typeface="Cabin Bold"/>
+                <a:ea typeface="Cabin Bold"/>
+                <a:cs typeface="Cabin Bold"/>
+                <a:sym typeface="Cabin Bold"/>
+              </a:rPr>
+              <a:t>Hiển</a:t>
+            </a:r>
+            <a:r>
+              <a:rPr lang="en-US" sz="7749" b="1" dirty="0">
+                <a:solidFill>
+                  <a:srgbClr val="000000"/>
+                </a:solidFill>
+                <a:latin typeface="Cabin Bold"/>
+                <a:ea typeface="Cabin Bold"/>
+                <a:cs typeface="Cabin Bold"/>
+                <a:sym typeface="Cabin Bold"/>
+              </a:rPr>
+              <a:t> </a:t>
+            </a:r>
+            <a:r>
+              <a:rPr lang="en-US" sz="7749" b="1" dirty="0" err="1">
+                <a:solidFill>
+                  <a:srgbClr val="000000"/>
+                </a:solidFill>
+                <a:latin typeface="Cabin Bold"/>
+                <a:ea typeface="Cabin Bold"/>
+                <a:cs typeface="Cabin Bold"/>
+                <a:sym typeface="Cabin Bold"/>
+              </a:rPr>
+              <a:t>thị</a:t>
+            </a:r>
+            <a:r>
+              <a:rPr lang="en-US" sz="7749" b="1" dirty="0">
+                <a:solidFill>
+                  <a:srgbClr val="000000"/>
+                </a:solidFill>
+                <a:latin typeface="Cabin Bold"/>
+                <a:ea typeface="Cabin Bold"/>
+                <a:cs typeface="Cabin Bold"/>
+                <a:sym typeface="Cabin Bold"/>
+              </a:rPr>
+              <a:t> </a:t>
+            </a:r>
+            <a:r>
+              <a:rPr lang="en-US" sz="7749" b="1" dirty="0" err="1">
+                <a:solidFill>
+                  <a:srgbClr val="000000"/>
+                </a:solidFill>
+                <a:latin typeface="Cabin Bold"/>
+                <a:ea typeface="Cabin Bold"/>
+                <a:cs typeface="Cabin Bold"/>
+                <a:sym typeface="Cabin Bold"/>
+              </a:rPr>
+              <a:t>Lớp</a:t>
+            </a:r>
+            <a:endParaRPr lang="en-US" sz="7749" b="1" dirty="0">
+              <a:solidFill>
+                <a:srgbClr val="000000"/>
+              </a:solidFill>
+              <a:latin typeface="Cabin Bold"/>
+              <a:ea typeface="Cabin Bold"/>
+              <a:cs typeface="Cabin Bold"/>
+              <a:sym typeface="Cabin Bold"/>
+            </a:endParaRPr>
+          </a:p>
+        </p:txBody>
+      </p:sp>
       <p:pic>
         <p:nvPicPr>
-          <p:cNvPr id="3" name="Picture 2">
+          <p:cNvPr id="9" name="Picture 8">
             <a:extLst>
               <a:ext uri="{FF2B5EF4-FFF2-40B4-BE49-F238E27FC236}">
-                <a16:creationId xmlns:a16="http://schemas.microsoft.com/office/drawing/2014/main" id="{81368FE9-2C39-6C51-7C24-DE5BEF0A68FF}"/>
+                <a16:creationId xmlns:a16="http://schemas.microsoft.com/office/drawing/2014/main" id="{D1E1D1A2-2531-F98D-C572-0788F79BD361}"/>
               </a:ext>
             </a:extLst>
           </p:cNvPr>
@@ -9533,80 +9353,14 @@
         </p:blipFill>
         <p:spPr>
           <a:xfrm>
-            <a:off x="762000" y="2476500"/>
-            <a:ext cx="16968338" cy="6448825"/>
-          </a:xfrm>
-          <a:prstGeom prst="rect">
-            <a:avLst/>
-          </a:prstGeom>
-          <a:ln>
-            <a:noFill/>
-          </a:ln>
-          <a:effectLst>
-            <a:outerShdw blurRad="292100" dist="139700" dir="2700000" algn="tl" rotWithShape="0">
-              <a:srgbClr val="333333">
-                <a:alpha val="65000"/>
-              </a:srgbClr>
-            </a:outerShdw>
-          </a:effectLst>
-        </p:spPr>
-      </p:pic>
-      <p:sp>
-        <p:nvSpPr>
-          <p:cNvPr id="6" name="TextBox 7">
-            <a:extLst>
-              <a:ext uri="{FF2B5EF4-FFF2-40B4-BE49-F238E27FC236}">
-                <a16:creationId xmlns:a16="http://schemas.microsoft.com/office/drawing/2014/main" id="{47EA10FB-6A34-35E3-B6C2-F830E4AC6DE1}"/>
-              </a:ext>
-            </a:extLst>
-          </p:cNvPr>
-          <p:cNvSpPr txBox="1"/>
-          <p:nvPr/>
-        </p:nvSpPr>
-        <p:spPr>
-          <a:xfrm>
-            <a:off x="-2057400" y="506938"/>
-            <a:ext cx="11850881" cy="615553"/>
+            <a:off x="1676400" y="2171700"/>
+            <a:ext cx="14631668" cy="6439115"/>
           </a:xfrm>
           <a:prstGeom prst="rect">
             <a:avLst/>
           </a:prstGeom>
         </p:spPr>
-        <p:txBody>
-          <a:bodyPr wrap="square" lIns="0" tIns="0" rIns="0" bIns="0" rtlCol="0" anchor="t">
-            <a:spAutoFit/>
-          </a:bodyPr>
-          <a:lstStyle/>
-          <a:p>
-            <a:pPr algn="ctr">
-              <a:lnSpc>
-                <a:spcPts val="4759"/>
-              </a:lnSpc>
-            </a:pPr>
-            <a:r>
-              <a:rPr lang="vi-VN" sz="4000" b="1" dirty="0">
-                <a:solidFill>
-                  <a:srgbClr val="000000"/>
-                </a:solidFill>
-                <a:latin typeface="Cabin"/>
-                <a:ea typeface="Cabin"/>
-                <a:cs typeface="Cabin"/>
-                <a:sym typeface="Cabin"/>
-              </a:rPr>
-              <a:t>Hiển thị sinh viên trong lớp</a:t>
-            </a:r>
-            <a:endParaRPr lang="en-US" sz="4000" b="1" dirty="0">
-              <a:solidFill>
-                <a:srgbClr val="000000"/>
-              </a:solidFill>
-              <a:latin typeface="Cabin"/>
-              <a:ea typeface="Cabin"/>
-              <a:cs typeface="Cabin"/>
-              <a:sym typeface="Cabin"/>
-            </a:endParaRPr>
-          </a:p>
-        </p:txBody>
-      </p:sp>
+      </p:pic>
     </p:spTree>
     <p:extLst>
       <p:ext uri="{BB962C8B-B14F-4D97-AF65-F5344CB8AC3E}">
@@ -9617,10 +9371,22 @@
   <p:clrMapOvr>
     <a:masterClrMapping/>
   </p:clrMapOvr>
+  <mc:AlternateContent xmlns:mc="http://schemas.openxmlformats.org/markup-compatibility/2006">
+    <mc:Choice xmlns:p159="http://schemas.microsoft.com/office/powerpoint/2015/09/main" Requires="p159">
+      <p:transition xmlns:p14="http://schemas.microsoft.com/office/powerpoint/2010/main" spd="slow" p14:dur="2000">
+        <p159:morph option="byObject"/>
+      </p:transition>
+    </mc:Choice>
+    <mc:Fallback>
+      <p:transition spd="slow">
+        <p:fade/>
+      </p:transition>
+    </mc:Fallback>
+  </mc:AlternateContent>
 </p:sld>
 </file>
 
-<file path=ppt/slides/slide8.xml><?xml version="1.0" encoding="utf-8"?>
+<file path=ppt/slides/slide6.xml><?xml version="1.0" encoding="utf-8"?>
 <p:sld xmlns:a="http://schemas.openxmlformats.org/drawingml/2006/main" xmlns:r="http://schemas.openxmlformats.org/officeDocument/2006/relationships" xmlns:p="http://schemas.openxmlformats.org/presentationml/2006/main">
   <p:cSld>
     <p:spTree>
@@ -9637,46 +9403,6 @@
           <a:chExt cx="0" cy="0"/>
         </a:xfrm>
       </p:grpSpPr>
-      <p:pic>
-        <p:nvPicPr>
-          <p:cNvPr id="3" name="Picture 2">
-            <a:extLst>
-              <a:ext uri="{FF2B5EF4-FFF2-40B4-BE49-F238E27FC236}">
-                <a16:creationId xmlns:a16="http://schemas.microsoft.com/office/drawing/2014/main" id="{F5F0BE48-669E-FEA8-66FD-DBC70721755B}"/>
-              </a:ext>
-            </a:extLst>
-          </p:cNvPr>
-          <p:cNvPicPr>
-            <a:picLocks noChangeAspect="1"/>
-          </p:cNvPicPr>
-          <p:nvPr/>
-        </p:nvPicPr>
-        <p:blipFill>
-          <a:blip r:embed="rId2"/>
-          <a:stretch>
-            <a:fillRect/>
-          </a:stretch>
-        </p:blipFill>
-        <p:spPr>
-          <a:xfrm>
-            <a:off x="152400" y="1943100"/>
-            <a:ext cx="17526000" cy="6477000"/>
-          </a:xfrm>
-          <a:prstGeom prst="rect">
-            <a:avLst/>
-          </a:prstGeom>
-          <a:ln>
-            <a:noFill/>
-          </a:ln>
-          <a:effectLst>
-            <a:outerShdw blurRad="292100" dist="139700" dir="2700000" algn="tl" rotWithShape="0">
-              <a:srgbClr val="333333">
-                <a:alpha val="65000"/>
-              </a:srgbClr>
-            </a:outerShdw>
-          </a:effectLst>
-        </p:spPr>
-      </p:pic>
       <p:grpSp>
         <p:nvGrpSpPr>
           <p:cNvPr id="2" name="Group 3">
@@ -9788,12 +9514,42 @@
           </p:txBody>
         </p:sp>
       </p:grpSp>
-      <p:sp>
-        <p:nvSpPr>
-          <p:cNvPr id="4" name="TextBox 7">
+      <p:pic>
+        <p:nvPicPr>
+          <p:cNvPr id="8" name="Picture 7">
             <a:extLst>
               <a:ext uri="{FF2B5EF4-FFF2-40B4-BE49-F238E27FC236}">
-                <a16:creationId xmlns:a16="http://schemas.microsoft.com/office/drawing/2014/main" id="{95D50BA3-94FA-246F-22AA-74706F589E4B}"/>
+                <a16:creationId xmlns:a16="http://schemas.microsoft.com/office/drawing/2014/main" id="{61D5D0B0-D2A9-8E05-D340-A5E2DA99CBFF}"/>
+              </a:ext>
+            </a:extLst>
+          </p:cNvPr>
+          <p:cNvPicPr>
+            <a:picLocks noChangeAspect="1"/>
+          </p:cNvPicPr>
+          <p:nvPr/>
+        </p:nvPicPr>
+        <p:blipFill>
+          <a:blip r:embed="rId2"/>
+          <a:stretch>
+            <a:fillRect/>
+          </a:stretch>
+        </p:blipFill>
+        <p:spPr>
+          <a:xfrm>
+            <a:off x="1828166" y="2163822"/>
+            <a:ext cx="14631668" cy="5959356"/>
+          </a:xfrm>
+          <a:prstGeom prst="rect">
+            <a:avLst/>
+          </a:prstGeom>
+        </p:spPr>
+      </p:pic>
+      <p:sp>
+        <p:nvSpPr>
+          <p:cNvPr id="9" name="TextBox 8">
+            <a:extLst>
+              <a:ext uri="{FF2B5EF4-FFF2-40B4-BE49-F238E27FC236}">
+                <a16:creationId xmlns:a16="http://schemas.microsoft.com/office/drawing/2014/main" id="{53FD6223-9964-8BBA-2AAA-621657AC7EB2}"/>
               </a:ext>
             </a:extLst>
           </p:cNvPr>
@@ -9802,8 +9558,8 @@
         </p:nvSpPr>
         <p:spPr>
           <a:xfrm>
-            <a:off x="-2057400" y="452190"/>
-            <a:ext cx="11850881" cy="615553"/>
+            <a:off x="337504" y="16661"/>
+            <a:ext cx="16350295" cy="1284134"/>
           </a:xfrm>
           <a:prstGeom prst="rect">
             <a:avLst/>
@@ -9817,113 +9573,101 @@
           <a:p>
             <a:pPr algn="ctr">
               <a:lnSpc>
-                <a:spcPts val="4759"/>
+                <a:spcPts val="10848"/>
               </a:lnSpc>
             </a:pPr>
             <a:r>
-              <a:rPr lang="en-US" sz="4000" b="1" dirty="0">
+              <a:rPr lang="en-US" sz="7749" b="1" dirty="0" err="1">
                 <a:solidFill>
                   <a:srgbClr val="000000"/>
                 </a:solidFill>
-                <a:latin typeface="Cabin"/>
-                <a:ea typeface="Cabin"/>
-                <a:cs typeface="Cabin"/>
-                <a:sym typeface="Cabin"/>
+                <a:latin typeface="Cabin Bold"/>
+                <a:ea typeface="Cabin Bold"/>
+                <a:cs typeface="Cabin Bold"/>
+                <a:sym typeface="Cabin Bold"/>
               </a:rPr>
-              <a:t>Giao </a:t>
-            </a:r>
-            <a:r>
-              <a:rPr lang="en-US" sz="4000" b="1" dirty="0" err="1">
+              <a:t>Cập</a:t>
+            </a:r>
+            <a:r>
+              <a:rPr lang="en-US" sz="7749" b="1" dirty="0">
                 <a:solidFill>
                   <a:srgbClr val="000000"/>
                 </a:solidFill>
-                <a:latin typeface="Cabin"/>
-                <a:ea typeface="Cabin"/>
-                <a:cs typeface="Cabin"/>
-                <a:sym typeface="Cabin"/>
-              </a:rPr>
-              <a:t>diện</a:t>
-            </a:r>
-            <a:r>
-              <a:rPr lang="en-US" sz="4000" b="1" dirty="0">
-                <a:solidFill>
-                  <a:srgbClr val="000000"/>
-                </a:solidFill>
-                <a:latin typeface="Cabin"/>
-                <a:ea typeface="Cabin"/>
-                <a:cs typeface="Cabin"/>
-                <a:sym typeface="Cabin"/>
+                <a:latin typeface="Cabin Bold"/>
+                <a:ea typeface="Cabin Bold"/>
+                <a:cs typeface="Cabin Bold"/>
+                <a:sym typeface="Cabin Bold"/>
               </a:rPr>
               <a:t> </a:t>
             </a:r>
             <a:r>
-              <a:rPr lang="en-US" sz="4000" b="1" dirty="0" err="1">
+              <a:rPr lang="en-US" sz="7749" b="1" dirty="0" err="1">
                 <a:solidFill>
                   <a:srgbClr val="000000"/>
                 </a:solidFill>
-                <a:latin typeface="Cabin"/>
-                <a:ea typeface="Cabin"/>
-                <a:cs typeface="Cabin"/>
-                <a:sym typeface="Cabin"/>
+                <a:latin typeface="Cabin Bold"/>
+                <a:ea typeface="Cabin Bold"/>
+                <a:cs typeface="Cabin Bold"/>
+                <a:sym typeface="Cabin Bold"/>
               </a:rPr>
-              <a:t>chức</a:t>
-            </a:r>
-            <a:r>
-              <a:rPr lang="en-US" sz="4000" b="1" dirty="0">
+              <a:t>nhật</a:t>
+            </a:r>
+            <a:r>
+              <a:rPr lang="en-US" sz="7749" b="1" dirty="0">
                 <a:solidFill>
                   <a:srgbClr val="000000"/>
                 </a:solidFill>
-                <a:latin typeface="Cabin"/>
-                <a:ea typeface="Cabin"/>
-                <a:cs typeface="Cabin"/>
-                <a:sym typeface="Cabin"/>
+                <a:latin typeface="Cabin Bold"/>
+                <a:ea typeface="Cabin Bold"/>
+                <a:cs typeface="Cabin Bold"/>
+                <a:sym typeface="Cabin Bold"/>
               </a:rPr>
               <a:t> </a:t>
             </a:r>
             <a:r>
-              <a:rPr lang="en-US" sz="4000" b="1" dirty="0" err="1">
+              <a:rPr lang="en-US" sz="7749" b="1" dirty="0" err="1">
                 <a:solidFill>
                   <a:srgbClr val="000000"/>
                 </a:solidFill>
-                <a:latin typeface="Cabin"/>
-                <a:ea typeface="Cabin"/>
-                <a:cs typeface="Cabin"/>
-                <a:sym typeface="Cabin"/>
+                <a:latin typeface="Cabin Bold"/>
+                <a:ea typeface="Cabin Bold"/>
+                <a:cs typeface="Cabin Bold"/>
+                <a:sym typeface="Cabin Bold"/>
               </a:rPr>
-              <a:t>năng</a:t>
-            </a:r>
-            <a:r>
-              <a:rPr lang="en-US" sz="4000" b="1" dirty="0">
+              <a:t>thông</a:t>
+            </a:r>
+            <a:r>
+              <a:rPr lang="en-US" sz="7749" b="1" dirty="0">
                 <a:solidFill>
                   <a:srgbClr val="000000"/>
                 </a:solidFill>
-                <a:latin typeface="Cabin"/>
-                <a:ea typeface="Cabin"/>
-                <a:cs typeface="Cabin"/>
-                <a:sym typeface="Cabin"/>
+                <a:latin typeface="Cabin Bold"/>
+                <a:ea typeface="Cabin Bold"/>
+                <a:cs typeface="Cabin Bold"/>
+                <a:sym typeface="Cabin Bold"/>
               </a:rPr>
               <a:t> </a:t>
             </a:r>
             <a:r>
-              <a:rPr lang="vi-VN" sz="4000" b="1" dirty="0">
+              <a:rPr lang="en-US" sz="7749" b="1" dirty="0" err="1">
                 <a:solidFill>
                   <a:srgbClr val="000000"/>
                 </a:solidFill>
-                <a:latin typeface="Cabin"/>
-                <a:ea typeface="Cabin"/>
-                <a:cs typeface="Cabin"/>
-                <a:sym typeface="Cabin"/>
+                <a:latin typeface="Cabin Bold"/>
+                <a:ea typeface="Cabin Bold"/>
+                <a:cs typeface="Cabin Bold"/>
+                <a:sym typeface="Cabin Bold"/>
               </a:rPr>
-              <a:t>thêm lớp</a:t>
-            </a:r>
-            <a:endParaRPr lang="en-US" sz="4000" b="1" dirty="0">
+              <a:t>Lớp</a:t>
+            </a:r>
+            <a:endParaRPr lang="en-US" sz="7749" b="1" dirty="0">
               <a:solidFill>
                 <a:srgbClr val="000000"/>
               </a:solidFill>
-              <a:latin typeface="Cabin"/>
-              <a:ea typeface="Cabin"/>
-              <a:cs typeface="Cabin"/>
-              <a:sym typeface="Cabin"/>
+              <a:latin typeface="Cabin Bold"/>
+              <a:ea typeface="Cabin Bold"/>
+              <a:cs typeface="Cabin Bold"/>
+              <a:sym typeface="Cabin Bold"/>
             </a:endParaRPr>
           </a:p>
         </p:txBody>
@@ -9938,10 +9682,22 @@
   <p:clrMapOvr>
     <a:masterClrMapping/>
   </p:clrMapOvr>
+  <mc:AlternateContent xmlns:mc="http://schemas.openxmlformats.org/markup-compatibility/2006">
+    <mc:Choice xmlns:p159="http://schemas.microsoft.com/office/powerpoint/2015/09/main" Requires="p159">
+      <p:transition xmlns:p14="http://schemas.microsoft.com/office/powerpoint/2010/main" spd="slow" p14:dur="2000">
+        <p159:morph option="byObject"/>
+      </p:transition>
+    </mc:Choice>
+    <mc:Fallback>
+      <p:transition spd="slow">
+        <p:fade/>
+      </p:transition>
+    </mc:Fallback>
+  </mc:AlternateContent>
 </p:sld>
 </file>
 
-<file path=ppt/slides/slide9.xml><?xml version="1.0" encoding="utf-8"?>
+<file path=ppt/slides/slide7.xml><?xml version="1.0" encoding="utf-8"?>
 <p:sld xmlns:a="http://schemas.openxmlformats.org/drawingml/2006/main" xmlns:r="http://schemas.openxmlformats.org/officeDocument/2006/relationships" xmlns:p="http://schemas.openxmlformats.org/presentationml/2006/main">
   <p:cSld>
     <p:spTree>
@@ -9958,46 +9714,6 @@
           <a:chExt cx="0" cy="0"/>
         </a:xfrm>
       </p:grpSpPr>
-      <p:pic>
-        <p:nvPicPr>
-          <p:cNvPr id="3" name="Picture 2">
-            <a:extLst>
-              <a:ext uri="{FF2B5EF4-FFF2-40B4-BE49-F238E27FC236}">
-                <a16:creationId xmlns:a16="http://schemas.microsoft.com/office/drawing/2014/main" id="{3E5EBD5F-BA88-1690-E2C0-C16D9732975C}"/>
-              </a:ext>
-            </a:extLst>
-          </p:cNvPr>
-          <p:cNvPicPr>
-            <a:picLocks noChangeAspect="1"/>
-          </p:cNvPicPr>
-          <p:nvPr/>
-        </p:nvPicPr>
-        <p:blipFill>
-          <a:blip r:embed="rId2"/>
-          <a:stretch>
-            <a:fillRect/>
-          </a:stretch>
-        </p:blipFill>
-        <p:spPr>
-          <a:xfrm>
-            <a:off x="1603910" y="2324101"/>
-            <a:ext cx="15080180" cy="6477000"/>
-          </a:xfrm>
-          <a:prstGeom prst="rect">
-            <a:avLst/>
-          </a:prstGeom>
-          <a:ln>
-            <a:noFill/>
-          </a:ln>
-          <a:effectLst>
-            <a:outerShdw blurRad="292100" dist="139700" dir="2700000" algn="tl" rotWithShape="0">
-              <a:srgbClr val="333333">
-                <a:alpha val="65000"/>
-              </a:srgbClr>
-            </a:outerShdw>
-          </a:effectLst>
-        </p:spPr>
-      </p:pic>
       <p:grpSp>
         <p:nvGrpSpPr>
           <p:cNvPr id="2" name="Group 3">
@@ -10109,12 +9825,42 @@
           </p:txBody>
         </p:sp>
       </p:grpSp>
-      <p:sp>
-        <p:nvSpPr>
-          <p:cNvPr id="4" name="TextBox 7">
+      <p:pic>
+        <p:nvPicPr>
+          <p:cNvPr id="8" name="Picture 7">
             <a:extLst>
               <a:ext uri="{FF2B5EF4-FFF2-40B4-BE49-F238E27FC236}">
-                <a16:creationId xmlns:a16="http://schemas.microsoft.com/office/drawing/2014/main" id="{1D4E09D6-BFF2-B967-9271-6B21FC0FD30C}"/>
+                <a16:creationId xmlns:a16="http://schemas.microsoft.com/office/drawing/2014/main" id="{7995F078-026F-587E-A24E-A0C16FD670FC}"/>
+              </a:ext>
+            </a:extLst>
+          </p:cNvPr>
+          <p:cNvPicPr>
+            <a:picLocks noChangeAspect="1"/>
+          </p:cNvPicPr>
+          <p:nvPr/>
+        </p:nvPicPr>
+        <p:blipFill>
+          <a:blip r:embed="rId2"/>
+          <a:stretch>
+            <a:fillRect/>
+          </a:stretch>
+        </p:blipFill>
+        <p:spPr>
+          <a:xfrm>
+            <a:off x="1931045" y="1702772"/>
+            <a:ext cx="14425910" cy="6881456"/>
+          </a:xfrm>
+          <a:prstGeom prst="rect">
+            <a:avLst/>
+          </a:prstGeom>
+        </p:spPr>
+      </p:pic>
+      <p:sp>
+        <p:nvSpPr>
+          <p:cNvPr id="9" name="TextBox 8">
+            <a:extLst>
+              <a:ext uri="{FF2B5EF4-FFF2-40B4-BE49-F238E27FC236}">
+                <a16:creationId xmlns:a16="http://schemas.microsoft.com/office/drawing/2014/main" id="{7FAA65D6-0C55-1D8D-77F8-6058A8A4DA0F}"/>
               </a:ext>
             </a:extLst>
           </p:cNvPr>
@@ -10123,8 +9869,8 @@
         </p:nvSpPr>
         <p:spPr>
           <a:xfrm>
-            <a:off x="-1600200" y="647700"/>
-            <a:ext cx="11850881" cy="615553"/>
+            <a:off x="337504" y="16661"/>
+            <a:ext cx="16350295" cy="1284134"/>
           </a:xfrm>
           <a:prstGeom prst="rect">
             <a:avLst/>
@@ -10138,125 +9884,77 @@
           <a:p>
             <a:pPr algn="ctr">
               <a:lnSpc>
-                <a:spcPts val="4759"/>
+                <a:spcPts val="10848"/>
               </a:lnSpc>
             </a:pPr>
             <a:r>
-              <a:rPr lang="en-US" sz="4000" b="1" dirty="0">
+              <a:rPr lang="en-US" sz="7749" b="1" dirty="0" err="1">
                 <a:solidFill>
                   <a:srgbClr val="000000"/>
                 </a:solidFill>
-                <a:latin typeface="Cabin"/>
-                <a:ea typeface="Cabin"/>
-                <a:cs typeface="Cabin"/>
-                <a:sym typeface="Cabin"/>
+                <a:latin typeface="Cabin Bold"/>
+                <a:ea typeface="Cabin Bold"/>
+                <a:cs typeface="Cabin Bold"/>
+                <a:sym typeface="Cabin Bold"/>
               </a:rPr>
-              <a:t>Giao </a:t>
-            </a:r>
-            <a:r>
-              <a:rPr lang="en-US" sz="4000" b="1" dirty="0" err="1">
+              <a:t>Thêm</a:t>
+            </a:r>
+            <a:r>
+              <a:rPr lang="en-US" sz="7749" b="1" dirty="0">
                 <a:solidFill>
                   <a:srgbClr val="000000"/>
                 </a:solidFill>
-                <a:latin typeface="Cabin"/>
-                <a:ea typeface="Cabin"/>
-                <a:cs typeface="Cabin"/>
-                <a:sym typeface="Cabin"/>
-              </a:rPr>
-              <a:t>diện</a:t>
-            </a:r>
-            <a:r>
-              <a:rPr lang="en-US" sz="4000" b="1" dirty="0">
-                <a:solidFill>
-                  <a:srgbClr val="000000"/>
-                </a:solidFill>
-                <a:latin typeface="Cabin"/>
-                <a:ea typeface="Cabin"/>
-                <a:cs typeface="Cabin"/>
-                <a:sym typeface="Cabin"/>
+                <a:latin typeface="Cabin Bold"/>
+                <a:ea typeface="Cabin Bold"/>
+                <a:cs typeface="Cabin Bold"/>
+                <a:sym typeface="Cabin Bold"/>
               </a:rPr>
               <a:t> </a:t>
             </a:r>
             <a:r>
-              <a:rPr lang="en-US" sz="4000" b="1" dirty="0" err="1">
+              <a:rPr lang="en-US" sz="7749" b="1" dirty="0" err="1">
                 <a:solidFill>
                   <a:srgbClr val="000000"/>
                 </a:solidFill>
-                <a:latin typeface="Cabin"/>
-                <a:ea typeface="Cabin"/>
-                <a:cs typeface="Cabin"/>
-                <a:sym typeface="Cabin"/>
+                <a:latin typeface="Cabin Bold"/>
+                <a:ea typeface="Cabin Bold"/>
+                <a:cs typeface="Cabin Bold"/>
+                <a:sym typeface="Cabin Bold"/>
               </a:rPr>
-              <a:t>chức</a:t>
-            </a:r>
-            <a:r>
-              <a:rPr lang="en-US" sz="4000" b="1" dirty="0">
+              <a:t>sinh</a:t>
+            </a:r>
+            <a:r>
+              <a:rPr lang="en-US" sz="7749" b="1" dirty="0">
                 <a:solidFill>
                   <a:srgbClr val="000000"/>
                 </a:solidFill>
-                <a:latin typeface="Cabin"/>
-                <a:ea typeface="Cabin"/>
-                <a:cs typeface="Cabin"/>
-                <a:sym typeface="Cabin"/>
+                <a:latin typeface="Cabin Bold"/>
+                <a:ea typeface="Cabin Bold"/>
+                <a:cs typeface="Cabin Bold"/>
+                <a:sym typeface="Cabin Bold"/>
               </a:rPr>
               <a:t> </a:t>
             </a:r>
             <a:r>
-              <a:rPr lang="en-US" sz="4000" b="1" dirty="0" err="1">
+              <a:rPr lang="en-US" sz="7749" b="1" dirty="0" err="1">
                 <a:solidFill>
                   <a:srgbClr val="000000"/>
                 </a:solidFill>
-                <a:latin typeface="Cabin"/>
-                <a:ea typeface="Cabin"/>
-                <a:cs typeface="Cabin"/>
-                <a:sym typeface="Cabin"/>
+                <a:latin typeface="Cabin Bold"/>
+                <a:ea typeface="Cabin Bold"/>
+                <a:cs typeface="Cabin Bold"/>
+                <a:sym typeface="Cabin Bold"/>
               </a:rPr>
-              <a:t>năng</a:t>
-            </a:r>
-            <a:r>
-              <a:rPr lang="en-US" sz="4000" b="1" dirty="0">
-                <a:solidFill>
-                  <a:srgbClr val="000000"/>
-                </a:solidFill>
-                <a:latin typeface="Cabin"/>
-                <a:ea typeface="Cabin"/>
-                <a:cs typeface="Cabin"/>
-                <a:sym typeface="Cabin"/>
-              </a:rPr>
-              <a:t> </a:t>
-            </a:r>
-            <a:r>
-              <a:rPr lang="en-US" sz="4000" b="1" dirty="0" err="1">
-                <a:solidFill>
-                  <a:srgbClr val="000000"/>
-                </a:solidFill>
-                <a:latin typeface="Cabin"/>
-                <a:ea typeface="Cabin"/>
-                <a:cs typeface="Cabin"/>
-                <a:sym typeface="Cabin"/>
-              </a:rPr>
-              <a:t>sửa</a:t>
-            </a:r>
-            <a:r>
-              <a:rPr lang="vi-VN" sz="4000" b="1" dirty="0">
-                <a:solidFill>
-                  <a:srgbClr val="000000"/>
-                </a:solidFill>
-                <a:latin typeface="Cabin"/>
-                <a:ea typeface="Cabin"/>
-                <a:cs typeface="Cabin"/>
-                <a:sym typeface="Cabin"/>
-              </a:rPr>
-              <a:t> lớp</a:t>
-            </a:r>
-            <a:endParaRPr lang="en-US" sz="4000" b="1" dirty="0">
+              <a:t>viên</a:t>
+            </a:r>
+            <a:endParaRPr lang="en-US" sz="7749" b="1" dirty="0">
               <a:solidFill>
                 <a:srgbClr val="000000"/>
               </a:solidFill>
-              <a:latin typeface="Cabin"/>
-              <a:ea typeface="Cabin"/>
-              <a:cs typeface="Cabin"/>
-              <a:sym typeface="Cabin"/>
+              <a:latin typeface="Cabin Bold"/>
+              <a:ea typeface="Cabin Bold"/>
+              <a:cs typeface="Cabin Bold"/>
+              <a:sym typeface="Cabin Bold"/>
             </a:endParaRPr>
           </a:p>
         </p:txBody>
@@ -10271,6 +9969,611 @@
   <p:clrMapOvr>
     <a:masterClrMapping/>
   </p:clrMapOvr>
+  <mc:AlternateContent xmlns:mc="http://schemas.openxmlformats.org/markup-compatibility/2006">
+    <mc:Choice xmlns:p159="http://schemas.microsoft.com/office/powerpoint/2015/09/main" Requires="p159">
+      <p:transition xmlns:p14="http://schemas.microsoft.com/office/powerpoint/2010/main" spd="slow" p14:dur="2000">
+        <p159:morph option="byObject"/>
+      </p:transition>
+    </mc:Choice>
+    <mc:Fallback>
+      <p:transition spd="slow">
+        <p:fade/>
+      </p:transition>
+    </mc:Fallback>
+  </mc:AlternateContent>
+</p:sld>
+</file>
+
+<file path=ppt/slides/slide8.xml><?xml version="1.0" encoding="utf-8"?>
+<p:sld xmlns:a="http://schemas.openxmlformats.org/drawingml/2006/main" xmlns:r="http://schemas.openxmlformats.org/officeDocument/2006/relationships" xmlns:p="http://schemas.openxmlformats.org/presentationml/2006/main">
+  <p:cSld>
+    <p:spTree>
+      <p:nvGrpSpPr>
+        <p:cNvPr id="1" name=""/>
+        <p:cNvGrpSpPr/>
+        <p:nvPr/>
+      </p:nvGrpSpPr>
+      <p:grpSpPr>
+        <a:xfrm>
+          <a:off x="0" y="0"/>
+          <a:ext cx="0" cy="0"/>
+          <a:chOff x="0" y="0"/>
+          <a:chExt cx="0" cy="0"/>
+        </a:xfrm>
+      </p:grpSpPr>
+      <p:grpSp>
+        <p:nvGrpSpPr>
+          <p:cNvPr id="2" name="Group 2"/>
+          <p:cNvGrpSpPr/>
+          <p:nvPr/>
+        </p:nvGrpSpPr>
+        <p:grpSpPr>
+          <a:xfrm>
+            <a:off x="0" y="0"/>
+            <a:ext cx="18288000" cy="1564155"/>
+            <a:chOff x="0" y="0"/>
+            <a:chExt cx="4816593" cy="411959"/>
+          </a:xfrm>
+        </p:grpSpPr>
+        <p:sp>
+          <p:nvSpPr>
+            <p:cNvPr id="3" name="Freeform 3"/>
+            <p:cNvSpPr/>
+            <p:nvPr/>
+          </p:nvSpPr>
+          <p:spPr>
+            <a:xfrm>
+              <a:off x="0" y="0"/>
+              <a:ext cx="4816592" cy="411959"/>
+            </a:xfrm>
+            <a:custGeom>
+              <a:avLst/>
+              <a:gdLst/>
+              <a:ahLst/>
+              <a:cxnLst/>
+              <a:rect l="l" t="t" r="r" b="b"/>
+              <a:pathLst>
+                <a:path w="4816592" h="411959">
+                  <a:moveTo>
+                    <a:pt x="0" y="0"/>
+                  </a:moveTo>
+                  <a:lnTo>
+                    <a:pt x="4816592" y="0"/>
+                  </a:lnTo>
+                  <a:lnTo>
+                    <a:pt x="4816592" y="411959"/>
+                  </a:lnTo>
+                  <a:lnTo>
+                    <a:pt x="0" y="411959"/>
+                  </a:lnTo>
+                  <a:close/>
+                </a:path>
+              </a:pathLst>
+            </a:custGeom>
+            <a:solidFill>
+              <a:srgbClr val="AEB2D5"/>
+            </a:solidFill>
+          </p:spPr>
+          <p:txBody>
+            <a:bodyPr/>
+            <a:lstStyle/>
+            <a:p>
+              <a:endParaRPr lang="vi-VN"/>
+            </a:p>
+          </p:txBody>
+        </p:sp>
+        <p:sp>
+          <p:nvSpPr>
+            <p:cNvPr id="4" name="TextBox 4"/>
+            <p:cNvSpPr txBox="1"/>
+            <p:nvPr/>
+          </p:nvSpPr>
+          <p:spPr>
+            <a:xfrm>
+              <a:off x="0" y="-38100"/>
+              <a:ext cx="4816593" cy="450059"/>
+            </a:xfrm>
+            <a:prstGeom prst="rect">
+              <a:avLst/>
+            </a:prstGeom>
+          </p:spPr>
+          <p:txBody>
+            <a:bodyPr lIns="50800" tIns="50800" rIns="50800" bIns="50800" rtlCol="0" anchor="ctr"/>
+            <a:lstStyle/>
+            <a:p>
+              <a:pPr algn="ctr">
+                <a:lnSpc>
+                  <a:spcPts val="2659"/>
+                </a:lnSpc>
+                <a:spcBef>
+                  <a:spcPct val="0"/>
+                </a:spcBef>
+              </a:pPr>
+              <a:endParaRPr/>
+            </a:p>
+          </p:txBody>
+        </p:sp>
+      </p:grpSp>
+      <p:sp>
+        <p:nvSpPr>
+          <p:cNvPr id="6" name="TextBox 6"/>
+          <p:cNvSpPr txBox="1"/>
+          <p:nvPr/>
+        </p:nvSpPr>
+        <p:spPr>
+          <a:xfrm>
+            <a:off x="2819400" y="140010"/>
+            <a:ext cx="12311696" cy="1284134"/>
+          </a:xfrm>
+          <a:prstGeom prst="rect">
+            <a:avLst/>
+          </a:prstGeom>
+        </p:spPr>
+        <p:txBody>
+          <a:bodyPr wrap="square" lIns="0" tIns="0" rIns="0" bIns="0" rtlCol="0" anchor="t">
+            <a:spAutoFit/>
+          </a:bodyPr>
+          <a:lstStyle/>
+          <a:p>
+            <a:pPr algn="ctr">
+              <a:lnSpc>
+                <a:spcPts val="10848"/>
+              </a:lnSpc>
+            </a:pPr>
+            <a:r>
+              <a:rPr lang="en-US" sz="7749" b="1" dirty="0" err="1">
+                <a:solidFill>
+                  <a:srgbClr val="000000"/>
+                </a:solidFill>
+                <a:latin typeface="Cabin Bold"/>
+                <a:ea typeface="Cabin Bold"/>
+                <a:cs typeface="Cabin Bold"/>
+                <a:sym typeface="Cabin Bold"/>
+              </a:rPr>
+              <a:t>Hiển</a:t>
+            </a:r>
+            <a:r>
+              <a:rPr lang="en-US" sz="7749" b="1" dirty="0">
+                <a:solidFill>
+                  <a:srgbClr val="000000"/>
+                </a:solidFill>
+                <a:latin typeface="Cabin Bold"/>
+                <a:ea typeface="Cabin Bold"/>
+                <a:cs typeface="Cabin Bold"/>
+                <a:sym typeface="Cabin Bold"/>
+              </a:rPr>
+              <a:t> </a:t>
+            </a:r>
+            <a:r>
+              <a:rPr lang="en-US" sz="7749" b="1" dirty="0" err="1">
+                <a:solidFill>
+                  <a:srgbClr val="000000"/>
+                </a:solidFill>
+                <a:latin typeface="Cabin Bold"/>
+                <a:ea typeface="Cabin Bold"/>
+                <a:cs typeface="Cabin Bold"/>
+                <a:sym typeface="Cabin Bold"/>
+              </a:rPr>
+              <a:t>thị</a:t>
+            </a:r>
+            <a:r>
+              <a:rPr lang="en-US" sz="7749" b="1" dirty="0">
+                <a:solidFill>
+                  <a:srgbClr val="000000"/>
+                </a:solidFill>
+                <a:latin typeface="Cabin Bold"/>
+                <a:ea typeface="Cabin Bold"/>
+                <a:cs typeface="Cabin Bold"/>
+                <a:sym typeface="Cabin Bold"/>
+              </a:rPr>
+              <a:t> </a:t>
+            </a:r>
+            <a:r>
+              <a:rPr lang="en-US" sz="7749" b="1" dirty="0" err="1">
+                <a:solidFill>
+                  <a:srgbClr val="000000"/>
+                </a:solidFill>
+                <a:latin typeface="Cabin Bold"/>
+                <a:ea typeface="Cabin Bold"/>
+                <a:cs typeface="Cabin Bold"/>
+                <a:sym typeface="Cabin Bold"/>
+              </a:rPr>
+              <a:t>sinh</a:t>
+            </a:r>
+            <a:r>
+              <a:rPr lang="en-US" sz="7749" b="1" dirty="0">
+                <a:solidFill>
+                  <a:srgbClr val="000000"/>
+                </a:solidFill>
+                <a:latin typeface="Cabin Bold"/>
+                <a:ea typeface="Cabin Bold"/>
+                <a:cs typeface="Cabin Bold"/>
+                <a:sym typeface="Cabin Bold"/>
+              </a:rPr>
+              <a:t> </a:t>
+            </a:r>
+            <a:r>
+              <a:rPr lang="en-US" sz="7749" b="1" dirty="0" err="1">
+                <a:solidFill>
+                  <a:srgbClr val="000000"/>
+                </a:solidFill>
+                <a:latin typeface="Cabin Bold"/>
+                <a:ea typeface="Cabin Bold"/>
+                <a:cs typeface="Cabin Bold"/>
+                <a:sym typeface="Cabin Bold"/>
+              </a:rPr>
+              <a:t>viên</a:t>
+            </a:r>
+            <a:endParaRPr lang="en-US" sz="7749" b="1" dirty="0">
+              <a:solidFill>
+                <a:srgbClr val="000000"/>
+              </a:solidFill>
+              <a:latin typeface="Cabin Bold"/>
+              <a:ea typeface="Cabin Bold"/>
+              <a:cs typeface="Cabin Bold"/>
+              <a:sym typeface="Cabin Bold"/>
+            </a:endParaRPr>
+          </a:p>
+        </p:txBody>
+      </p:sp>
+      <p:pic>
+        <p:nvPicPr>
+          <p:cNvPr id="8" name="Picture 7">
+            <a:extLst>
+              <a:ext uri="{FF2B5EF4-FFF2-40B4-BE49-F238E27FC236}">
+                <a16:creationId xmlns:a16="http://schemas.microsoft.com/office/drawing/2014/main" id="{E58E445A-DCFF-DA5A-686A-BBA869B581DA}"/>
+              </a:ext>
+            </a:extLst>
+          </p:cNvPr>
+          <p:cNvPicPr>
+            <a:picLocks noChangeAspect="1"/>
+          </p:cNvPicPr>
+          <p:nvPr/>
+        </p:nvPicPr>
+        <p:blipFill>
+          <a:blip r:embed="rId2"/>
+          <a:stretch>
+            <a:fillRect/>
+          </a:stretch>
+        </p:blipFill>
+        <p:spPr>
+          <a:xfrm>
+            <a:off x="1858648" y="1824702"/>
+            <a:ext cx="14570703" cy="6637595"/>
+          </a:xfrm>
+          <a:prstGeom prst="rect">
+            <a:avLst/>
+          </a:prstGeom>
+        </p:spPr>
+      </p:pic>
+    </p:spTree>
+  </p:cSld>
+  <p:clrMapOvr>
+    <a:masterClrMapping/>
+  </p:clrMapOvr>
+  <mc:AlternateContent xmlns:mc="http://schemas.openxmlformats.org/markup-compatibility/2006">
+    <mc:Choice xmlns:p159="http://schemas.microsoft.com/office/powerpoint/2015/09/main" Requires="p159">
+      <p:transition xmlns:p14="http://schemas.microsoft.com/office/powerpoint/2010/main" spd="slow" p14:dur="2000">
+        <p159:morph option="byObject"/>
+      </p:transition>
+    </mc:Choice>
+    <mc:Fallback>
+      <p:transition spd="slow">
+        <p:fade/>
+      </p:transition>
+    </mc:Fallback>
+  </mc:AlternateContent>
+</p:sld>
+</file>
+
+<file path=ppt/slides/slide9.xml><?xml version="1.0" encoding="utf-8"?>
+<p:sld xmlns:a="http://schemas.openxmlformats.org/drawingml/2006/main" xmlns:r="http://schemas.openxmlformats.org/officeDocument/2006/relationships" xmlns:p="http://schemas.openxmlformats.org/presentationml/2006/main">
+  <p:cSld>
+    <p:spTree>
+      <p:nvGrpSpPr>
+        <p:cNvPr id="1" name=""/>
+        <p:cNvGrpSpPr/>
+        <p:nvPr/>
+      </p:nvGrpSpPr>
+      <p:grpSpPr>
+        <a:xfrm>
+          <a:off x="0" y="0"/>
+          <a:ext cx="0" cy="0"/>
+          <a:chOff x="0" y="0"/>
+          <a:chExt cx="0" cy="0"/>
+        </a:xfrm>
+      </p:grpSpPr>
+      <p:grpSp>
+        <p:nvGrpSpPr>
+          <p:cNvPr id="2" name="Group 2">
+            <a:extLst>
+              <a:ext uri="{FF2B5EF4-FFF2-40B4-BE49-F238E27FC236}">
+                <a16:creationId xmlns:a16="http://schemas.microsoft.com/office/drawing/2014/main" id="{4399DDA5-0BC7-A52C-DAD1-64B2B0AD09DE}"/>
+              </a:ext>
+            </a:extLst>
+          </p:cNvPr>
+          <p:cNvGrpSpPr/>
+          <p:nvPr/>
+        </p:nvGrpSpPr>
+        <p:grpSpPr>
+          <a:xfrm>
+            <a:off x="0" y="0"/>
+            <a:ext cx="18288000" cy="1564155"/>
+            <a:chOff x="0" y="0"/>
+            <a:chExt cx="4816593" cy="411959"/>
+          </a:xfrm>
+        </p:grpSpPr>
+        <p:sp>
+          <p:nvSpPr>
+            <p:cNvPr id="3" name="Freeform 3">
+              <a:extLst>
+                <a:ext uri="{FF2B5EF4-FFF2-40B4-BE49-F238E27FC236}">
+                  <a16:creationId xmlns:a16="http://schemas.microsoft.com/office/drawing/2014/main" id="{672F3793-B787-4472-7A33-28EDF4A9B7C2}"/>
+                </a:ext>
+              </a:extLst>
+            </p:cNvPr>
+            <p:cNvSpPr/>
+            <p:nvPr/>
+          </p:nvSpPr>
+          <p:spPr>
+            <a:xfrm>
+              <a:off x="0" y="0"/>
+              <a:ext cx="4816592" cy="411959"/>
+            </a:xfrm>
+            <a:custGeom>
+              <a:avLst/>
+              <a:gdLst/>
+              <a:ahLst/>
+              <a:cxnLst/>
+              <a:rect l="l" t="t" r="r" b="b"/>
+              <a:pathLst>
+                <a:path w="4816592" h="411959">
+                  <a:moveTo>
+                    <a:pt x="0" y="0"/>
+                  </a:moveTo>
+                  <a:lnTo>
+                    <a:pt x="4816592" y="0"/>
+                  </a:lnTo>
+                  <a:lnTo>
+                    <a:pt x="4816592" y="411959"/>
+                  </a:lnTo>
+                  <a:lnTo>
+                    <a:pt x="0" y="411959"/>
+                  </a:lnTo>
+                  <a:close/>
+                </a:path>
+              </a:pathLst>
+            </a:custGeom>
+            <a:solidFill>
+              <a:srgbClr val="AEB2D5"/>
+            </a:solidFill>
+          </p:spPr>
+          <p:txBody>
+            <a:bodyPr/>
+            <a:lstStyle/>
+            <a:p>
+              <a:endParaRPr lang="vi-VN"/>
+            </a:p>
+          </p:txBody>
+        </p:sp>
+        <p:sp>
+          <p:nvSpPr>
+            <p:cNvPr id="4" name="TextBox 4">
+              <a:extLst>
+                <a:ext uri="{FF2B5EF4-FFF2-40B4-BE49-F238E27FC236}">
+                  <a16:creationId xmlns:a16="http://schemas.microsoft.com/office/drawing/2014/main" id="{D1AD9273-5813-E1C4-9652-B0C42FB80FEC}"/>
+                </a:ext>
+              </a:extLst>
+            </p:cNvPr>
+            <p:cNvSpPr txBox="1"/>
+            <p:nvPr/>
+          </p:nvSpPr>
+          <p:spPr>
+            <a:xfrm>
+              <a:off x="0" y="-38100"/>
+              <a:ext cx="4816593" cy="450059"/>
+            </a:xfrm>
+            <a:prstGeom prst="rect">
+              <a:avLst/>
+            </a:prstGeom>
+          </p:spPr>
+          <p:txBody>
+            <a:bodyPr lIns="50800" tIns="50800" rIns="50800" bIns="50800" rtlCol="0" anchor="ctr"/>
+            <a:lstStyle/>
+            <a:p>
+              <a:pPr algn="ctr">
+                <a:lnSpc>
+                  <a:spcPts val="2659"/>
+                </a:lnSpc>
+                <a:spcBef>
+                  <a:spcPct val="0"/>
+                </a:spcBef>
+              </a:pPr>
+              <a:endParaRPr/>
+            </a:p>
+          </p:txBody>
+        </p:sp>
+      </p:grpSp>
+      <p:sp>
+        <p:nvSpPr>
+          <p:cNvPr id="5" name="TextBox 6">
+            <a:extLst>
+              <a:ext uri="{FF2B5EF4-FFF2-40B4-BE49-F238E27FC236}">
+                <a16:creationId xmlns:a16="http://schemas.microsoft.com/office/drawing/2014/main" id="{F68A6FD3-7CAF-A0C0-FAF1-48F585F3DDA4}"/>
+              </a:ext>
+            </a:extLst>
+          </p:cNvPr>
+          <p:cNvSpPr txBox="1"/>
+          <p:nvPr/>
+        </p:nvSpPr>
+        <p:spPr>
+          <a:xfrm>
+            <a:off x="2819400" y="140010"/>
+            <a:ext cx="12311696" cy="1284134"/>
+          </a:xfrm>
+          <a:prstGeom prst="rect">
+            <a:avLst/>
+          </a:prstGeom>
+        </p:spPr>
+        <p:txBody>
+          <a:bodyPr wrap="square" lIns="0" tIns="0" rIns="0" bIns="0" rtlCol="0" anchor="t">
+            <a:spAutoFit/>
+          </a:bodyPr>
+          <a:lstStyle/>
+          <a:p>
+            <a:pPr algn="ctr">
+              <a:lnSpc>
+                <a:spcPts val="10848"/>
+              </a:lnSpc>
+            </a:pPr>
+            <a:r>
+              <a:rPr lang="en-US" sz="7749" b="1" dirty="0" err="1">
+                <a:solidFill>
+                  <a:srgbClr val="000000"/>
+                </a:solidFill>
+                <a:latin typeface="Cabin Bold"/>
+                <a:ea typeface="Cabin Bold"/>
+                <a:cs typeface="Cabin Bold"/>
+                <a:sym typeface="Cabin Bold"/>
+              </a:rPr>
+              <a:t>Cập</a:t>
+            </a:r>
+            <a:r>
+              <a:rPr lang="en-US" sz="7749" b="1" dirty="0">
+                <a:solidFill>
+                  <a:srgbClr val="000000"/>
+                </a:solidFill>
+                <a:latin typeface="Cabin Bold"/>
+                <a:ea typeface="Cabin Bold"/>
+                <a:cs typeface="Cabin Bold"/>
+                <a:sym typeface="Cabin Bold"/>
+              </a:rPr>
+              <a:t> </a:t>
+            </a:r>
+            <a:r>
+              <a:rPr lang="en-US" sz="7749" b="1" dirty="0" err="1">
+                <a:solidFill>
+                  <a:srgbClr val="000000"/>
+                </a:solidFill>
+                <a:latin typeface="Cabin Bold"/>
+                <a:ea typeface="Cabin Bold"/>
+                <a:cs typeface="Cabin Bold"/>
+                <a:sym typeface="Cabin Bold"/>
+              </a:rPr>
+              <a:t>nhật</a:t>
+            </a:r>
+            <a:r>
+              <a:rPr lang="en-US" sz="7749" b="1" dirty="0">
+                <a:solidFill>
+                  <a:srgbClr val="000000"/>
+                </a:solidFill>
+                <a:latin typeface="Cabin Bold"/>
+                <a:ea typeface="Cabin Bold"/>
+                <a:cs typeface="Cabin Bold"/>
+                <a:sym typeface="Cabin Bold"/>
+              </a:rPr>
+              <a:t> </a:t>
+            </a:r>
+            <a:r>
+              <a:rPr lang="en-US" sz="7749" b="1" dirty="0" err="1">
+                <a:solidFill>
+                  <a:srgbClr val="000000"/>
+                </a:solidFill>
+                <a:latin typeface="Cabin Bold"/>
+                <a:ea typeface="Cabin Bold"/>
+                <a:cs typeface="Cabin Bold"/>
+                <a:sym typeface="Cabin Bold"/>
+              </a:rPr>
+              <a:t>sinh</a:t>
+            </a:r>
+            <a:r>
+              <a:rPr lang="en-US" sz="7749" b="1" dirty="0">
+                <a:solidFill>
+                  <a:srgbClr val="000000"/>
+                </a:solidFill>
+                <a:latin typeface="Cabin Bold"/>
+                <a:ea typeface="Cabin Bold"/>
+                <a:cs typeface="Cabin Bold"/>
+                <a:sym typeface="Cabin Bold"/>
+              </a:rPr>
+              <a:t> </a:t>
+            </a:r>
+            <a:r>
+              <a:rPr lang="en-US" sz="7749" b="1" dirty="0" err="1">
+                <a:solidFill>
+                  <a:srgbClr val="000000"/>
+                </a:solidFill>
+                <a:latin typeface="Cabin Bold"/>
+                <a:ea typeface="Cabin Bold"/>
+                <a:cs typeface="Cabin Bold"/>
+                <a:sym typeface="Cabin Bold"/>
+              </a:rPr>
+              <a:t>viên</a:t>
+            </a:r>
+            <a:endParaRPr lang="en-US" sz="7749" b="1" dirty="0">
+              <a:solidFill>
+                <a:srgbClr val="000000"/>
+              </a:solidFill>
+              <a:latin typeface="Cabin Bold"/>
+              <a:ea typeface="Cabin Bold"/>
+              <a:cs typeface="Cabin Bold"/>
+              <a:sym typeface="Cabin Bold"/>
+            </a:endParaRPr>
+          </a:p>
+        </p:txBody>
+      </p:sp>
+      <p:pic>
+        <p:nvPicPr>
+          <p:cNvPr id="8" name="Picture 7">
+            <a:extLst>
+              <a:ext uri="{FF2B5EF4-FFF2-40B4-BE49-F238E27FC236}">
+                <a16:creationId xmlns:a16="http://schemas.microsoft.com/office/drawing/2014/main" id="{8B1CCCB5-61BE-515F-C73E-0260A06369E2}"/>
+              </a:ext>
+            </a:extLst>
+          </p:cNvPr>
+          <p:cNvPicPr>
+            <a:picLocks noChangeAspect="1"/>
+          </p:cNvPicPr>
+          <p:nvPr/>
+        </p:nvPicPr>
+        <p:blipFill>
+          <a:blip r:embed="rId2"/>
+          <a:stretch>
+            <a:fillRect/>
+          </a:stretch>
+        </p:blipFill>
+        <p:spPr>
+          <a:xfrm>
+            <a:off x="1915803" y="1748496"/>
+            <a:ext cx="14456393" cy="6790008"/>
+          </a:xfrm>
+          <a:prstGeom prst="rect">
+            <a:avLst/>
+          </a:prstGeom>
+        </p:spPr>
+      </p:pic>
+    </p:spTree>
+    <p:extLst>
+      <p:ext uri="{BB962C8B-B14F-4D97-AF65-F5344CB8AC3E}">
+        <p14:creationId xmlns:p14="http://schemas.microsoft.com/office/powerpoint/2010/main" val="2466399100"/>
+      </p:ext>
+    </p:extLst>
+  </p:cSld>
+  <p:clrMapOvr>
+    <a:masterClrMapping/>
+  </p:clrMapOvr>
+  <mc:AlternateContent xmlns:mc="http://schemas.openxmlformats.org/markup-compatibility/2006">
+    <mc:Choice xmlns:p159="http://schemas.microsoft.com/office/powerpoint/2015/09/main" Requires="p159">
+      <p:transition xmlns:p14="http://schemas.microsoft.com/office/powerpoint/2010/main" spd="slow" p14:dur="2000">
+        <p159:morph option="byObject"/>
+      </p:transition>
+    </mc:Choice>
+    <mc:Fallback>
+      <p:transition spd="slow">
+        <p:fade/>
+      </p:transition>
+    </mc:Fallback>
+  </mc:AlternateContent>
 </p:sld>
 </file>
 

--- a/BaoCaoWeb.pptx
+++ b/BaoCaoWeb.pptx
@@ -7,41 +7,39 @@
   <p:sldIdLst>
     <p:sldId id="256" r:id="rId2"/>
     <p:sldId id="257" r:id="rId3"/>
-    <p:sldId id="261" r:id="rId4"/>
-    <p:sldId id="269" r:id="rId5"/>
-    <p:sldId id="267" r:id="rId6"/>
-    <p:sldId id="265" r:id="rId7"/>
-    <p:sldId id="266" r:id="rId8"/>
-    <p:sldId id="262" r:id="rId9"/>
-    <p:sldId id="270" r:id="rId10"/>
-    <p:sldId id="268" r:id="rId11"/>
-    <p:sldId id="271" r:id="rId12"/>
-    <p:sldId id="272" r:id="rId13"/>
-    <p:sldId id="273" r:id="rId14"/>
-    <p:sldId id="263" r:id="rId15"/>
-    <p:sldId id="264" r:id="rId16"/>
+    <p:sldId id="258" r:id="rId4"/>
+    <p:sldId id="259" r:id="rId5"/>
+    <p:sldId id="260" r:id="rId6"/>
+    <p:sldId id="261" r:id="rId7"/>
+    <p:sldId id="267" r:id="rId8"/>
+    <p:sldId id="265" r:id="rId9"/>
+    <p:sldId id="266" r:id="rId10"/>
+    <p:sldId id="262" r:id="rId11"/>
+    <p:sldId id="268" r:id="rId12"/>
+    <p:sldId id="263" r:id="rId13"/>
+    <p:sldId id="264" r:id="rId14"/>
   </p:sldIdLst>
   <p:sldSz cx="18288000" cy="10287000"/>
   <p:notesSz cx="6858000" cy="9144000"/>
   <p:embeddedFontLst>
     <p:embeddedFont>
-      <p:font typeface="Cabin" panose="020B0604020202020204" charset="0"/>
-      <p:regular r:id="rId17"/>
+      <p:font typeface="Cabin" panose="020B0604020202020204" charset="-93"/>
+      <p:regular r:id="rId15"/>
     </p:embeddedFont>
     <p:embeddedFont>
-      <p:font typeface="Cabin Bold" panose="020B0604020202020204" charset="0"/>
-      <p:regular r:id="rId18"/>
+      <p:font typeface="Cabin Bold" panose="020B0604020202020204" charset="-93"/>
+      <p:regular r:id="rId16"/>
     </p:embeddedFont>
     <p:embeddedFont>
       <p:font typeface="Trebuchet MS" panose="020B0603020202020204" pitchFamily="34" charset="0"/>
-      <p:regular r:id="rId19"/>
-      <p:bold r:id="rId20"/>
-      <p:italic r:id="rId21"/>
-      <p:boldItalic r:id="rId22"/>
+      <p:regular r:id="rId17"/>
+      <p:bold r:id="rId18"/>
+      <p:italic r:id="rId19"/>
+      <p:boldItalic r:id="rId20"/>
     </p:embeddedFont>
     <p:embeddedFont>
       <p:font typeface="Wingdings 3" panose="05040102010807070707" pitchFamily="18" charset="2"/>
-      <p:regular r:id="rId23"/>
+      <p:regular r:id="rId21"/>
     </p:embeddedFont>
   </p:embeddedFontLst>
   <p:defaultTextStyle>
@@ -904,7 +902,7 @@
             <a:fld id="{1D8BD707-D9CF-40AE-B4C6-C98DA3205C09}" type="datetimeFigureOut">
               <a:rPr lang="en-US" smtClean="0"/>
               <a:pPr/>
-              <a:t>10/11/2024</a:t>
+              <a:t>10/4/2024</a:t>
             </a:fld>
             <a:endParaRPr lang="en-US"/>
           </a:p>
@@ -1157,7 +1155,7 @@
             <a:fld id="{1D8BD707-D9CF-40AE-B4C6-C98DA3205C09}" type="datetimeFigureOut">
               <a:rPr lang="en-US" smtClean="0"/>
               <a:pPr/>
-              <a:t>10/11/2024</a:t>
+              <a:t>10/4/2024</a:t>
             </a:fld>
             <a:endParaRPr lang="en-US"/>
           </a:p>
@@ -1473,7 +1471,7 @@
             <a:fld id="{1D8BD707-D9CF-40AE-B4C6-C98DA3205C09}" type="datetimeFigureOut">
               <a:rPr lang="en-US" smtClean="0"/>
               <a:pPr/>
-              <a:t>10/11/2024</a:t>
+              <a:t>10/4/2024</a:t>
             </a:fld>
             <a:endParaRPr lang="en-US"/>
           </a:p>
@@ -1808,7 +1806,7 @@
             <a:fld id="{1D8BD707-D9CF-40AE-B4C6-C98DA3205C09}" type="datetimeFigureOut">
               <a:rPr lang="en-US" smtClean="0"/>
               <a:pPr/>
-              <a:t>10/11/2024</a:t>
+              <a:t>10/4/2024</a:t>
             </a:fld>
             <a:endParaRPr lang="en-US"/>
           </a:p>
@@ -2124,7 +2122,7 @@
             <a:fld id="{1D8BD707-D9CF-40AE-B4C6-C98DA3205C09}" type="datetimeFigureOut">
               <a:rPr lang="en-US" smtClean="0"/>
               <a:pPr/>
-              <a:t>10/11/2024</a:t>
+              <a:t>10/4/2024</a:t>
             </a:fld>
             <a:endParaRPr lang="en-US"/>
           </a:p>
@@ -2519,7 +2517,7 @@
             <a:fld id="{1D8BD707-D9CF-40AE-B4C6-C98DA3205C09}" type="datetimeFigureOut">
               <a:rPr lang="en-US" smtClean="0"/>
               <a:pPr/>
-              <a:t>10/11/2024</a:t>
+              <a:t>10/4/2024</a:t>
             </a:fld>
             <a:endParaRPr lang="en-US"/>
           </a:p>
@@ -2691,7 +2689,7 @@
             <a:fld id="{1D8BD707-D9CF-40AE-B4C6-C98DA3205C09}" type="datetimeFigureOut">
               <a:rPr lang="en-US" smtClean="0"/>
               <a:pPr/>
-              <a:t>10/11/2024</a:t>
+              <a:t>10/4/2024</a:t>
             </a:fld>
             <a:endParaRPr lang="en-US"/>
           </a:p>
@@ -2873,7 +2871,7 @@
             <a:fld id="{1D8BD707-D9CF-40AE-B4C6-C98DA3205C09}" type="datetimeFigureOut">
               <a:rPr lang="en-US" smtClean="0"/>
               <a:pPr/>
-              <a:t>10/11/2024</a:t>
+              <a:t>10/4/2024</a:t>
             </a:fld>
             <a:endParaRPr lang="en-US"/>
           </a:p>
@@ -3045,7 +3043,7 @@
             <a:fld id="{1D8BD707-D9CF-40AE-B4C6-C98DA3205C09}" type="datetimeFigureOut">
               <a:rPr lang="en-US" smtClean="0"/>
               <a:pPr/>
-              <a:t>10/11/2024</a:t>
+              <a:t>10/4/2024</a:t>
             </a:fld>
             <a:endParaRPr lang="en-US"/>
           </a:p>
@@ -3294,7 +3292,7 @@
             <a:fld id="{1D8BD707-D9CF-40AE-B4C6-C98DA3205C09}" type="datetimeFigureOut">
               <a:rPr lang="en-US" smtClean="0"/>
               <a:pPr/>
-              <a:t>10/11/2024</a:t>
+              <a:t>10/4/2024</a:t>
             </a:fld>
             <a:endParaRPr lang="en-US"/>
           </a:p>
@@ -3528,7 +3526,7 @@
             <a:fld id="{1D8BD707-D9CF-40AE-B4C6-C98DA3205C09}" type="datetimeFigureOut">
               <a:rPr lang="en-US" smtClean="0"/>
               <a:pPr/>
-              <a:t>10/11/2024</a:t>
+              <a:t>10/4/2024</a:t>
             </a:fld>
             <a:endParaRPr lang="en-US"/>
           </a:p>
@@ -3904,7 +3902,7 @@
             <a:fld id="{1D8BD707-D9CF-40AE-B4C6-C98DA3205C09}" type="datetimeFigureOut">
               <a:rPr lang="en-US" smtClean="0"/>
               <a:pPr/>
-              <a:t>10/11/2024</a:t>
+              <a:t>10/4/2024</a:t>
             </a:fld>
             <a:endParaRPr lang="en-US"/>
           </a:p>
@@ -4029,7 +4027,7 @@
             <a:fld id="{1D8BD707-D9CF-40AE-B4C6-C98DA3205C09}" type="datetimeFigureOut">
               <a:rPr lang="en-US" smtClean="0"/>
               <a:pPr/>
-              <a:t>10/11/2024</a:t>
+              <a:t>10/4/2024</a:t>
             </a:fld>
             <a:endParaRPr lang="en-US"/>
           </a:p>
@@ -4126,7 +4124,7 @@
             <a:fld id="{1D8BD707-D9CF-40AE-B4C6-C98DA3205C09}" type="datetimeFigureOut">
               <a:rPr lang="en-US" smtClean="0"/>
               <a:pPr/>
-              <a:t>10/11/2024</a:t>
+              <a:t>10/4/2024</a:t>
             </a:fld>
             <a:endParaRPr lang="en-US"/>
           </a:p>
@@ -4383,7 +4381,7 @@
             <a:fld id="{1D8BD707-D9CF-40AE-B4C6-C98DA3205C09}" type="datetimeFigureOut">
               <a:rPr lang="en-US" smtClean="0"/>
               <a:pPr/>
-              <a:t>10/11/2024</a:t>
+              <a:t>10/4/2024</a:t>
             </a:fld>
             <a:endParaRPr lang="en-US"/>
           </a:p>
@@ -4691,7 +4689,7 @@
             <a:fld id="{1D8BD707-D9CF-40AE-B4C6-C98DA3205C09}" type="datetimeFigureOut">
               <a:rPr lang="en-US" smtClean="0"/>
               <a:pPr/>
-              <a:t>10/11/2024</a:t>
+              <a:t>10/4/2024</a:t>
             </a:fld>
             <a:endParaRPr lang="en-US"/>
           </a:p>
@@ -5394,7 +5392,7 @@
             <a:fld id="{1D8BD707-D9CF-40AE-B4C6-C98DA3205C09}" type="datetimeFigureOut">
               <a:rPr lang="en-US" smtClean="0"/>
               <a:pPr/>
-              <a:t>10/11/2024</a:t>
+              <a:t>10/4/2024</a:t>
             </a:fld>
             <a:endParaRPr lang="en-US"/>
           </a:p>
@@ -6281,18 +6279,6 @@
   <p:clrMapOvr>
     <a:masterClrMapping/>
   </p:clrMapOvr>
-  <mc:AlternateContent xmlns:mc="http://schemas.openxmlformats.org/markup-compatibility/2006">
-    <mc:Choice xmlns:p159="http://schemas.microsoft.com/office/powerpoint/2015/09/main" Requires="p159">
-      <p:transition xmlns:p14="http://schemas.microsoft.com/office/powerpoint/2010/main" spd="slow" p14:dur="2000">
-        <p159:morph option="byObject"/>
-      </p:transition>
-    </mc:Choice>
-    <mc:Fallback>
-      <p:transition spd="slow">
-        <p:fade/>
-      </p:transition>
-    </mc:Fallback>
-  </mc:AlternateContent>
 </p:sld>
 </file>
 
@@ -6315,13 +6301,7 @@
       </p:grpSpPr>
       <p:grpSp>
         <p:nvGrpSpPr>
-          <p:cNvPr id="2" name="Group 2">
-            <a:extLst>
-              <a:ext uri="{FF2B5EF4-FFF2-40B4-BE49-F238E27FC236}">
-                <a16:creationId xmlns:a16="http://schemas.microsoft.com/office/drawing/2014/main" id="{DD4B8093-146E-B253-9D69-731A054AC3B4}"/>
-              </a:ext>
-            </a:extLst>
-          </p:cNvPr>
+          <p:cNvPr id="2" name="Group 2"/>
           <p:cNvGrpSpPr/>
           <p:nvPr/>
         </p:nvGrpSpPr>
@@ -6335,13 +6315,7 @@
         </p:grpSpPr>
         <p:sp>
           <p:nvSpPr>
-            <p:cNvPr id="4" name="Freeform 3">
-              <a:extLst>
-                <a:ext uri="{FF2B5EF4-FFF2-40B4-BE49-F238E27FC236}">
-                  <a16:creationId xmlns:a16="http://schemas.microsoft.com/office/drawing/2014/main" id="{844902E5-F9BA-A6E9-48CB-8B8B1CF6824F}"/>
-                </a:ext>
-              </a:extLst>
-            </p:cNvPr>
+            <p:cNvPr id="3" name="Freeform 3"/>
             <p:cNvSpPr/>
             <p:nvPr/>
           </p:nvSpPr>
@@ -6388,13 +6362,7 @@
         </p:sp>
         <p:sp>
           <p:nvSpPr>
-            <p:cNvPr id="5" name="TextBox 4">
-              <a:extLst>
-                <a:ext uri="{FF2B5EF4-FFF2-40B4-BE49-F238E27FC236}">
-                  <a16:creationId xmlns:a16="http://schemas.microsoft.com/office/drawing/2014/main" id="{3CAC8A2A-CDE1-5A03-E80A-6E73518CDCAB}"/>
-                </a:ext>
-              </a:extLst>
-            </p:cNvPr>
+            <p:cNvPr id="4" name="TextBox 4"/>
             <p:cNvSpPr txBox="1"/>
             <p:nvPr/>
           </p:nvSpPr>
@@ -6426,19 +6394,66 @@
       </p:grpSp>
       <p:sp>
         <p:nvSpPr>
-          <p:cNvPr id="6" name="TextBox 6">
-            <a:extLst>
-              <a:ext uri="{FF2B5EF4-FFF2-40B4-BE49-F238E27FC236}">
-                <a16:creationId xmlns:a16="http://schemas.microsoft.com/office/drawing/2014/main" id="{3002C486-0359-C7D1-4CF0-50298877DD87}"/>
-              </a:ext>
-            </a:extLst>
-          </p:cNvPr>
+          <p:cNvPr id="5" name="Freeform 5"/>
+          <p:cNvSpPr/>
+          <p:nvPr/>
+        </p:nvSpPr>
+        <p:spPr>
+          <a:xfrm>
+            <a:off x="914400" y="2247900"/>
+            <a:ext cx="15697200" cy="7239000"/>
+          </a:xfrm>
+          <a:custGeom>
+            <a:avLst/>
+            <a:gdLst/>
+            <a:ahLst/>
+            <a:cxnLst/>
+            <a:rect l="l" t="t" r="r" b="b"/>
+            <a:pathLst>
+              <a:path w="13985018" h="7264253">
+                <a:moveTo>
+                  <a:pt x="0" y="0"/>
+                </a:moveTo>
+                <a:lnTo>
+                  <a:pt x="13985018" y="0"/>
+                </a:lnTo>
+                <a:lnTo>
+                  <a:pt x="13985018" y="7264253"/>
+                </a:lnTo>
+                <a:lnTo>
+                  <a:pt x="0" y="7264253"/>
+                </a:lnTo>
+                <a:lnTo>
+                  <a:pt x="0" y="0"/>
+                </a:lnTo>
+                <a:close/>
+              </a:path>
+            </a:pathLst>
+          </a:custGeom>
+          <a:blipFill>
+            <a:blip r:embed="rId2"/>
+            <a:stretch>
+              <a:fillRect r="-3886"/>
+            </a:stretch>
+          </a:blipFill>
+        </p:spPr>
+        <p:txBody>
+          <a:bodyPr/>
+          <a:lstStyle/>
+          <a:p>
+            <a:endParaRPr lang="vi-VN"/>
+          </a:p>
+        </p:txBody>
+      </p:sp>
+      <p:sp>
+        <p:nvSpPr>
+          <p:cNvPr id="6" name="TextBox 6"/>
           <p:cNvSpPr txBox="1"/>
           <p:nvPr/>
         </p:nvSpPr>
         <p:spPr>
           <a:xfrm>
-            <a:off x="2819400" y="140010"/>
+            <a:off x="337504" y="16661"/>
             <a:ext cx="12311696" cy="1284134"/>
           </a:xfrm>
           <a:prstGeom prst="rect">
@@ -6457,7 +6472,7 @@
               </a:lnSpc>
             </a:pPr>
             <a:r>
-              <a:rPr lang="en-US" sz="7749" b="1" dirty="0" err="1">
+              <a:rPr lang="en-US" sz="7749" b="1" dirty="0">
                 <a:solidFill>
                   <a:srgbClr val="000000"/>
                 </a:solidFill>
@@ -6466,7 +6481,19 @@
                 <a:cs typeface="Cabin Bold"/>
                 <a:sym typeface="Cabin Bold"/>
               </a:rPr>
-              <a:t>Xem</a:t>
+              <a:t>Giao </a:t>
+            </a:r>
+            <a:r>
+              <a:rPr lang="en-US" sz="7749" b="1" dirty="0" err="1">
+                <a:solidFill>
+                  <a:srgbClr val="000000"/>
+                </a:solidFill>
+                <a:latin typeface="Cabin Bold"/>
+                <a:ea typeface="Cabin Bold"/>
+                <a:cs typeface="Cabin Bold"/>
+                <a:sym typeface="Cabin Bold"/>
+              </a:rPr>
+              <a:t>diện</a:t>
             </a:r>
             <a:r>
               <a:rPr lang="en-US" sz="7749" b="1" dirty="0">
@@ -6481,7 +6508,7 @@
               <a:t> </a:t>
             </a:r>
             <a:r>
-              <a:rPr lang="en-US" sz="7749" b="1" dirty="0" err="1">
+              <a:rPr lang="vi-VN" sz="7749" b="1" dirty="0">
                 <a:solidFill>
                   <a:srgbClr val="000000"/>
                 </a:solidFill>
@@ -6490,55 +6517,7 @@
                 <a:cs typeface="Cabin Bold"/>
                 <a:sym typeface="Cabin Bold"/>
               </a:rPr>
-              <a:t>thông</a:t>
-            </a:r>
-            <a:r>
-              <a:rPr lang="en-US" sz="7749" b="1" dirty="0">
-                <a:solidFill>
-                  <a:srgbClr val="000000"/>
-                </a:solidFill>
-                <a:latin typeface="Cabin Bold"/>
-                <a:ea typeface="Cabin Bold"/>
-                <a:cs typeface="Cabin Bold"/>
-                <a:sym typeface="Cabin Bold"/>
-              </a:rPr>
-              <a:t> tin </a:t>
-            </a:r>
-            <a:r>
-              <a:rPr lang="en-US" sz="7749" b="1" dirty="0" err="1">
-                <a:solidFill>
-                  <a:srgbClr val="000000"/>
-                </a:solidFill>
-                <a:latin typeface="Cabin Bold"/>
-                <a:ea typeface="Cabin Bold"/>
-                <a:cs typeface="Cabin Bold"/>
-                <a:sym typeface="Cabin Bold"/>
-              </a:rPr>
-              <a:t>sinh</a:t>
-            </a:r>
-            <a:r>
-              <a:rPr lang="en-US" sz="7749" b="1" dirty="0">
-                <a:solidFill>
-                  <a:srgbClr val="000000"/>
-                </a:solidFill>
-                <a:latin typeface="Cabin Bold"/>
-                <a:ea typeface="Cabin Bold"/>
-                <a:cs typeface="Cabin Bold"/>
-                <a:sym typeface="Cabin Bold"/>
-              </a:rPr>
-              <a:t> </a:t>
-            </a:r>
-            <a:r>
-              <a:rPr lang="en-US" sz="7749" b="1" dirty="0" err="1">
-                <a:solidFill>
-                  <a:srgbClr val="000000"/>
-                </a:solidFill>
-                <a:latin typeface="Cabin Bold"/>
-                <a:ea typeface="Cabin Bold"/>
-                <a:cs typeface="Cabin Bold"/>
-                <a:sym typeface="Cabin Bold"/>
-              </a:rPr>
-              <a:t>viên</a:t>
+              <a:t>quản lý sinh viên</a:t>
             </a:r>
             <a:endParaRPr lang="en-US" sz="7749" b="1" dirty="0">
               <a:solidFill>
@@ -6552,58 +6531,11 @@
           </a:p>
         </p:txBody>
       </p:sp>
-      <p:pic>
-        <p:nvPicPr>
-          <p:cNvPr id="9" name="Picture 8">
-            <a:extLst>
-              <a:ext uri="{FF2B5EF4-FFF2-40B4-BE49-F238E27FC236}">
-                <a16:creationId xmlns:a16="http://schemas.microsoft.com/office/drawing/2014/main" id="{844C39AB-00BC-2541-5CBE-015DF57E76C3}"/>
-              </a:ext>
-            </a:extLst>
-          </p:cNvPr>
-          <p:cNvPicPr>
-            <a:picLocks noChangeAspect="1"/>
-          </p:cNvPicPr>
-          <p:nvPr/>
-        </p:nvPicPr>
-        <p:blipFill>
-          <a:blip r:embed="rId2"/>
-          <a:stretch>
-            <a:fillRect/>
-          </a:stretch>
-        </p:blipFill>
-        <p:spPr>
-          <a:xfrm>
-            <a:off x="1873890" y="2194304"/>
-            <a:ext cx="14540220" cy="6759196"/>
-          </a:xfrm>
-          <a:prstGeom prst="rect">
-            <a:avLst/>
-          </a:prstGeom>
-        </p:spPr>
-      </p:pic>
     </p:spTree>
-    <p:extLst>
-      <p:ext uri="{BB962C8B-B14F-4D97-AF65-F5344CB8AC3E}">
-        <p14:creationId xmlns:p14="http://schemas.microsoft.com/office/powerpoint/2010/main" val="194072174"/>
-      </p:ext>
-    </p:extLst>
   </p:cSld>
   <p:clrMapOvr>
     <a:masterClrMapping/>
   </p:clrMapOvr>
-  <mc:AlternateContent xmlns:mc="http://schemas.openxmlformats.org/markup-compatibility/2006">
-    <mc:Choice xmlns:p159="http://schemas.microsoft.com/office/powerpoint/2015/09/main" Requires="p159">
-      <p:transition xmlns:p14="http://schemas.microsoft.com/office/powerpoint/2010/main" spd="slow" p14:dur="2000">
-        <p159:morph option="byObject"/>
-      </p:transition>
-    </mc:Choice>
-    <mc:Fallback>
-      <p:transition spd="slow">
-        <p:fade/>
-      </p:transition>
-    </mc:Fallback>
-  </mc:AlternateContent>
 </p:sld>
 </file>
 
@@ -6735,164 +6667,12 @@
           </p:txBody>
         </p:sp>
       </p:grpSp>
-      <p:sp>
-        <p:nvSpPr>
-          <p:cNvPr id="6" name="TextBox 6">
+      <p:pic>
+        <p:nvPicPr>
+          <p:cNvPr id="3" name="Picture 2">
             <a:extLst>
               <a:ext uri="{FF2B5EF4-FFF2-40B4-BE49-F238E27FC236}">
-                <a16:creationId xmlns:a16="http://schemas.microsoft.com/office/drawing/2014/main" id="{3002C486-0359-C7D1-4CF0-50298877DD87}"/>
-              </a:ext>
-            </a:extLst>
-          </p:cNvPr>
-          <p:cNvSpPr txBox="1"/>
-          <p:nvPr/>
-        </p:nvSpPr>
-        <p:spPr>
-          <a:xfrm>
-            <a:off x="2819400" y="140010"/>
-            <a:ext cx="12311696" cy="1284134"/>
-          </a:xfrm>
-          <a:prstGeom prst="rect">
-            <a:avLst/>
-          </a:prstGeom>
-        </p:spPr>
-        <p:txBody>
-          <a:bodyPr wrap="square" lIns="0" tIns="0" rIns="0" bIns="0" rtlCol="0" anchor="t">
-            <a:spAutoFit/>
-          </a:bodyPr>
-          <a:lstStyle/>
-          <a:p>
-            <a:pPr algn="ctr">
-              <a:lnSpc>
-                <a:spcPts val="10848"/>
-              </a:lnSpc>
-            </a:pPr>
-            <a:r>
-              <a:rPr lang="en-US" sz="7749" b="1" dirty="0" err="1">
-                <a:solidFill>
-                  <a:srgbClr val="000000"/>
-                </a:solidFill>
-                <a:latin typeface="Cabin Bold"/>
-                <a:ea typeface="Cabin Bold"/>
-                <a:cs typeface="Cabin Bold"/>
-                <a:sym typeface="Cabin Bold"/>
-              </a:rPr>
-              <a:t>Tạo</a:t>
-            </a:r>
-            <a:r>
-              <a:rPr lang="en-US" sz="7749" b="1" dirty="0">
-                <a:solidFill>
-                  <a:srgbClr val="000000"/>
-                </a:solidFill>
-                <a:latin typeface="Cabin Bold"/>
-                <a:ea typeface="Cabin Bold"/>
-                <a:cs typeface="Cabin Bold"/>
-                <a:sym typeface="Cabin Bold"/>
-              </a:rPr>
-              <a:t> </a:t>
-            </a:r>
-            <a:r>
-              <a:rPr lang="en-US" sz="7749" b="1" dirty="0" err="1">
-                <a:solidFill>
-                  <a:srgbClr val="000000"/>
-                </a:solidFill>
-                <a:latin typeface="Cabin Bold"/>
-                <a:ea typeface="Cabin Bold"/>
-                <a:cs typeface="Cabin Bold"/>
-                <a:sym typeface="Cabin Bold"/>
-              </a:rPr>
-              <a:t>tài</a:t>
-            </a:r>
-            <a:r>
-              <a:rPr lang="en-US" sz="7749" b="1" dirty="0">
-                <a:solidFill>
-                  <a:srgbClr val="000000"/>
-                </a:solidFill>
-                <a:latin typeface="Cabin Bold"/>
-                <a:ea typeface="Cabin Bold"/>
-                <a:cs typeface="Cabin Bold"/>
-                <a:sym typeface="Cabin Bold"/>
-              </a:rPr>
-              <a:t> </a:t>
-            </a:r>
-            <a:r>
-              <a:rPr lang="en-US" sz="7749" b="1" dirty="0" err="1">
-                <a:solidFill>
-                  <a:srgbClr val="000000"/>
-                </a:solidFill>
-                <a:latin typeface="Cabin Bold"/>
-                <a:ea typeface="Cabin Bold"/>
-                <a:cs typeface="Cabin Bold"/>
-                <a:sym typeface="Cabin Bold"/>
-              </a:rPr>
-              <a:t>khoản</a:t>
-            </a:r>
-            <a:r>
-              <a:rPr lang="en-US" sz="7749" b="1" dirty="0">
-                <a:solidFill>
-                  <a:srgbClr val="000000"/>
-                </a:solidFill>
-                <a:latin typeface="Cabin Bold"/>
-                <a:ea typeface="Cabin Bold"/>
-                <a:cs typeface="Cabin Bold"/>
-                <a:sym typeface="Cabin Bold"/>
-              </a:rPr>
-              <a:t> </a:t>
-            </a:r>
-            <a:r>
-              <a:rPr lang="en-US" sz="7749" b="1" dirty="0" err="1">
-                <a:solidFill>
-                  <a:srgbClr val="000000"/>
-                </a:solidFill>
-                <a:latin typeface="Cabin Bold"/>
-                <a:ea typeface="Cabin Bold"/>
-                <a:cs typeface="Cabin Bold"/>
-                <a:sym typeface="Cabin Bold"/>
-              </a:rPr>
-              <a:t>giảng</a:t>
-            </a:r>
-            <a:r>
-              <a:rPr lang="en-US" sz="7749" b="1" dirty="0">
-                <a:solidFill>
-                  <a:srgbClr val="000000"/>
-                </a:solidFill>
-                <a:latin typeface="Cabin Bold"/>
-                <a:ea typeface="Cabin Bold"/>
-                <a:cs typeface="Cabin Bold"/>
-                <a:sym typeface="Cabin Bold"/>
-              </a:rPr>
-              <a:t> </a:t>
-            </a:r>
-            <a:r>
-              <a:rPr lang="en-US" sz="7749" b="1" dirty="0" err="1">
-                <a:solidFill>
-                  <a:srgbClr val="000000"/>
-                </a:solidFill>
-                <a:latin typeface="Cabin Bold"/>
-                <a:ea typeface="Cabin Bold"/>
-                <a:cs typeface="Cabin Bold"/>
-                <a:sym typeface="Cabin Bold"/>
-              </a:rPr>
-              <a:t>viên</a:t>
-            </a:r>
-            <a:endParaRPr lang="en-US" sz="7749" b="1" dirty="0">
-              <a:solidFill>
-                <a:srgbClr val="000000"/>
-              </a:solidFill>
-              <a:latin typeface="Cabin Bold"/>
-              <a:ea typeface="Cabin Bold"/>
-              <a:cs typeface="Cabin Bold"/>
-              <a:sym typeface="Cabin Bold"/>
-            </a:endParaRPr>
-          </a:p>
-        </p:txBody>
-      </p:sp>
-      <p:pic>
-        <p:nvPicPr>
-          <p:cNvPr id="7" name="Picture 6">
-            <a:extLst>
-              <a:ext uri="{FF2B5EF4-FFF2-40B4-BE49-F238E27FC236}">
-                <a16:creationId xmlns:a16="http://schemas.microsoft.com/office/drawing/2014/main" id="{447AA37B-633F-EBBE-B785-C0F6857AB5F3}"/>
+                <a16:creationId xmlns:a16="http://schemas.microsoft.com/office/drawing/2014/main" id="{47177A6D-8D85-1B49-7BDB-0FC4FABC77E8}"/>
               </a:ext>
             </a:extLst>
           </p:cNvPr>
@@ -6909,686 +6689,131 @@
         </p:blipFill>
         <p:spPr>
           <a:xfrm>
-            <a:off x="1953907" y="1897098"/>
-            <a:ext cx="14380186" cy="6492803"/>
+            <a:off x="990600" y="2095500"/>
+            <a:ext cx="15537443" cy="7053737"/>
           </a:xfrm>
           <a:prstGeom prst="rect">
             <a:avLst/>
           </a:prstGeom>
+          <a:ln>
+            <a:noFill/>
+          </a:ln>
+          <a:effectLst>
+            <a:outerShdw blurRad="292100" dist="139700" dir="2700000" algn="tl" rotWithShape="0">
+              <a:srgbClr val="333333">
+                <a:alpha val="65000"/>
+              </a:srgbClr>
+            </a:outerShdw>
+          </a:effectLst>
         </p:spPr>
       </p:pic>
+      <p:sp>
+        <p:nvSpPr>
+          <p:cNvPr id="7" name="TextBox 6">
+            <a:extLst>
+              <a:ext uri="{FF2B5EF4-FFF2-40B4-BE49-F238E27FC236}">
+                <a16:creationId xmlns:a16="http://schemas.microsoft.com/office/drawing/2014/main" id="{8B3E09E3-7E09-07DC-B55C-ED8E8599676A}"/>
+              </a:ext>
+            </a:extLst>
+          </p:cNvPr>
+          <p:cNvSpPr txBox="1"/>
+          <p:nvPr/>
+        </p:nvSpPr>
+        <p:spPr>
+          <a:xfrm>
+            <a:off x="-1143000" y="429877"/>
+            <a:ext cx="9448800" cy="707886"/>
+          </a:xfrm>
+          <a:prstGeom prst="rect">
+            <a:avLst/>
+          </a:prstGeom>
+          <a:noFill/>
+        </p:spPr>
+        <p:txBody>
+          <a:bodyPr wrap="square">
+            <a:spAutoFit/>
+          </a:bodyPr>
+          <a:lstStyle/>
+          <a:p>
+            <a:pPr algn="ctr">
+              <a:lnSpc>
+                <a:spcPts val="4759"/>
+              </a:lnSpc>
+            </a:pPr>
+            <a:r>
+              <a:rPr lang="en-US" sz="4000" b="1" dirty="0">
+                <a:solidFill>
+                  <a:srgbClr val="000000"/>
+                </a:solidFill>
+                <a:latin typeface="Cabin"/>
+                <a:ea typeface="Cabin"/>
+                <a:cs typeface="Cabin"/>
+                <a:sym typeface="Cabin"/>
+              </a:rPr>
+              <a:t>Giao </a:t>
+            </a:r>
+            <a:r>
+              <a:rPr lang="en-US" sz="4000" b="1" dirty="0" err="1">
+                <a:solidFill>
+                  <a:srgbClr val="000000"/>
+                </a:solidFill>
+                <a:latin typeface="Cabin"/>
+                <a:ea typeface="Cabin"/>
+                <a:cs typeface="Cabin"/>
+                <a:sym typeface="Cabin"/>
+              </a:rPr>
+              <a:t>diện</a:t>
+            </a:r>
+            <a:r>
+              <a:rPr lang="en-US" sz="4000" b="1" dirty="0">
+                <a:solidFill>
+                  <a:srgbClr val="000000"/>
+                </a:solidFill>
+                <a:latin typeface="Cabin"/>
+                <a:ea typeface="Cabin"/>
+                <a:cs typeface="Cabin"/>
+                <a:sym typeface="Cabin"/>
+              </a:rPr>
+              <a:t> </a:t>
+            </a:r>
+            <a:r>
+              <a:rPr lang="vi-VN" sz="4000" b="1" dirty="0">
+                <a:solidFill>
+                  <a:srgbClr val="000000"/>
+                </a:solidFill>
+                <a:latin typeface="Cabin"/>
+                <a:ea typeface="Cabin"/>
+                <a:cs typeface="Cabin"/>
+                <a:sym typeface="Cabin"/>
+              </a:rPr>
+              <a:t>thông tin chi tiết</a:t>
+            </a:r>
+            <a:endParaRPr lang="en-US" sz="4000" b="1" dirty="0">
+              <a:solidFill>
+                <a:srgbClr val="000000"/>
+              </a:solidFill>
+              <a:latin typeface="Cabin"/>
+              <a:ea typeface="Cabin"/>
+              <a:cs typeface="Cabin"/>
+              <a:sym typeface="Cabin"/>
+            </a:endParaRPr>
+          </a:p>
+        </p:txBody>
+      </p:sp>
     </p:spTree>
     <p:extLst>
       <p:ext uri="{BB962C8B-B14F-4D97-AF65-F5344CB8AC3E}">
-        <p14:creationId xmlns:p14="http://schemas.microsoft.com/office/powerpoint/2010/main" val="2951302357"/>
+        <p14:creationId xmlns:p14="http://schemas.microsoft.com/office/powerpoint/2010/main" val="194072174"/>
       </p:ext>
     </p:extLst>
   </p:cSld>
   <p:clrMapOvr>
     <a:masterClrMapping/>
   </p:clrMapOvr>
-  <mc:AlternateContent xmlns:mc="http://schemas.openxmlformats.org/markup-compatibility/2006">
-    <mc:Choice xmlns:p159="http://schemas.microsoft.com/office/powerpoint/2015/09/main" Requires="p159">
-      <p:transition xmlns:p14="http://schemas.microsoft.com/office/powerpoint/2010/main" spd="slow" p14:dur="2000">
-        <p159:morph option="byObject"/>
-      </p:transition>
-    </mc:Choice>
-    <mc:Fallback>
-      <p:transition spd="slow">
-        <p:fade/>
-      </p:transition>
-    </mc:Fallback>
-  </mc:AlternateContent>
 </p:sld>
 </file>
 
 <file path=ppt/slides/slide12.xml><?xml version="1.0" encoding="utf-8"?>
-<p:sld xmlns:a="http://schemas.openxmlformats.org/drawingml/2006/main" xmlns:r="http://schemas.openxmlformats.org/officeDocument/2006/relationships" xmlns:p="http://schemas.openxmlformats.org/presentationml/2006/main">
-  <p:cSld>
-    <p:spTree>
-      <p:nvGrpSpPr>
-        <p:cNvPr id="1" name=""/>
-        <p:cNvGrpSpPr/>
-        <p:nvPr/>
-      </p:nvGrpSpPr>
-      <p:grpSpPr>
-        <a:xfrm>
-          <a:off x="0" y="0"/>
-          <a:ext cx="0" cy="0"/>
-          <a:chOff x="0" y="0"/>
-          <a:chExt cx="0" cy="0"/>
-        </a:xfrm>
-      </p:grpSpPr>
-      <p:grpSp>
-        <p:nvGrpSpPr>
-          <p:cNvPr id="2" name="Group 2">
-            <a:extLst>
-              <a:ext uri="{FF2B5EF4-FFF2-40B4-BE49-F238E27FC236}">
-                <a16:creationId xmlns:a16="http://schemas.microsoft.com/office/drawing/2014/main" id="{DD4B8093-146E-B253-9D69-731A054AC3B4}"/>
-              </a:ext>
-            </a:extLst>
-          </p:cNvPr>
-          <p:cNvGrpSpPr/>
-          <p:nvPr/>
-        </p:nvGrpSpPr>
-        <p:grpSpPr>
-          <a:xfrm>
-            <a:off x="0" y="0"/>
-            <a:ext cx="18288000" cy="1564155"/>
-            <a:chOff x="0" y="0"/>
-            <a:chExt cx="4816593" cy="411959"/>
-          </a:xfrm>
-        </p:grpSpPr>
-        <p:sp>
-          <p:nvSpPr>
-            <p:cNvPr id="4" name="Freeform 3">
-              <a:extLst>
-                <a:ext uri="{FF2B5EF4-FFF2-40B4-BE49-F238E27FC236}">
-                  <a16:creationId xmlns:a16="http://schemas.microsoft.com/office/drawing/2014/main" id="{844902E5-F9BA-A6E9-48CB-8B8B1CF6824F}"/>
-                </a:ext>
-              </a:extLst>
-            </p:cNvPr>
-            <p:cNvSpPr/>
-            <p:nvPr/>
-          </p:nvSpPr>
-          <p:spPr>
-            <a:xfrm>
-              <a:off x="0" y="0"/>
-              <a:ext cx="4816592" cy="411959"/>
-            </a:xfrm>
-            <a:custGeom>
-              <a:avLst/>
-              <a:gdLst/>
-              <a:ahLst/>
-              <a:cxnLst/>
-              <a:rect l="l" t="t" r="r" b="b"/>
-              <a:pathLst>
-                <a:path w="4816592" h="411959">
-                  <a:moveTo>
-                    <a:pt x="0" y="0"/>
-                  </a:moveTo>
-                  <a:lnTo>
-                    <a:pt x="4816592" y="0"/>
-                  </a:lnTo>
-                  <a:lnTo>
-                    <a:pt x="4816592" y="411959"/>
-                  </a:lnTo>
-                  <a:lnTo>
-                    <a:pt x="0" y="411959"/>
-                  </a:lnTo>
-                  <a:close/>
-                </a:path>
-              </a:pathLst>
-            </a:custGeom>
-            <a:solidFill>
-              <a:srgbClr val="AEB2D5"/>
-            </a:solidFill>
-          </p:spPr>
-          <p:txBody>
-            <a:bodyPr/>
-            <a:lstStyle/>
-            <a:p>
-              <a:endParaRPr lang="vi-VN"/>
-            </a:p>
-          </p:txBody>
-        </p:sp>
-        <p:sp>
-          <p:nvSpPr>
-            <p:cNvPr id="5" name="TextBox 4">
-              <a:extLst>
-                <a:ext uri="{FF2B5EF4-FFF2-40B4-BE49-F238E27FC236}">
-                  <a16:creationId xmlns:a16="http://schemas.microsoft.com/office/drawing/2014/main" id="{3CAC8A2A-CDE1-5A03-E80A-6E73518CDCAB}"/>
-                </a:ext>
-              </a:extLst>
-            </p:cNvPr>
-            <p:cNvSpPr txBox="1"/>
-            <p:nvPr/>
-          </p:nvSpPr>
-          <p:spPr>
-            <a:xfrm>
-              <a:off x="0" y="-38100"/>
-              <a:ext cx="4816593" cy="450059"/>
-            </a:xfrm>
-            <a:prstGeom prst="rect">
-              <a:avLst/>
-            </a:prstGeom>
-          </p:spPr>
-          <p:txBody>
-            <a:bodyPr lIns="50800" tIns="50800" rIns="50800" bIns="50800" rtlCol="0" anchor="ctr"/>
-            <a:lstStyle/>
-            <a:p>
-              <a:pPr algn="ctr">
-                <a:lnSpc>
-                  <a:spcPts val="2659"/>
-                </a:lnSpc>
-                <a:spcBef>
-                  <a:spcPct val="0"/>
-                </a:spcBef>
-              </a:pPr>
-              <a:endParaRPr/>
-            </a:p>
-          </p:txBody>
-        </p:sp>
-      </p:grpSp>
-      <p:sp>
-        <p:nvSpPr>
-          <p:cNvPr id="6" name="TextBox 6">
-            <a:extLst>
-              <a:ext uri="{FF2B5EF4-FFF2-40B4-BE49-F238E27FC236}">
-                <a16:creationId xmlns:a16="http://schemas.microsoft.com/office/drawing/2014/main" id="{3002C486-0359-C7D1-4CF0-50298877DD87}"/>
-              </a:ext>
-            </a:extLst>
-          </p:cNvPr>
-          <p:cNvSpPr txBox="1"/>
-          <p:nvPr/>
-        </p:nvSpPr>
-        <p:spPr>
-          <a:xfrm>
-            <a:off x="2819400" y="140010"/>
-            <a:ext cx="12311696" cy="1284134"/>
-          </a:xfrm>
-          <a:prstGeom prst="rect">
-            <a:avLst/>
-          </a:prstGeom>
-        </p:spPr>
-        <p:txBody>
-          <a:bodyPr wrap="square" lIns="0" tIns="0" rIns="0" bIns="0" rtlCol="0" anchor="t">
-            <a:spAutoFit/>
-          </a:bodyPr>
-          <a:lstStyle/>
-          <a:p>
-            <a:pPr algn="ctr">
-              <a:lnSpc>
-                <a:spcPts val="10848"/>
-              </a:lnSpc>
-            </a:pPr>
-            <a:r>
-              <a:rPr lang="en-US" sz="7749" b="1" dirty="0" err="1">
-                <a:solidFill>
-                  <a:srgbClr val="000000"/>
-                </a:solidFill>
-                <a:latin typeface="Cabin Bold"/>
-                <a:ea typeface="Cabin Bold"/>
-                <a:cs typeface="Cabin Bold"/>
-                <a:sym typeface="Cabin Bold"/>
-              </a:rPr>
-              <a:t>Xem</a:t>
-            </a:r>
-            <a:r>
-              <a:rPr lang="en-US" sz="7749" b="1" dirty="0">
-                <a:solidFill>
-                  <a:srgbClr val="000000"/>
-                </a:solidFill>
-                <a:latin typeface="Cabin Bold"/>
-                <a:ea typeface="Cabin Bold"/>
-                <a:cs typeface="Cabin Bold"/>
-                <a:sym typeface="Cabin Bold"/>
-              </a:rPr>
-              <a:t> </a:t>
-            </a:r>
-            <a:r>
-              <a:rPr lang="en-US" sz="7749" b="1" dirty="0" err="1">
-                <a:solidFill>
-                  <a:srgbClr val="000000"/>
-                </a:solidFill>
-                <a:latin typeface="Cabin Bold"/>
-                <a:ea typeface="Cabin Bold"/>
-                <a:cs typeface="Cabin Bold"/>
-                <a:sym typeface="Cabin Bold"/>
-              </a:rPr>
-              <a:t>sinh</a:t>
-            </a:r>
-            <a:r>
-              <a:rPr lang="en-US" sz="7749" b="1" dirty="0">
-                <a:solidFill>
-                  <a:srgbClr val="000000"/>
-                </a:solidFill>
-                <a:latin typeface="Cabin Bold"/>
-                <a:ea typeface="Cabin Bold"/>
-                <a:cs typeface="Cabin Bold"/>
-                <a:sym typeface="Cabin Bold"/>
-              </a:rPr>
-              <a:t> </a:t>
-            </a:r>
-            <a:r>
-              <a:rPr lang="en-US" sz="7749" b="1" dirty="0" err="1">
-                <a:solidFill>
-                  <a:srgbClr val="000000"/>
-                </a:solidFill>
-                <a:latin typeface="Cabin Bold"/>
-                <a:ea typeface="Cabin Bold"/>
-                <a:cs typeface="Cabin Bold"/>
-                <a:sym typeface="Cabin Bold"/>
-              </a:rPr>
-              <a:t>viên</a:t>
-            </a:r>
-            <a:r>
-              <a:rPr lang="en-US" sz="7749" b="1" dirty="0">
-                <a:solidFill>
-                  <a:srgbClr val="000000"/>
-                </a:solidFill>
-                <a:latin typeface="Cabin Bold"/>
-                <a:ea typeface="Cabin Bold"/>
-                <a:cs typeface="Cabin Bold"/>
-                <a:sym typeface="Cabin Bold"/>
-              </a:rPr>
-              <a:t> </a:t>
-            </a:r>
-            <a:r>
-              <a:rPr lang="en-US" sz="7749" b="1" dirty="0" err="1">
-                <a:solidFill>
-                  <a:srgbClr val="000000"/>
-                </a:solidFill>
-                <a:latin typeface="Cabin Bold"/>
-                <a:ea typeface="Cabin Bold"/>
-                <a:cs typeface="Cabin Bold"/>
-                <a:sym typeface="Cabin Bold"/>
-              </a:rPr>
-              <a:t>đã</a:t>
-            </a:r>
-            <a:r>
-              <a:rPr lang="en-US" sz="7749" b="1" dirty="0">
-                <a:solidFill>
-                  <a:srgbClr val="000000"/>
-                </a:solidFill>
-                <a:latin typeface="Cabin Bold"/>
-                <a:ea typeface="Cabin Bold"/>
-                <a:cs typeface="Cabin Bold"/>
-                <a:sym typeface="Cabin Bold"/>
-              </a:rPr>
-              <a:t> </a:t>
-            </a:r>
-            <a:r>
-              <a:rPr lang="en-US" sz="7749" b="1" dirty="0" err="1">
-                <a:solidFill>
-                  <a:srgbClr val="000000"/>
-                </a:solidFill>
-                <a:latin typeface="Cabin Bold"/>
-                <a:ea typeface="Cabin Bold"/>
-                <a:cs typeface="Cabin Bold"/>
-                <a:sym typeface="Cabin Bold"/>
-              </a:rPr>
-              <a:t>xoá</a:t>
-            </a:r>
-            <a:endParaRPr lang="en-US" sz="7749" b="1" dirty="0">
-              <a:solidFill>
-                <a:srgbClr val="000000"/>
-              </a:solidFill>
-              <a:latin typeface="Cabin Bold"/>
-              <a:ea typeface="Cabin Bold"/>
-              <a:cs typeface="Cabin Bold"/>
-              <a:sym typeface="Cabin Bold"/>
-            </a:endParaRPr>
-          </a:p>
-        </p:txBody>
-      </p:sp>
-      <p:pic>
-        <p:nvPicPr>
-          <p:cNvPr id="7" name="Picture 6">
-            <a:extLst>
-              <a:ext uri="{FF2B5EF4-FFF2-40B4-BE49-F238E27FC236}">
-                <a16:creationId xmlns:a16="http://schemas.microsoft.com/office/drawing/2014/main" id="{76B0E838-6D83-9084-CDDB-A7F4058B7F8C}"/>
-              </a:ext>
-            </a:extLst>
-          </p:cNvPr>
-          <p:cNvPicPr>
-            <a:picLocks noChangeAspect="1"/>
-          </p:cNvPicPr>
-          <p:nvPr/>
-        </p:nvPicPr>
-        <p:blipFill>
-          <a:blip r:embed="rId2"/>
-          <a:stretch>
-            <a:fillRect/>
-          </a:stretch>
-        </p:blipFill>
-        <p:spPr>
-          <a:xfrm>
-            <a:off x="1919614" y="2072374"/>
-            <a:ext cx="14448772" cy="6142252"/>
-          </a:xfrm>
-          <a:prstGeom prst="rect">
-            <a:avLst/>
-          </a:prstGeom>
-        </p:spPr>
-      </p:pic>
-    </p:spTree>
-    <p:extLst>
-      <p:ext uri="{BB962C8B-B14F-4D97-AF65-F5344CB8AC3E}">
-        <p14:creationId xmlns:p14="http://schemas.microsoft.com/office/powerpoint/2010/main" val="9842156"/>
-      </p:ext>
-    </p:extLst>
-  </p:cSld>
-  <p:clrMapOvr>
-    <a:masterClrMapping/>
-  </p:clrMapOvr>
-  <mc:AlternateContent xmlns:mc="http://schemas.openxmlformats.org/markup-compatibility/2006">
-    <mc:Choice xmlns:p159="http://schemas.microsoft.com/office/powerpoint/2015/09/main" Requires="p159">
-      <p:transition xmlns:p14="http://schemas.microsoft.com/office/powerpoint/2010/main" spd="slow" p14:dur="2000">
-        <p159:morph option="byObject"/>
-      </p:transition>
-    </mc:Choice>
-    <mc:Fallback>
-      <p:transition spd="slow">
-        <p:fade/>
-      </p:transition>
-    </mc:Fallback>
-  </mc:AlternateContent>
-</p:sld>
-</file>
-
-<file path=ppt/slides/slide13.xml><?xml version="1.0" encoding="utf-8"?>
-<p:sld xmlns:a="http://schemas.openxmlformats.org/drawingml/2006/main" xmlns:r="http://schemas.openxmlformats.org/officeDocument/2006/relationships" xmlns:p="http://schemas.openxmlformats.org/presentationml/2006/main">
-  <p:cSld>
-    <p:spTree>
-      <p:nvGrpSpPr>
-        <p:cNvPr id="1" name=""/>
-        <p:cNvGrpSpPr/>
-        <p:nvPr/>
-      </p:nvGrpSpPr>
-      <p:grpSpPr>
-        <a:xfrm>
-          <a:off x="0" y="0"/>
-          <a:ext cx="0" cy="0"/>
-          <a:chOff x="0" y="0"/>
-          <a:chExt cx="0" cy="0"/>
-        </a:xfrm>
-      </p:grpSpPr>
-      <p:grpSp>
-        <p:nvGrpSpPr>
-          <p:cNvPr id="2" name="Group 2">
-            <a:extLst>
-              <a:ext uri="{FF2B5EF4-FFF2-40B4-BE49-F238E27FC236}">
-                <a16:creationId xmlns:a16="http://schemas.microsoft.com/office/drawing/2014/main" id="{DD4B8093-146E-B253-9D69-731A054AC3B4}"/>
-              </a:ext>
-            </a:extLst>
-          </p:cNvPr>
-          <p:cNvGrpSpPr/>
-          <p:nvPr/>
-        </p:nvGrpSpPr>
-        <p:grpSpPr>
-          <a:xfrm>
-            <a:off x="0" y="0"/>
-            <a:ext cx="18288000" cy="1564155"/>
-            <a:chOff x="0" y="0"/>
-            <a:chExt cx="4816593" cy="411959"/>
-          </a:xfrm>
-        </p:grpSpPr>
-        <p:sp>
-          <p:nvSpPr>
-            <p:cNvPr id="4" name="Freeform 3">
-              <a:extLst>
-                <a:ext uri="{FF2B5EF4-FFF2-40B4-BE49-F238E27FC236}">
-                  <a16:creationId xmlns:a16="http://schemas.microsoft.com/office/drawing/2014/main" id="{844902E5-F9BA-A6E9-48CB-8B8B1CF6824F}"/>
-                </a:ext>
-              </a:extLst>
-            </p:cNvPr>
-            <p:cNvSpPr/>
-            <p:nvPr/>
-          </p:nvSpPr>
-          <p:spPr>
-            <a:xfrm>
-              <a:off x="0" y="0"/>
-              <a:ext cx="4816592" cy="411959"/>
-            </a:xfrm>
-            <a:custGeom>
-              <a:avLst/>
-              <a:gdLst/>
-              <a:ahLst/>
-              <a:cxnLst/>
-              <a:rect l="l" t="t" r="r" b="b"/>
-              <a:pathLst>
-                <a:path w="4816592" h="411959">
-                  <a:moveTo>
-                    <a:pt x="0" y="0"/>
-                  </a:moveTo>
-                  <a:lnTo>
-                    <a:pt x="4816592" y="0"/>
-                  </a:lnTo>
-                  <a:lnTo>
-                    <a:pt x="4816592" y="411959"/>
-                  </a:lnTo>
-                  <a:lnTo>
-                    <a:pt x="0" y="411959"/>
-                  </a:lnTo>
-                  <a:close/>
-                </a:path>
-              </a:pathLst>
-            </a:custGeom>
-            <a:solidFill>
-              <a:srgbClr val="AEB2D5"/>
-            </a:solidFill>
-          </p:spPr>
-          <p:txBody>
-            <a:bodyPr/>
-            <a:lstStyle/>
-            <a:p>
-              <a:endParaRPr lang="vi-VN"/>
-            </a:p>
-          </p:txBody>
-        </p:sp>
-        <p:sp>
-          <p:nvSpPr>
-            <p:cNvPr id="5" name="TextBox 4">
-              <a:extLst>
-                <a:ext uri="{FF2B5EF4-FFF2-40B4-BE49-F238E27FC236}">
-                  <a16:creationId xmlns:a16="http://schemas.microsoft.com/office/drawing/2014/main" id="{3CAC8A2A-CDE1-5A03-E80A-6E73518CDCAB}"/>
-                </a:ext>
-              </a:extLst>
-            </p:cNvPr>
-            <p:cNvSpPr txBox="1"/>
-            <p:nvPr/>
-          </p:nvSpPr>
-          <p:spPr>
-            <a:xfrm>
-              <a:off x="0" y="-38100"/>
-              <a:ext cx="4816593" cy="450059"/>
-            </a:xfrm>
-            <a:prstGeom prst="rect">
-              <a:avLst/>
-            </a:prstGeom>
-          </p:spPr>
-          <p:txBody>
-            <a:bodyPr lIns="50800" tIns="50800" rIns="50800" bIns="50800" rtlCol="0" anchor="ctr"/>
-            <a:lstStyle/>
-            <a:p>
-              <a:pPr algn="ctr">
-                <a:lnSpc>
-                  <a:spcPts val="2659"/>
-                </a:lnSpc>
-                <a:spcBef>
-                  <a:spcPct val="0"/>
-                </a:spcBef>
-              </a:pPr>
-              <a:endParaRPr/>
-            </a:p>
-          </p:txBody>
-        </p:sp>
-      </p:grpSp>
-      <p:sp>
-        <p:nvSpPr>
-          <p:cNvPr id="6" name="TextBox 6">
-            <a:extLst>
-              <a:ext uri="{FF2B5EF4-FFF2-40B4-BE49-F238E27FC236}">
-                <a16:creationId xmlns:a16="http://schemas.microsoft.com/office/drawing/2014/main" id="{3002C486-0359-C7D1-4CF0-50298877DD87}"/>
-              </a:ext>
-            </a:extLst>
-          </p:cNvPr>
-          <p:cNvSpPr txBox="1"/>
-          <p:nvPr/>
-        </p:nvSpPr>
-        <p:spPr>
-          <a:xfrm>
-            <a:off x="2819400" y="140010"/>
-            <a:ext cx="12311696" cy="1284134"/>
-          </a:xfrm>
-          <a:prstGeom prst="rect">
-            <a:avLst/>
-          </a:prstGeom>
-        </p:spPr>
-        <p:txBody>
-          <a:bodyPr wrap="square" lIns="0" tIns="0" rIns="0" bIns="0" rtlCol="0" anchor="t">
-            <a:spAutoFit/>
-          </a:bodyPr>
-          <a:lstStyle/>
-          <a:p>
-            <a:pPr algn="ctr">
-              <a:lnSpc>
-                <a:spcPts val="10848"/>
-              </a:lnSpc>
-            </a:pPr>
-            <a:r>
-              <a:rPr lang="en-US" sz="7749" b="1" dirty="0" err="1">
-                <a:solidFill>
-                  <a:srgbClr val="000000"/>
-                </a:solidFill>
-                <a:latin typeface="Cabin Bold"/>
-                <a:ea typeface="Cabin Bold"/>
-                <a:cs typeface="Cabin Bold"/>
-                <a:sym typeface="Cabin Bold"/>
-              </a:rPr>
-              <a:t>Xem</a:t>
-            </a:r>
-            <a:r>
-              <a:rPr lang="en-US" sz="7749" b="1" dirty="0">
-                <a:solidFill>
-                  <a:srgbClr val="000000"/>
-                </a:solidFill>
-                <a:latin typeface="Cabin Bold"/>
-                <a:ea typeface="Cabin Bold"/>
-                <a:cs typeface="Cabin Bold"/>
-                <a:sym typeface="Cabin Bold"/>
-              </a:rPr>
-              <a:t> </a:t>
-            </a:r>
-            <a:r>
-              <a:rPr lang="en-US" sz="7749" b="1" dirty="0" err="1">
-                <a:solidFill>
-                  <a:srgbClr val="000000"/>
-                </a:solidFill>
-                <a:latin typeface="Cabin Bold"/>
-                <a:ea typeface="Cabin Bold"/>
-                <a:cs typeface="Cabin Bold"/>
-                <a:sym typeface="Cabin Bold"/>
-              </a:rPr>
-              <a:t>lớp</a:t>
-            </a:r>
-            <a:r>
-              <a:rPr lang="en-US" sz="7749" b="1" dirty="0">
-                <a:solidFill>
-                  <a:srgbClr val="000000"/>
-                </a:solidFill>
-                <a:latin typeface="Cabin Bold"/>
-                <a:ea typeface="Cabin Bold"/>
-                <a:cs typeface="Cabin Bold"/>
-                <a:sym typeface="Cabin Bold"/>
-              </a:rPr>
-              <a:t> </a:t>
-            </a:r>
-            <a:r>
-              <a:rPr lang="en-US" sz="7749" b="1" dirty="0" err="1">
-                <a:solidFill>
-                  <a:srgbClr val="000000"/>
-                </a:solidFill>
-                <a:latin typeface="Cabin Bold"/>
-                <a:ea typeface="Cabin Bold"/>
-                <a:cs typeface="Cabin Bold"/>
-                <a:sym typeface="Cabin Bold"/>
-              </a:rPr>
-              <a:t>đã</a:t>
-            </a:r>
-            <a:r>
-              <a:rPr lang="en-US" sz="7749" b="1" dirty="0">
-                <a:solidFill>
-                  <a:srgbClr val="000000"/>
-                </a:solidFill>
-                <a:latin typeface="Cabin Bold"/>
-                <a:ea typeface="Cabin Bold"/>
-                <a:cs typeface="Cabin Bold"/>
-                <a:sym typeface="Cabin Bold"/>
-              </a:rPr>
-              <a:t> </a:t>
-            </a:r>
-            <a:r>
-              <a:rPr lang="en-US" sz="7749" b="1" dirty="0" err="1">
-                <a:solidFill>
-                  <a:srgbClr val="000000"/>
-                </a:solidFill>
-                <a:latin typeface="Cabin Bold"/>
-                <a:ea typeface="Cabin Bold"/>
-                <a:cs typeface="Cabin Bold"/>
-                <a:sym typeface="Cabin Bold"/>
-              </a:rPr>
-              <a:t>xoá</a:t>
-            </a:r>
-            <a:endParaRPr lang="en-US" sz="7749" b="1" dirty="0">
-              <a:solidFill>
-                <a:srgbClr val="000000"/>
-              </a:solidFill>
-              <a:latin typeface="Cabin Bold"/>
-              <a:ea typeface="Cabin Bold"/>
-              <a:cs typeface="Cabin Bold"/>
-              <a:sym typeface="Cabin Bold"/>
-            </a:endParaRPr>
-          </a:p>
-        </p:txBody>
-      </p:sp>
-      <p:pic>
-        <p:nvPicPr>
-          <p:cNvPr id="7" name="Picture 6">
-            <a:extLst>
-              <a:ext uri="{FF2B5EF4-FFF2-40B4-BE49-F238E27FC236}">
-                <a16:creationId xmlns:a16="http://schemas.microsoft.com/office/drawing/2014/main" id="{39DD6F1B-E263-87A9-D3A9-37BBA7FE490C}"/>
-              </a:ext>
-            </a:extLst>
-          </p:cNvPr>
-          <p:cNvPicPr>
-            <a:picLocks noChangeAspect="1"/>
-          </p:cNvPicPr>
-          <p:nvPr/>
-        </p:nvPicPr>
-        <p:blipFill>
-          <a:blip r:embed="rId2"/>
-          <a:stretch>
-            <a:fillRect/>
-          </a:stretch>
-        </p:blipFill>
-        <p:spPr>
-          <a:xfrm>
-            <a:off x="1858648" y="2144770"/>
-            <a:ext cx="14570703" cy="5997460"/>
-          </a:xfrm>
-          <a:prstGeom prst="rect">
-            <a:avLst/>
-          </a:prstGeom>
-        </p:spPr>
-      </p:pic>
-    </p:spTree>
-    <p:extLst>
-      <p:ext uri="{BB962C8B-B14F-4D97-AF65-F5344CB8AC3E}">
-        <p14:creationId xmlns:p14="http://schemas.microsoft.com/office/powerpoint/2010/main" val="3433920902"/>
-      </p:ext>
-    </p:extLst>
-  </p:cSld>
-  <p:clrMapOvr>
-    <a:masterClrMapping/>
-  </p:clrMapOvr>
-  <mc:AlternateContent xmlns:mc="http://schemas.openxmlformats.org/markup-compatibility/2006">
-    <mc:Choice xmlns:p159="http://schemas.microsoft.com/office/powerpoint/2015/09/main" Requires="p159">
-      <p:transition xmlns:p14="http://schemas.microsoft.com/office/powerpoint/2010/main" spd="slow" p14:dur="2000">
-        <p159:morph option="byObject"/>
-      </p:transition>
-    </mc:Choice>
-    <mc:Fallback>
-      <p:transition spd="slow">
-        <p:fade/>
-      </p:transition>
-    </mc:Fallback>
-  </mc:AlternateContent>
-</p:sld>
-</file>
-
-<file path=ppt/slides/slide14.xml><?xml version="1.0" encoding="utf-8"?>
 <p:sld xmlns:a="http://schemas.openxmlformats.org/drawingml/2006/main" xmlns:r="http://schemas.openxmlformats.org/officeDocument/2006/relationships" xmlns:p="http://schemas.openxmlformats.org/presentationml/2006/main">
   <p:cSld>
     <p:spTree>
@@ -7710,22 +6935,10 @@
   <p:clrMapOvr>
     <a:masterClrMapping/>
   </p:clrMapOvr>
-  <mc:AlternateContent xmlns:mc="http://schemas.openxmlformats.org/markup-compatibility/2006">
-    <mc:Choice xmlns:p159="http://schemas.microsoft.com/office/powerpoint/2015/09/main" Requires="p159">
-      <p:transition xmlns:p14="http://schemas.microsoft.com/office/powerpoint/2010/main" spd="slow" p14:dur="2000">
-        <p159:morph option="byObject"/>
-      </p:transition>
-    </mc:Choice>
-    <mc:Fallback>
-      <p:transition spd="slow">
-        <p:fade/>
-      </p:transition>
-    </mc:Fallback>
-  </mc:AlternateContent>
 </p:sld>
 </file>
 
-<file path=ppt/slides/slide15.xml><?xml version="1.0" encoding="utf-8"?>
+<file path=ppt/slides/slide13.xml><?xml version="1.0" encoding="utf-8"?>
 <p:sld xmlns:a="http://schemas.openxmlformats.org/drawingml/2006/main" xmlns:r="http://schemas.openxmlformats.org/officeDocument/2006/relationships" xmlns:p="http://schemas.openxmlformats.org/presentationml/2006/main">
   <p:cSld>
     <p:spTree>
@@ -7836,18 +7049,6 @@
   <p:clrMapOvr>
     <a:masterClrMapping/>
   </p:clrMapOvr>
-  <mc:AlternateContent xmlns:mc="http://schemas.openxmlformats.org/markup-compatibility/2006">
-    <mc:Choice xmlns:p159="http://schemas.microsoft.com/office/powerpoint/2015/09/main" Requires="p159">
-      <p:transition xmlns:p14="http://schemas.microsoft.com/office/powerpoint/2010/main" spd="slow" p14:dur="2000">
-        <p159:morph option="byObject"/>
-      </p:transition>
-    </mc:Choice>
-    <mc:Fallback>
-      <p:transition spd="slow">
-        <p:fade/>
-      </p:transition>
-    </mc:Fallback>
-  </mc:AlternateContent>
 </p:sld>
 </file>
 
@@ -8551,18 +7752,6 @@
   <p:clrMapOvr>
     <a:masterClrMapping/>
   </p:clrMapOvr>
-  <mc:AlternateContent xmlns:mc="http://schemas.openxmlformats.org/markup-compatibility/2006">
-    <mc:Choice xmlns:p159="http://schemas.microsoft.com/office/powerpoint/2015/09/main" Requires="p159">
-      <p:transition xmlns:p14="http://schemas.microsoft.com/office/powerpoint/2010/main" spd="slow" p14:dur="2000">
-        <p159:morph option="byObject"/>
-      </p:transition>
-    </mc:Choice>
-    <mc:Fallback>
-      <p:transition spd="slow">
-        <p:fade/>
-      </p:transition>
-    </mc:Fallback>
-  </mc:AlternateContent>
 </p:sld>
 </file>
 
@@ -8583,6 +7772,65 @@
           <a:chExt cx="0" cy="0"/>
         </a:xfrm>
       </p:grpSpPr>
+      <p:sp>
+        <p:nvSpPr>
+          <p:cNvPr id="2" name="Freeform 2"/>
+          <p:cNvSpPr/>
+          <p:nvPr/>
+        </p:nvSpPr>
+        <p:spPr>
+          <a:xfrm>
+            <a:off x="10972800" y="3057559"/>
+            <a:ext cx="7315200" cy="3777303"/>
+          </a:xfrm>
+          <a:custGeom>
+            <a:avLst/>
+            <a:gdLst/>
+            <a:ahLst/>
+            <a:cxnLst/>
+            <a:rect l="l" t="t" r="r" b="b"/>
+            <a:pathLst>
+              <a:path w="7315200" h="3777303">
+                <a:moveTo>
+                  <a:pt x="0" y="0"/>
+                </a:moveTo>
+                <a:lnTo>
+                  <a:pt x="7315200" y="0"/>
+                </a:lnTo>
+                <a:lnTo>
+                  <a:pt x="7315200" y="3777303"/>
+                </a:lnTo>
+                <a:lnTo>
+                  <a:pt x="0" y="3777303"/>
+                </a:lnTo>
+                <a:lnTo>
+                  <a:pt x="0" y="0"/>
+                </a:lnTo>
+                <a:close/>
+              </a:path>
+            </a:pathLst>
+          </a:custGeom>
+          <a:blipFill>
+            <a:blip r:embed="rId2">
+              <a:extLst>
+                <a:ext uri="{96DAC541-7B7A-43D3-8B79-37D633B846F1}">
+                  <asvg:svgBlip xmlns:asvg="http://schemas.microsoft.com/office/drawing/2016/SVG/main" r:embed="rId3"/>
+                </a:ext>
+              </a:extLst>
+            </a:blip>
+            <a:stretch>
+              <a:fillRect/>
+            </a:stretch>
+          </a:blipFill>
+        </p:spPr>
+        <p:txBody>
+          <a:bodyPr/>
+          <a:lstStyle/>
+          <a:p>
+            <a:endParaRPr lang="vi-VN"/>
+          </a:p>
+        </p:txBody>
+      </p:sp>
       <p:grpSp>
         <p:nvGrpSpPr>
           <p:cNvPr id="3" name="Group 3"/>
@@ -8591,7 +7839,7 @@
         </p:nvGrpSpPr>
         <p:grpSpPr>
           <a:xfrm>
-            <a:off x="0" y="32638"/>
+            <a:off x="0" y="0"/>
             <a:ext cx="18288000" cy="1564155"/>
             <a:chOff x="0" y="0"/>
             <a:chExt cx="4816593" cy="411959"/>
@@ -8684,26 +7932,26 @@
         </p:nvSpPr>
         <p:spPr>
           <a:xfrm>
-            <a:off x="337504" y="16661"/>
-            <a:ext cx="16350295" cy="1284134"/>
+            <a:off x="1014632" y="54761"/>
+            <a:ext cx="5194697" cy="1102087"/>
           </a:xfrm>
           <a:prstGeom prst="rect">
             <a:avLst/>
           </a:prstGeom>
         </p:spPr>
         <p:txBody>
-          <a:bodyPr wrap="square" lIns="0" tIns="0" rIns="0" bIns="0" rtlCol="0" anchor="t">
+          <a:bodyPr lIns="0" tIns="0" rIns="0" bIns="0" rtlCol="0" anchor="t">
             <a:spAutoFit/>
           </a:bodyPr>
           <a:lstStyle/>
           <a:p>
             <a:pPr algn="ctr">
               <a:lnSpc>
-                <a:spcPts val="10848"/>
+                <a:spcPts val="9080"/>
               </a:lnSpc>
             </a:pPr>
             <a:r>
-              <a:rPr lang="en-US" sz="7749" b="1" dirty="0">
+              <a:rPr lang="en-US" sz="6485" b="1">
                 <a:solidFill>
                   <a:srgbClr val="000000"/>
                 </a:solidFill>
@@ -8712,127 +7960,73 @@
                 <a:cs typeface="Cabin Bold"/>
                 <a:sym typeface="Cabin Bold"/>
               </a:rPr>
-              <a:t>Giao </a:t>
-            </a:r>
-            <a:r>
-              <a:rPr lang="en-US" sz="7749" b="1" dirty="0" err="1">
-                <a:solidFill>
-                  <a:srgbClr val="000000"/>
-                </a:solidFill>
-                <a:latin typeface="Cabin Bold"/>
-                <a:ea typeface="Cabin Bold"/>
-                <a:cs typeface="Cabin Bold"/>
-                <a:sym typeface="Cabin Bold"/>
-              </a:rPr>
-              <a:t>diện</a:t>
-            </a:r>
-            <a:r>
-              <a:rPr lang="en-US" sz="7749" b="1" dirty="0">
-                <a:solidFill>
-                  <a:srgbClr val="000000"/>
-                </a:solidFill>
-                <a:latin typeface="Cabin Bold"/>
-                <a:ea typeface="Cabin Bold"/>
-                <a:cs typeface="Cabin Bold"/>
-                <a:sym typeface="Cabin Bold"/>
-              </a:rPr>
-              <a:t> </a:t>
-            </a:r>
-            <a:r>
-              <a:rPr lang="en-US" sz="7749" b="1" dirty="0" err="1">
-                <a:solidFill>
-                  <a:srgbClr val="000000"/>
-                </a:solidFill>
-                <a:latin typeface="Cabin Bold"/>
-                <a:ea typeface="Cabin Bold"/>
-                <a:cs typeface="Cabin Bold"/>
-                <a:sym typeface="Cabin Bold"/>
-              </a:rPr>
-              <a:t>đăng</a:t>
-            </a:r>
-            <a:r>
-              <a:rPr lang="en-US" sz="7749" b="1" dirty="0">
-                <a:solidFill>
-                  <a:srgbClr val="000000"/>
-                </a:solidFill>
-                <a:latin typeface="Cabin Bold"/>
-                <a:ea typeface="Cabin Bold"/>
-                <a:cs typeface="Cabin Bold"/>
-                <a:sym typeface="Cabin Bold"/>
-              </a:rPr>
-              <a:t> </a:t>
-            </a:r>
-            <a:r>
-              <a:rPr lang="en-US" sz="7749" b="1" dirty="0" err="1">
-                <a:solidFill>
-                  <a:srgbClr val="000000"/>
-                </a:solidFill>
-                <a:latin typeface="Cabin Bold"/>
-                <a:ea typeface="Cabin Bold"/>
-                <a:cs typeface="Cabin Bold"/>
-                <a:sym typeface="Cabin Bold"/>
-              </a:rPr>
-              <a:t>nhập</a:t>
-            </a:r>
-            <a:endParaRPr lang="en-US" sz="7749" b="1" dirty="0">
-              <a:solidFill>
-                <a:srgbClr val="000000"/>
-              </a:solidFill>
-              <a:latin typeface="Cabin Bold"/>
-              <a:ea typeface="Cabin Bold"/>
-              <a:cs typeface="Cabin Bold"/>
-              <a:sym typeface="Cabin Bold"/>
-            </a:endParaRPr>
-          </a:p>
-        </p:txBody>
-      </p:sp>
-      <p:pic>
-        <p:nvPicPr>
-          <p:cNvPr id="8" name="Picture 7">
-            <a:extLst>
-              <a:ext uri="{FF2B5EF4-FFF2-40B4-BE49-F238E27FC236}">
-                <a16:creationId xmlns:a16="http://schemas.microsoft.com/office/drawing/2014/main" id="{EE85D6E0-4282-73C2-BF9E-6EFA4835318E}"/>
-              </a:ext>
-            </a:extLst>
-          </p:cNvPr>
-          <p:cNvPicPr>
-            <a:picLocks noChangeAspect="1"/>
-          </p:cNvPicPr>
+              <a:t>Ngôn ngữ PHP</a:t>
+            </a:r>
+          </a:p>
+        </p:txBody>
+      </p:sp>
+      <p:sp>
+        <p:nvSpPr>
+          <p:cNvPr id="7" name="TextBox 7"/>
+          <p:cNvSpPr txBox="1"/>
           <p:nvPr/>
-        </p:nvPicPr>
-        <p:blipFill>
-          <a:blip r:embed="rId2"/>
-          <a:stretch>
-            <a:fillRect/>
-          </a:stretch>
-        </p:blipFill>
+        </p:nvSpPr>
         <p:spPr>
           <a:xfrm>
-            <a:off x="4648200" y="1741454"/>
-            <a:ext cx="8777838" cy="8191500"/>
+            <a:off x="410432" y="3441862"/>
+            <a:ext cx="10114592" cy="4203700"/>
           </a:xfrm>
           <a:prstGeom prst="rect">
             <a:avLst/>
           </a:prstGeom>
         </p:spPr>
-      </p:pic>
+        <p:txBody>
+          <a:bodyPr lIns="0" tIns="0" rIns="0" bIns="0" rtlCol="0" anchor="t">
+            <a:spAutoFit/>
+          </a:bodyPr>
+          <a:lstStyle/>
+          <a:p>
+            <a:pPr algn="ctr">
+              <a:lnSpc>
+                <a:spcPts val="5599"/>
+              </a:lnSpc>
+            </a:pPr>
+            <a:r>
+              <a:rPr lang="en-US" sz="3999">
+                <a:solidFill>
+                  <a:srgbClr val="000000"/>
+                </a:solidFill>
+                <a:latin typeface="Cabin"/>
+                <a:ea typeface="Cabin"/>
+                <a:cs typeface="Cabin"/>
+                <a:sym typeface="Cabin"/>
+              </a:rPr>
+              <a:t>PHP là ngôn ngữ kịch bản phía máy chủ được sử dụng phổ biến cho các ứng dụng web động. Trong hệ thống này, PHP xử lý các yêu cầu của người dùng, thực hiện các thao tác cơ sở dữ liệu (thêm, sửa, xóa dữ liệu sinh viên và lớp học).</a:t>
+            </a:r>
+          </a:p>
+          <a:p>
+            <a:pPr algn="ctr">
+              <a:lnSpc>
+                <a:spcPts val="5599"/>
+              </a:lnSpc>
+            </a:pPr>
+            <a:endParaRPr lang="en-US" sz="3999">
+              <a:solidFill>
+                <a:srgbClr val="000000"/>
+              </a:solidFill>
+              <a:latin typeface="Cabin"/>
+              <a:ea typeface="Cabin"/>
+              <a:cs typeface="Cabin"/>
+              <a:sym typeface="Cabin"/>
+            </a:endParaRPr>
+          </a:p>
+        </p:txBody>
+      </p:sp>
     </p:spTree>
   </p:cSld>
   <p:clrMapOvr>
     <a:masterClrMapping/>
   </p:clrMapOvr>
-  <mc:AlternateContent xmlns:mc="http://schemas.openxmlformats.org/markup-compatibility/2006">
-    <mc:Choice xmlns:p159="http://schemas.microsoft.com/office/powerpoint/2015/09/main" Requires="p159">
-      <p:transition xmlns:p14="http://schemas.microsoft.com/office/powerpoint/2010/main" spd="slow" p14:dur="2000">
-        <p159:morph option="byObject"/>
-      </p:transition>
-    </mc:Choice>
-    <mc:Fallback>
-      <p:transition spd="slow">
-        <p:fade/>
-      </p:transition>
-    </mc:Fallback>
-  </mc:AlternateContent>
 </p:sld>
 </file>
 
@@ -8855,19 +8049,13 @@
       </p:grpSpPr>
       <p:grpSp>
         <p:nvGrpSpPr>
-          <p:cNvPr id="3" name="Group 3">
-            <a:extLst>
-              <a:ext uri="{FF2B5EF4-FFF2-40B4-BE49-F238E27FC236}">
-                <a16:creationId xmlns:a16="http://schemas.microsoft.com/office/drawing/2014/main" id="{B1D294C2-ADC5-E8AF-669B-65BFBDAF5DCE}"/>
-              </a:ext>
-            </a:extLst>
-          </p:cNvPr>
+          <p:cNvPr id="2" name="Group 2"/>
           <p:cNvGrpSpPr/>
           <p:nvPr/>
         </p:nvGrpSpPr>
         <p:grpSpPr>
           <a:xfrm>
-            <a:off x="0" y="32638"/>
+            <a:off x="0" y="0"/>
             <a:ext cx="18288000" cy="1564155"/>
             <a:chOff x="0" y="0"/>
             <a:chExt cx="4816593" cy="411959"/>
@@ -8875,13 +8063,7 @@
         </p:grpSpPr>
         <p:sp>
           <p:nvSpPr>
-            <p:cNvPr id="4" name="Freeform 4">
-              <a:extLst>
-                <a:ext uri="{FF2B5EF4-FFF2-40B4-BE49-F238E27FC236}">
-                  <a16:creationId xmlns:a16="http://schemas.microsoft.com/office/drawing/2014/main" id="{F8D8BBD0-F5D6-5A69-C267-B604646EA140}"/>
-                </a:ext>
-              </a:extLst>
-            </p:cNvPr>
+            <p:cNvPr id="3" name="Freeform 3"/>
             <p:cNvSpPr/>
             <p:nvPr/>
           </p:nvSpPr>
@@ -8928,13 +8110,7 @@
         </p:sp>
         <p:sp>
           <p:nvSpPr>
-            <p:cNvPr id="5" name="TextBox 5">
-              <a:extLst>
-                <a:ext uri="{FF2B5EF4-FFF2-40B4-BE49-F238E27FC236}">
-                  <a16:creationId xmlns:a16="http://schemas.microsoft.com/office/drawing/2014/main" id="{A0AD75BB-1283-9939-E101-2F17753EC401}"/>
-                </a:ext>
-              </a:extLst>
-            </p:cNvPr>
+            <p:cNvPr id="4" name="TextBox 4"/>
             <p:cNvSpPr txBox="1"/>
             <p:nvPr/>
           </p:nvSpPr>
@@ -8966,13 +8142,1153 @@
       </p:grpSp>
       <p:sp>
         <p:nvSpPr>
-          <p:cNvPr id="6" name="TextBox 6">
-            <a:extLst>
-              <a:ext uri="{FF2B5EF4-FFF2-40B4-BE49-F238E27FC236}">
-                <a16:creationId xmlns:a16="http://schemas.microsoft.com/office/drawing/2014/main" id="{13DDAA3D-BCB8-9B86-BE74-246806C597B4}"/>
-              </a:ext>
-            </a:extLst>
-          </p:cNvPr>
+          <p:cNvPr id="5" name="Freeform 5"/>
+          <p:cNvSpPr/>
+          <p:nvPr/>
+        </p:nvSpPr>
+        <p:spPr>
+          <a:xfrm>
+            <a:off x="9944100" y="3518062"/>
+            <a:ext cx="7315200" cy="3843805"/>
+          </a:xfrm>
+          <a:custGeom>
+            <a:avLst/>
+            <a:gdLst/>
+            <a:ahLst/>
+            <a:cxnLst/>
+            <a:rect l="l" t="t" r="r" b="b"/>
+            <a:pathLst>
+              <a:path w="7315200" h="3843805">
+                <a:moveTo>
+                  <a:pt x="0" y="0"/>
+                </a:moveTo>
+                <a:lnTo>
+                  <a:pt x="7315200" y="0"/>
+                </a:lnTo>
+                <a:lnTo>
+                  <a:pt x="7315200" y="3843805"/>
+                </a:lnTo>
+                <a:lnTo>
+                  <a:pt x="0" y="3843805"/>
+                </a:lnTo>
+                <a:lnTo>
+                  <a:pt x="0" y="0"/>
+                </a:lnTo>
+                <a:close/>
+              </a:path>
+            </a:pathLst>
+          </a:custGeom>
+          <a:blipFill>
+            <a:blip r:embed="rId2">
+              <a:extLst>
+                <a:ext uri="{96DAC541-7B7A-43D3-8B79-37D633B846F1}">
+                  <asvg:svgBlip xmlns:asvg="http://schemas.microsoft.com/office/drawing/2016/SVG/main" r:embed="rId3"/>
+                </a:ext>
+              </a:extLst>
+            </a:blip>
+            <a:stretch>
+              <a:fillRect/>
+            </a:stretch>
+          </a:blipFill>
+        </p:spPr>
+        <p:txBody>
+          <a:bodyPr/>
+          <a:lstStyle/>
+          <a:p>
+            <a:endParaRPr lang="vi-VN"/>
+          </a:p>
+        </p:txBody>
+      </p:sp>
+      <p:sp>
+        <p:nvSpPr>
+          <p:cNvPr id="6" name="TextBox 6"/>
+          <p:cNvSpPr txBox="1"/>
+          <p:nvPr/>
+        </p:nvSpPr>
+        <p:spPr>
+          <a:xfrm>
+            <a:off x="0" y="54761"/>
+            <a:ext cx="9563247" cy="1102087"/>
+          </a:xfrm>
+          <a:prstGeom prst="rect">
+            <a:avLst/>
+          </a:prstGeom>
+        </p:spPr>
+        <p:txBody>
+          <a:bodyPr lIns="0" tIns="0" rIns="0" bIns="0" rtlCol="0" anchor="t">
+            <a:spAutoFit/>
+          </a:bodyPr>
+          <a:lstStyle/>
+          <a:p>
+            <a:pPr algn="ctr">
+              <a:lnSpc>
+                <a:spcPts val="9080"/>
+              </a:lnSpc>
+            </a:pPr>
+            <a:r>
+              <a:rPr lang="en-US" sz="6485">
+                <a:solidFill>
+                  <a:srgbClr val="000000"/>
+                </a:solidFill>
+                <a:latin typeface="Cabin"/>
+                <a:ea typeface="Cabin"/>
+                <a:cs typeface="Cabin"/>
+                <a:sym typeface="Cabin"/>
+              </a:rPr>
+              <a:t>Hệ quản trị CSDL MySQL</a:t>
+            </a:r>
+          </a:p>
+        </p:txBody>
+      </p:sp>
+      <p:sp>
+        <p:nvSpPr>
+          <p:cNvPr id="7" name="TextBox 7"/>
+          <p:cNvSpPr txBox="1"/>
+          <p:nvPr/>
+        </p:nvSpPr>
+        <p:spPr>
+          <a:xfrm>
+            <a:off x="410432" y="3441862"/>
+            <a:ext cx="9152815" cy="4908550"/>
+          </a:xfrm>
+          <a:prstGeom prst="rect">
+            <a:avLst/>
+          </a:prstGeom>
+        </p:spPr>
+        <p:txBody>
+          <a:bodyPr lIns="0" tIns="0" rIns="0" bIns="0" rtlCol="0" anchor="t">
+            <a:spAutoFit/>
+          </a:bodyPr>
+          <a:lstStyle/>
+          <a:p>
+            <a:pPr algn="ctr">
+              <a:lnSpc>
+                <a:spcPts val="5599"/>
+              </a:lnSpc>
+            </a:pPr>
+            <a:r>
+              <a:rPr lang="en-US" sz="3999">
+                <a:solidFill>
+                  <a:srgbClr val="000000"/>
+                </a:solidFill>
+                <a:latin typeface="Cabin"/>
+                <a:ea typeface="Cabin"/>
+                <a:cs typeface="Cabin"/>
+                <a:sym typeface="Cabin"/>
+              </a:rPr>
+              <a:t>MySQL là hệ quản trị cơ sở dữ liệu quan hệ được sử dụng để lưu trữ dữ liệu cho hệ thống quản lý sinh viên. Các bảng chứa thông tin về lớp học (mã lớp, tên lớp) và sinh viên (mã sinh viên, họ tên, ngày sinh, giới tính) được lưu trữ trong cơ sở dữ liệu.</a:t>
+            </a:r>
+          </a:p>
+          <a:p>
+            <a:pPr algn="ctr">
+              <a:lnSpc>
+                <a:spcPts val="5599"/>
+              </a:lnSpc>
+            </a:pPr>
+            <a:endParaRPr lang="en-US" sz="3999">
+              <a:solidFill>
+                <a:srgbClr val="000000"/>
+              </a:solidFill>
+              <a:latin typeface="Cabin"/>
+              <a:ea typeface="Cabin"/>
+              <a:cs typeface="Cabin"/>
+              <a:sym typeface="Cabin"/>
+            </a:endParaRPr>
+          </a:p>
+        </p:txBody>
+      </p:sp>
+    </p:spTree>
+  </p:cSld>
+  <p:clrMapOvr>
+    <a:masterClrMapping/>
+  </p:clrMapOvr>
+</p:sld>
+</file>
+
+<file path=ppt/slides/slide5.xml><?xml version="1.0" encoding="utf-8"?>
+<p:sld xmlns:a="http://schemas.openxmlformats.org/drawingml/2006/main" xmlns:r="http://schemas.openxmlformats.org/officeDocument/2006/relationships" xmlns:p="http://schemas.openxmlformats.org/presentationml/2006/main">
+  <p:cSld>
+    <p:spTree>
+      <p:nvGrpSpPr>
+        <p:cNvPr id="1" name=""/>
+        <p:cNvGrpSpPr/>
+        <p:nvPr/>
+      </p:nvGrpSpPr>
+      <p:grpSpPr>
+        <a:xfrm>
+          <a:off x="0" y="0"/>
+          <a:ext cx="0" cy="0"/>
+          <a:chOff x="0" y="0"/>
+          <a:chExt cx="0" cy="0"/>
+        </a:xfrm>
+      </p:grpSpPr>
+      <p:grpSp>
+        <p:nvGrpSpPr>
+          <p:cNvPr id="2" name="Group 2"/>
+          <p:cNvGrpSpPr/>
+          <p:nvPr/>
+        </p:nvGrpSpPr>
+        <p:grpSpPr>
+          <a:xfrm>
+            <a:off x="0" y="0"/>
+            <a:ext cx="18288000" cy="1564155"/>
+            <a:chOff x="0" y="0"/>
+            <a:chExt cx="4816593" cy="411959"/>
+          </a:xfrm>
+        </p:grpSpPr>
+        <p:sp>
+          <p:nvSpPr>
+            <p:cNvPr id="3" name="Freeform 3"/>
+            <p:cNvSpPr/>
+            <p:nvPr/>
+          </p:nvSpPr>
+          <p:spPr>
+            <a:xfrm>
+              <a:off x="0" y="0"/>
+              <a:ext cx="4816592" cy="411959"/>
+            </a:xfrm>
+            <a:custGeom>
+              <a:avLst/>
+              <a:gdLst/>
+              <a:ahLst/>
+              <a:cxnLst/>
+              <a:rect l="l" t="t" r="r" b="b"/>
+              <a:pathLst>
+                <a:path w="4816592" h="411959">
+                  <a:moveTo>
+                    <a:pt x="0" y="0"/>
+                  </a:moveTo>
+                  <a:lnTo>
+                    <a:pt x="4816592" y="0"/>
+                  </a:lnTo>
+                  <a:lnTo>
+                    <a:pt x="4816592" y="411959"/>
+                  </a:lnTo>
+                  <a:lnTo>
+                    <a:pt x="0" y="411959"/>
+                  </a:lnTo>
+                  <a:close/>
+                </a:path>
+              </a:pathLst>
+            </a:custGeom>
+            <a:solidFill>
+              <a:srgbClr val="AEB2D5"/>
+            </a:solidFill>
+          </p:spPr>
+          <p:txBody>
+            <a:bodyPr/>
+            <a:lstStyle/>
+            <a:p>
+              <a:endParaRPr lang="vi-VN"/>
+            </a:p>
+          </p:txBody>
+        </p:sp>
+        <p:sp>
+          <p:nvSpPr>
+            <p:cNvPr id="4" name="TextBox 4"/>
+            <p:cNvSpPr txBox="1"/>
+            <p:nvPr/>
+          </p:nvSpPr>
+          <p:spPr>
+            <a:xfrm>
+              <a:off x="0" y="-38100"/>
+              <a:ext cx="4816593" cy="450059"/>
+            </a:xfrm>
+            <a:prstGeom prst="rect">
+              <a:avLst/>
+            </a:prstGeom>
+          </p:spPr>
+          <p:txBody>
+            <a:bodyPr lIns="50800" tIns="50800" rIns="50800" bIns="50800" rtlCol="0" anchor="ctr"/>
+            <a:lstStyle/>
+            <a:p>
+              <a:pPr algn="ctr">
+                <a:lnSpc>
+                  <a:spcPts val="2659"/>
+                </a:lnSpc>
+                <a:spcBef>
+                  <a:spcPct val="0"/>
+                </a:spcBef>
+              </a:pPr>
+              <a:endParaRPr/>
+            </a:p>
+          </p:txBody>
+        </p:sp>
+      </p:grpSp>
+      <p:sp>
+        <p:nvSpPr>
+          <p:cNvPr id="5" name="Freeform 5"/>
+          <p:cNvSpPr/>
+          <p:nvPr/>
+        </p:nvSpPr>
+        <p:spPr>
+          <a:xfrm>
+            <a:off x="13725688" y="1951667"/>
+            <a:ext cx="4114800" cy="4114800"/>
+          </a:xfrm>
+          <a:custGeom>
+            <a:avLst/>
+            <a:gdLst/>
+            <a:ahLst/>
+            <a:cxnLst/>
+            <a:rect l="l" t="t" r="r" b="b"/>
+            <a:pathLst>
+              <a:path w="4114800" h="4114800">
+                <a:moveTo>
+                  <a:pt x="0" y="0"/>
+                </a:moveTo>
+                <a:lnTo>
+                  <a:pt x="4114800" y="0"/>
+                </a:lnTo>
+                <a:lnTo>
+                  <a:pt x="4114800" y="4114800"/>
+                </a:lnTo>
+                <a:lnTo>
+                  <a:pt x="0" y="4114800"/>
+                </a:lnTo>
+                <a:lnTo>
+                  <a:pt x="0" y="0"/>
+                </a:lnTo>
+                <a:close/>
+              </a:path>
+            </a:pathLst>
+          </a:custGeom>
+          <a:blipFill>
+            <a:blip r:embed="rId2">
+              <a:extLst>
+                <a:ext uri="{96DAC541-7B7A-43D3-8B79-37D633B846F1}">
+                  <asvg:svgBlip xmlns:asvg="http://schemas.microsoft.com/office/drawing/2016/SVG/main" r:embed="rId3"/>
+                </a:ext>
+              </a:extLst>
+            </a:blip>
+            <a:stretch>
+              <a:fillRect/>
+            </a:stretch>
+          </a:blipFill>
+        </p:spPr>
+        <p:txBody>
+          <a:bodyPr/>
+          <a:lstStyle/>
+          <a:p>
+            <a:endParaRPr lang="vi-VN"/>
+          </a:p>
+        </p:txBody>
+      </p:sp>
+      <p:sp>
+        <p:nvSpPr>
+          <p:cNvPr id="6" name="Freeform 6"/>
+          <p:cNvSpPr/>
+          <p:nvPr/>
+        </p:nvSpPr>
+        <p:spPr>
+          <a:xfrm>
+            <a:off x="0" y="4732967"/>
+            <a:ext cx="4204279" cy="1039604"/>
+          </a:xfrm>
+          <a:custGeom>
+            <a:avLst/>
+            <a:gdLst/>
+            <a:ahLst/>
+            <a:cxnLst/>
+            <a:rect l="l" t="t" r="r" b="b"/>
+            <a:pathLst>
+              <a:path w="4204279" h="1039604">
+                <a:moveTo>
+                  <a:pt x="0" y="0"/>
+                </a:moveTo>
+                <a:lnTo>
+                  <a:pt x="4204279" y="0"/>
+                </a:lnTo>
+                <a:lnTo>
+                  <a:pt x="4204279" y="1039604"/>
+                </a:lnTo>
+                <a:lnTo>
+                  <a:pt x="0" y="1039604"/>
+                </a:lnTo>
+                <a:lnTo>
+                  <a:pt x="0" y="0"/>
+                </a:lnTo>
+                <a:close/>
+              </a:path>
+            </a:pathLst>
+          </a:custGeom>
+          <a:blipFill>
+            <a:blip r:embed="rId4">
+              <a:extLst>
+                <a:ext uri="{96DAC541-7B7A-43D3-8B79-37D633B846F1}">
+                  <asvg:svgBlip xmlns:asvg="http://schemas.microsoft.com/office/drawing/2016/SVG/main" r:embed="rId5"/>
+                </a:ext>
+              </a:extLst>
+            </a:blip>
+            <a:stretch>
+              <a:fillRect/>
+            </a:stretch>
+          </a:blipFill>
+        </p:spPr>
+        <p:txBody>
+          <a:bodyPr/>
+          <a:lstStyle/>
+          <a:p>
+            <a:endParaRPr lang="vi-VN"/>
+          </a:p>
+        </p:txBody>
+      </p:sp>
+      <p:grpSp>
+        <p:nvGrpSpPr>
+          <p:cNvPr id="7" name="Group 7"/>
+          <p:cNvGrpSpPr/>
+          <p:nvPr/>
+        </p:nvGrpSpPr>
+        <p:grpSpPr>
+          <a:xfrm>
+            <a:off x="461638" y="6201196"/>
+            <a:ext cx="1134124" cy="538007"/>
+            <a:chOff x="0" y="0"/>
+            <a:chExt cx="812800" cy="385577"/>
+          </a:xfrm>
+        </p:grpSpPr>
+        <p:sp>
+          <p:nvSpPr>
+            <p:cNvPr id="8" name="Freeform 8"/>
+            <p:cNvSpPr/>
+            <p:nvPr/>
+          </p:nvSpPr>
+          <p:spPr>
+            <a:xfrm>
+              <a:off x="0" y="0"/>
+              <a:ext cx="812800" cy="385577"/>
+            </a:xfrm>
+            <a:custGeom>
+              <a:avLst/>
+              <a:gdLst/>
+              <a:ahLst/>
+              <a:cxnLst/>
+              <a:rect l="l" t="t" r="r" b="b"/>
+              <a:pathLst>
+                <a:path w="812800" h="385577">
+                  <a:moveTo>
+                    <a:pt x="0" y="0"/>
+                  </a:moveTo>
+                  <a:lnTo>
+                    <a:pt x="609600" y="0"/>
+                  </a:lnTo>
+                  <a:lnTo>
+                    <a:pt x="812800" y="192788"/>
+                  </a:lnTo>
+                  <a:lnTo>
+                    <a:pt x="609600" y="385577"/>
+                  </a:lnTo>
+                  <a:lnTo>
+                    <a:pt x="0" y="385577"/>
+                  </a:lnTo>
+                  <a:lnTo>
+                    <a:pt x="203200" y="192788"/>
+                  </a:lnTo>
+                  <a:lnTo>
+                    <a:pt x="0" y="0"/>
+                  </a:lnTo>
+                  <a:close/>
+                </a:path>
+              </a:pathLst>
+            </a:custGeom>
+            <a:solidFill>
+              <a:srgbClr val="484C89"/>
+            </a:solidFill>
+          </p:spPr>
+          <p:txBody>
+            <a:bodyPr/>
+            <a:lstStyle/>
+            <a:p>
+              <a:endParaRPr lang="vi-VN"/>
+            </a:p>
+          </p:txBody>
+        </p:sp>
+        <p:sp>
+          <p:nvSpPr>
+            <p:cNvPr id="9" name="TextBox 9"/>
+            <p:cNvSpPr txBox="1"/>
+            <p:nvPr/>
+          </p:nvSpPr>
+          <p:spPr>
+            <a:xfrm>
+              <a:off x="177800" y="-38100"/>
+              <a:ext cx="558800" cy="423677"/>
+            </a:xfrm>
+            <a:prstGeom prst="rect">
+              <a:avLst/>
+            </a:prstGeom>
+          </p:spPr>
+          <p:txBody>
+            <a:bodyPr lIns="50800" tIns="50800" rIns="50800" bIns="50800" rtlCol="0" anchor="ctr"/>
+            <a:lstStyle/>
+            <a:p>
+              <a:pPr algn="ctr">
+                <a:lnSpc>
+                  <a:spcPts val="2659"/>
+                </a:lnSpc>
+              </a:pPr>
+              <a:endParaRPr/>
+            </a:p>
+          </p:txBody>
+        </p:sp>
+      </p:grpSp>
+      <p:sp>
+        <p:nvSpPr>
+          <p:cNvPr id="10" name="TextBox 10"/>
+          <p:cNvSpPr txBox="1"/>
+          <p:nvPr/>
+        </p:nvSpPr>
+        <p:spPr>
+          <a:xfrm>
+            <a:off x="-2734255" y="173884"/>
+            <a:ext cx="9563247" cy="1102087"/>
+          </a:xfrm>
+          <a:prstGeom prst="rect">
+            <a:avLst/>
+          </a:prstGeom>
+        </p:spPr>
+        <p:txBody>
+          <a:bodyPr lIns="0" tIns="0" rIns="0" bIns="0" rtlCol="0" anchor="t">
+            <a:spAutoFit/>
+          </a:bodyPr>
+          <a:lstStyle/>
+          <a:p>
+            <a:pPr algn="ctr">
+              <a:lnSpc>
+                <a:spcPts val="9080"/>
+              </a:lnSpc>
+            </a:pPr>
+            <a:r>
+              <a:rPr lang="en-US" sz="6485" b="1">
+                <a:solidFill>
+                  <a:srgbClr val="000000"/>
+                </a:solidFill>
+                <a:latin typeface="Cabin Bold"/>
+                <a:ea typeface="Cabin Bold"/>
+                <a:cs typeface="Cabin Bold"/>
+                <a:sym typeface="Cabin Bold"/>
+              </a:rPr>
+              <a:t>Bootstrap</a:t>
+            </a:r>
+          </a:p>
+        </p:txBody>
+      </p:sp>
+      <p:sp>
+        <p:nvSpPr>
+          <p:cNvPr id="11" name="TextBox 11"/>
+          <p:cNvSpPr txBox="1"/>
+          <p:nvPr/>
+        </p:nvSpPr>
+        <p:spPr>
+          <a:xfrm>
+            <a:off x="195141" y="1919917"/>
+            <a:ext cx="13098598" cy="2089150"/>
+          </a:xfrm>
+          <a:prstGeom prst="rect">
+            <a:avLst/>
+          </a:prstGeom>
+        </p:spPr>
+        <p:txBody>
+          <a:bodyPr lIns="0" tIns="0" rIns="0" bIns="0" rtlCol="0" anchor="t">
+            <a:spAutoFit/>
+          </a:bodyPr>
+          <a:lstStyle/>
+          <a:p>
+            <a:pPr algn="ctr">
+              <a:lnSpc>
+                <a:spcPts val="5599"/>
+              </a:lnSpc>
+            </a:pPr>
+            <a:r>
+              <a:rPr lang="en-US" sz="3999">
+                <a:solidFill>
+                  <a:srgbClr val="000000"/>
+                </a:solidFill>
+                <a:latin typeface="Cabin"/>
+                <a:ea typeface="Cabin"/>
+                <a:cs typeface="Cabin"/>
+                <a:sym typeface="Cabin"/>
+              </a:rPr>
+              <a:t>Bootstrap là một framework phổ biến để phát triển giao diện người dùng, giúp thiết kế các trang web đẹp mắt và tương thích với nhiều kích thước màn hình (responsive design).</a:t>
+            </a:r>
+          </a:p>
+        </p:txBody>
+      </p:sp>
+      <p:sp>
+        <p:nvSpPr>
+          <p:cNvPr id="12" name="TextBox 12"/>
+          <p:cNvSpPr txBox="1"/>
+          <p:nvPr/>
+        </p:nvSpPr>
+        <p:spPr>
+          <a:xfrm>
+            <a:off x="797212" y="4745408"/>
+            <a:ext cx="3012788" cy="919471"/>
+          </a:xfrm>
+          <a:prstGeom prst="rect">
+            <a:avLst/>
+          </a:prstGeom>
+        </p:spPr>
+        <p:txBody>
+          <a:bodyPr wrap="square" lIns="0" tIns="0" rIns="0" bIns="0" rtlCol="0" anchor="t">
+            <a:spAutoFit/>
+          </a:bodyPr>
+          <a:lstStyle/>
+          <a:p>
+            <a:pPr algn="ctr">
+              <a:lnSpc>
+                <a:spcPts val="7595"/>
+              </a:lnSpc>
+            </a:pPr>
+            <a:r>
+              <a:rPr lang="en-US" sz="5425" dirty="0" err="1">
+                <a:solidFill>
+                  <a:srgbClr val="000000"/>
+                </a:solidFill>
+                <a:latin typeface="Cabin"/>
+                <a:ea typeface="Cabin"/>
+                <a:cs typeface="Cabin"/>
+                <a:sym typeface="Cabin"/>
+              </a:rPr>
+              <a:t>Ưu</a:t>
+            </a:r>
+            <a:r>
+              <a:rPr lang="en-US" sz="5425" dirty="0">
+                <a:solidFill>
+                  <a:srgbClr val="000000"/>
+                </a:solidFill>
+                <a:latin typeface="Cabin"/>
+                <a:ea typeface="Cabin"/>
+                <a:cs typeface="Cabin"/>
+                <a:sym typeface="Cabin"/>
+              </a:rPr>
+              <a:t> </a:t>
+            </a:r>
+            <a:r>
+              <a:rPr lang="en-US" sz="5425" dirty="0" err="1">
+                <a:solidFill>
+                  <a:srgbClr val="000000"/>
+                </a:solidFill>
+                <a:latin typeface="Cabin"/>
+                <a:ea typeface="Cabin"/>
+                <a:cs typeface="Cabin"/>
+                <a:sym typeface="Cabin"/>
+              </a:rPr>
+              <a:t>điểm</a:t>
+            </a:r>
+            <a:endParaRPr lang="en-US" sz="5425" dirty="0">
+              <a:solidFill>
+                <a:srgbClr val="000000"/>
+              </a:solidFill>
+              <a:latin typeface="Cabin"/>
+              <a:ea typeface="Cabin"/>
+              <a:cs typeface="Cabin"/>
+              <a:sym typeface="Cabin"/>
+            </a:endParaRPr>
+          </a:p>
+        </p:txBody>
+      </p:sp>
+      <p:grpSp>
+        <p:nvGrpSpPr>
+          <p:cNvPr id="13" name="Group 13"/>
+          <p:cNvGrpSpPr/>
+          <p:nvPr/>
+        </p:nvGrpSpPr>
+        <p:grpSpPr>
+          <a:xfrm>
+            <a:off x="461638" y="7595246"/>
+            <a:ext cx="1134124" cy="538007"/>
+            <a:chOff x="0" y="0"/>
+            <a:chExt cx="812800" cy="385577"/>
+          </a:xfrm>
+        </p:grpSpPr>
+        <p:sp>
+          <p:nvSpPr>
+            <p:cNvPr id="14" name="Freeform 14"/>
+            <p:cNvSpPr/>
+            <p:nvPr/>
+          </p:nvSpPr>
+          <p:spPr>
+            <a:xfrm>
+              <a:off x="0" y="0"/>
+              <a:ext cx="812800" cy="385577"/>
+            </a:xfrm>
+            <a:custGeom>
+              <a:avLst/>
+              <a:gdLst/>
+              <a:ahLst/>
+              <a:cxnLst/>
+              <a:rect l="l" t="t" r="r" b="b"/>
+              <a:pathLst>
+                <a:path w="812800" h="385577">
+                  <a:moveTo>
+                    <a:pt x="0" y="0"/>
+                  </a:moveTo>
+                  <a:lnTo>
+                    <a:pt x="609600" y="0"/>
+                  </a:lnTo>
+                  <a:lnTo>
+                    <a:pt x="812800" y="192788"/>
+                  </a:lnTo>
+                  <a:lnTo>
+                    <a:pt x="609600" y="385577"/>
+                  </a:lnTo>
+                  <a:lnTo>
+                    <a:pt x="0" y="385577"/>
+                  </a:lnTo>
+                  <a:lnTo>
+                    <a:pt x="203200" y="192788"/>
+                  </a:lnTo>
+                  <a:lnTo>
+                    <a:pt x="0" y="0"/>
+                  </a:lnTo>
+                  <a:close/>
+                </a:path>
+              </a:pathLst>
+            </a:custGeom>
+            <a:solidFill>
+              <a:srgbClr val="484C89"/>
+            </a:solidFill>
+          </p:spPr>
+          <p:txBody>
+            <a:bodyPr/>
+            <a:lstStyle/>
+            <a:p>
+              <a:endParaRPr lang="vi-VN"/>
+            </a:p>
+          </p:txBody>
+        </p:sp>
+        <p:sp>
+          <p:nvSpPr>
+            <p:cNvPr id="15" name="TextBox 15"/>
+            <p:cNvSpPr txBox="1"/>
+            <p:nvPr/>
+          </p:nvSpPr>
+          <p:spPr>
+            <a:xfrm>
+              <a:off x="177800" y="-38100"/>
+              <a:ext cx="558800" cy="423677"/>
+            </a:xfrm>
+            <a:prstGeom prst="rect">
+              <a:avLst/>
+            </a:prstGeom>
+          </p:spPr>
+          <p:txBody>
+            <a:bodyPr lIns="50800" tIns="50800" rIns="50800" bIns="50800" rtlCol="0" anchor="ctr"/>
+            <a:lstStyle/>
+            <a:p>
+              <a:pPr algn="ctr">
+                <a:lnSpc>
+                  <a:spcPts val="2659"/>
+                </a:lnSpc>
+              </a:pPr>
+              <a:endParaRPr/>
+            </a:p>
+          </p:txBody>
+        </p:sp>
+      </p:grpSp>
+      <p:grpSp>
+        <p:nvGrpSpPr>
+          <p:cNvPr id="16" name="Group 16"/>
+          <p:cNvGrpSpPr/>
+          <p:nvPr/>
+        </p:nvGrpSpPr>
+        <p:grpSpPr>
+          <a:xfrm>
+            <a:off x="461638" y="8989297"/>
+            <a:ext cx="1134124" cy="538007"/>
+            <a:chOff x="0" y="0"/>
+            <a:chExt cx="812800" cy="385577"/>
+          </a:xfrm>
+        </p:grpSpPr>
+        <p:sp>
+          <p:nvSpPr>
+            <p:cNvPr id="17" name="Freeform 17"/>
+            <p:cNvSpPr/>
+            <p:nvPr/>
+          </p:nvSpPr>
+          <p:spPr>
+            <a:xfrm>
+              <a:off x="0" y="0"/>
+              <a:ext cx="812800" cy="385577"/>
+            </a:xfrm>
+            <a:custGeom>
+              <a:avLst/>
+              <a:gdLst/>
+              <a:ahLst/>
+              <a:cxnLst/>
+              <a:rect l="l" t="t" r="r" b="b"/>
+              <a:pathLst>
+                <a:path w="812800" h="385577">
+                  <a:moveTo>
+                    <a:pt x="0" y="0"/>
+                  </a:moveTo>
+                  <a:lnTo>
+                    <a:pt x="609600" y="0"/>
+                  </a:lnTo>
+                  <a:lnTo>
+                    <a:pt x="812800" y="192788"/>
+                  </a:lnTo>
+                  <a:lnTo>
+                    <a:pt x="609600" y="385577"/>
+                  </a:lnTo>
+                  <a:lnTo>
+                    <a:pt x="0" y="385577"/>
+                  </a:lnTo>
+                  <a:lnTo>
+                    <a:pt x="203200" y="192788"/>
+                  </a:lnTo>
+                  <a:lnTo>
+                    <a:pt x="0" y="0"/>
+                  </a:lnTo>
+                  <a:close/>
+                </a:path>
+              </a:pathLst>
+            </a:custGeom>
+            <a:solidFill>
+              <a:srgbClr val="484C89"/>
+            </a:solidFill>
+          </p:spPr>
+          <p:txBody>
+            <a:bodyPr/>
+            <a:lstStyle/>
+            <a:p>
+              <a:endParaRPr lang="vi-VN"/>
+            </a:p>
+          </p:txBody>
+        </p:sp>
+        <p:sp>
+          <p:nvSpPr>
+            <p:cNvPr id="18" name="TextBox 18"/>
+            <p:cNvSpPr txBox="1"/>
+            <p:nvPr/>
+          </p:nvSpPr>
+          <p:spPr>
+            <a:xfrm>
+              <a:off x="177800" y="-38100"/>
+              <a:ext cx="558800" cy="423677"/>
+            </a:xfrm>
+            <a:prstGeom prst="rect">
+              <a:avLst/>
+            </a:prstGeom>
+          </p:spPr>
+          <p:txBody>
+            <a:bodyPr lIns="50800" tIns="50800" rIns="50800" bIns="50800" rtlCol="0" anchor="ctr"/>
+            <a:lstStyle/>
+            <a:p>
+              <a:pPr algn="ctr">
+                <a:lnSpc>
+                  <a:spcPts val="2659"/>
+                </a:lnSpc>
+              </a:pPr>
+              <a:endParaRPr/>
+            </a:p>
+          </p:txBody>
+        </p:sp>
+      </p:grpSp>
+      <p:sp>
+        <p:nvSpPr>
+          <p:cNvPr id="19" name="TextBox 19"/>
+          <p:cNvSpPr txBox="1"/>
+          <p:nvPr/>
+        </p:nvSpPr>
+        <p:spPr>
+          <a:xfrm>
+            <a:off x="2047369" y="6158812"/>
+            <a:ext cx="5610523" cy="580390"/>
+          </a:xfrm>
+          <a:prstGeom prst="rect">
+            <a:avLst/>
+          </a:prstGeom>
+        </p:spPr>
+        <p:txBody>
+          <a:bodyPr lIns="0" tIns="0" rIns="0" bIns="0" rtlCol="0" anchor="t">
+            <a:spAutoFit/>
+          </a:bodyPr>
+          <a:lstStyle/>
+          <a:p>
+            <a:pPr algn="ctr">
+              <a:lnSpc>
+                <a:spcPts val="4759"/>
+              </a:lnSpc>
+            </a:pPr>
+            <a:r>
+              <a:rPr lang="en-US" sz="3399">
+                <a:solidFill>
+                  <a:srgbClr val="000000"/>
+                </a:solidFill>
+                <a:latin typeface="Cabin"/>
+                <a:ea typeface="Cabin"/>
+                <a:cs typeface="Cabin"/>
+                <a:sym typeface="Cabin"/>
+              </a:rPr>
+              <a:t>Giao diện trực quan dễ sử dụng</a:t>
+            </a:r>
+          </a:p>
+        </p:txBody>
+      </p:sp>
+      <p:sp>
+        <p:nvSpPr>
+          <p:cNvPr id="20" name="TextBox 20"/>
+          <p:cNvSpPr txBox="1"/>
+          <p:nvPr/>
+        </p:nvSpPr>
+        <p:spPr>
+          <a:xfrm>
+            <a:off x="2042832" y="7551695"/>
+            <a:ext cx="5615059" cy="581558"/>
+          </a:xfrm>
+          <a:prstGeom prst="rect">
+            <a:avLst/>
+          </a:prstGeom>
+        </p:spPr>
+        <p:txBody>
+          <a:bodyPr lIns="0" tIns="0" rIns="0" bIns="0" rtlCol="0" anchor="t">
+            <a:spAutoFit/>
+          </a:bodyPr>
+          <a:lstStyle/>
+          <a:p>
+            <a:pPr algn="ctr">
+              <a:lnSpc>
+                <a:spcPts val="4756"/>
+              </a:lnSpc>
+              <a:spcBef>
+                <a:spcPct val="0"/>
+              </a:spcBef>
+            </a:pPr>
+            <a:r>
+              <a:rPr lang="en-US" sz="3397">
+                <a:solidFill>
+                  <a:srgbClr val="000000"/>
+                </a:solidFill>
+                <a:latin typeface="Cabin"/>
+                <a:ea typeface="Cabin"/>
+                <a:cs typeface="Cabin"/>
+                <a:sym typeface="Cabin"/>
+              </a:rPr>
+              <a:t>Tương thích được nhiều thiết bị</a:t>
+            </a:r>
+          </a:p>
+        </p:txBody>
+      </p:sp>
+      <p:sp>
+        <p:nvSpPr>
+          <p:cNvPr id="21" name="TextBox 21"/>
+          <p:cNvSpPr txBox="1"/>
+          <p:nvPr/>
+        </p:nvSpPr>
+        <p:spPr>
+          <a:xfrm>
+            <a:off x="2047369" y="9022478"/>
+            <a:ext cx="7200305" cy="504826"/>
+          </a:xfrm>
+          <a:prstGeom prst="rect">
+            <a:avLst/>
+          </a:prstGeom>
+        </p:spPr>
+        <p:txBody>
+          <a:bodyPr lIns="0" tIns="0" rIns="0" bIns="0" rtlCol="0" anchor="t">
+            <a:spAutoFit/>
+          </a:bodyPr>
+          <a:lstStyle/>
+          <a:p>
+            <a:pPr algn="ctr">
+              <a:lnSpc>
+                <a:spcPts val="4199"/>
+              </a:lnSpc>
+              <a:spcBef>
+                <a:spcPct val="0"/>
+              </a:spcBef>
+            </a:pPr>
+            <a:r>
+              <a:rPr lang="en-US" sz="2999">
+                <a:solidFill>
+                  <a:srgbClr val="000000"/>
+                </a:solidFill>
+                <a:latin typeface="Cabin"/>
+                <a:ea typeface="Cabin"/>
+                <a:cs typeface="Cabin"/>
+                <a:sym typeface="Cabin"/>
+              </a:rPr>
+              <a:t>Cung cấp hệ thống linh hoạt, chuyên nghiệp  </a:t>
+            </a:r>
+          </a:p>
+        </p:txBody>
+      </p:sp>
+    </p:spTree>
+  </p:cSld>
+  <p:clrMapOvr>
+    <a:masterClrMapping/>
+  </p:clrMapOvr>
+</p:sld>
+</file>
+
+<file path=ppt/slides/slide6.xml><?xml version="1.0" encoding="utf-8"?>
+<p:sld xmlns:a="http://schemas.openxmlformats.org/drawingml/2006/main" xmlns:r="http://schemas.openxmlformats.org/officeDocument/2006/relationships" xmlns:p="http://schemas.openxmlformats.org/presentationml/2006/main">
+  <p:cSld>
+    <p:spTree>
+      <p:nvGrpSpPr>
+        <p:cNvPr id="1" name=""/>
+        <p:cNvGrpSpPr/>
+        <p:nvPr/>
+      </p:nvGrpSpPr>
+      <p:grpSpPr>
+        <a:xfrm>
+          <a:off x="0" y="0"/>
+          <a:ext cx="0" cy="0"/>
+          <a:chOff x="0" y="0"/>
+          <a:chExt cx="0" cy="0"/>
+        </a:xfrm>
+      </p:grpSpPr>
+      <p:sp>
+        <p:nvSpPr>
+          <p:cNvPr id="2" name="Freeform 2"/>
+          <p:cNvSpPr/>
+          <p:nvPr/>
+        </p:nvSpPr>
+        <p:spPr>
+          <a:xfrm>
+            <a:off x="1752600" y="2019300"/>
+            <a:ext cx="14173200" cy="7467600"/>
+          </a:xfrm>
+          <a:custGeom>
+            <a:avLst/>
+            <a:gdLst/>
+            <a:ahLst/>
+            <a:cxnLst/>
+            <a:rect l="l" t="t" r="r" b="b"/>
+            <a:pathLst>
+              <a:path w="13764342" h="6980299">
+                <a:moveTo>
+                  <a:pt x="0" y="0"/>
+                </a:moveTo>
+                <a:lnTo>
+                  <a:pt x="13764342" y="0"/>
+                </a:lnTo>
+                <a:lnTo>
+                  <a:pt x="13764342" y="6980299"/>
+                </a:lnTo>
+                <a:lnTo>
+                  <a:pt x="0" y="6980299"/>
+                </a:lnTo>
+                <a:lnTo>
+                  <a:pt x="0" y="0"/>
+                </a:lnTo>
+                <a:close/>
+              </a:path>
+            </a:pathLst>
+          </a:custGeom>
+          <a:blipFill>
+            <a:blip r:embed="rId2"/>
+            <a:stretch>
+              <a:fillRect l="-1096" t="-342" b="-1825"/>
+            </a:stretch>
+          </a:blipFill>
+        </p:spPr>
+        <p:txBody>
+          <a:bodyPr/>
+          <a:lstStyle/>
+          <a:p>
+            <a:endParaRPr lang="vi-VN"/>
+          </a:p>
+        </p:txBody>
+      </p:sp>
+      <p:grpSp>
+        <p:nvGrpSpPr>
+          <p:cNvPr id="3" name="Group 3"/>
+          <p:cNvGrpSpPr/>
+          <p:nvPr/>
+        </p:nvGrpSpPr>
+        <p:grpSpPr>
+          <a:xfrm>
+            <a:off x="0" y="32638"/>
+            <a:ext cx="18288000" cy="1564155"/>
+            <a:chOff x="0" y="0"/>
+            <a:chExt cx="4816593" cy="411959"/>
+          </a:xfrm>
+        </p:grpSpPr>
+        <p:sp>
+          <p:nvSpPr>
+            <p:cNvPr id="4" name="Freeform 4"/>
+            <p:cNvSpPr/>
+            <p:nvPr/>
+          </p:nvSpPr>
+          <p:spPr>
+            <a:xfrm>
+              <a:off x="0" y="0"/>
+              <a:ext cx="4816592" cy="411959"/>
+            </a:xfrm>
+            <a:custGeom>
+              <a:avLst/>
+              <a:gdLst/>
+              <a:ahLst/>
+              <a:cxnLst/>
+              <a:rect l="l" t="t" r="r" b="b"/>
+              <a:pathLst>
+                <a:path w="4816592" h="411959">
+                  <a:moveTo>
+                    <a:pt x="0" y="0"/>
+                  </a:moveTo>
+                  <a:lnTo>
+                    <a:pt x="4816592" y="0"/>
+                  </a:lnTo>
+                  <a:lnTo>
+                    <a:pt x="4816592" y="411959"/>
+                  </a:lnTo>
+                  <a:lnTo>
+                    <a:pt x="0" y="411959"/>
+                  </a:lnTo>
+                  <a:close/>
+                </a:path>
+              </a:pathLst>
+            </a:custGeom>
+            <a:solidFill>
+              <a:srgbClr val="AEB2D5"/>
+            </a:solidFill>
+          </p:spPr>
+          <p:txBody>
+            <a:bodyPr/>
+            <a:lstStyle/>
+            <a:p>
+              <a:endParaRPr lang="vi-VN"/>
+            </a:p>
+          </p:txBody>
+        </p:sp>
+        <p:sp>
+          <p:nvSpPr>
+            <p:cNvPr id="5" name="TextBox 5"/>
+            <p:cNvSpPr txBox="1"/>
+            <p:nvPr/>
+          </p:nvSpPr>
+          <p:spPr>
+            <a:xfrm>
+              <a:off x="0" y="-38100"/>
+              <a:ext cx="4816593" cy="450059"/>
+            </a:xfrm>
+            <a:prstGeom prst="rect">
+              <a:avLst/>
+            </a:prstGeom>
+          </p:spPr>
+          <p:txBody>
+            <a:bodyPr lIns="50800" tIns="50800" rIns="50800" bIns="50800" rtlCol="0" anchor="ctr"/>
+            <a:lstStyle/>
+            <a:p>
+              <a:pPr algn="ctr">
+                <a:lnSpc>
+                  <a:spcPts val="2659"/>
+                </a:lnSpc>
+                <a:spcBef>
+                  <a:spcPct val="0"/>
+                </a:spcBef>
+              </a:pPr>
+              <a:endParaRPr/>
+            </a:p>
+          </p:txBody>
+        </p:sp>
+      </p:grpSp>
+      <p:sp>
+        <p:nvSpPr>
+          <p:cNvPr id="6" name="TextBox 6"/>
           <p:cNvSpPr txBox="1"/>
           <p:nvPr/>
         </p:nvSpPr>
@@ -8997,7 +9313,7 @@
               </a:lnSpc>
             </a:pPr>
             <a:r>
-              <a:rPr lang="en-US" sz="7749" b="1" dirty="0" err="1">
+              <a:rPr lang="en-US" sz="7749" b="1" dirty="0">
                 <a:solidFill>
                   <a:srgbClr val="000000"/>
                 </a:solidFill>
@@ -9006,7 +9322,19 @@
                 <a:cs typeface="Cabin Bold"/>
                 <a:sym typeface="Cabin Bold"/>
               </a:rPr>
-              <a:t>Thêm</a:t>
+              <a:t>Giao </a:t>
+            </a:r>
+            <a:r>
+              <a:rPr lang="en-US" sz="7749" b="1" dirty="0" err="1">
+                <a:solidFill>
+                  <a:srgbClr val="000000"/>
+                </a:solidFill>
+                <a:latin typeface="Cabin Bold"/>
+                <a:ea typeface="Cabin Bold"/>
+                <a:cs typeface="Cabin Bold"/>
+                <a:sym typeface="Cabin Bold"/>
+              </a:rPr>
+              <a:t>diện</a:t>
             </a:r>
             <a:r>
               <a:rPr lang="en-US" sz="7749" b="1" dirty="0">
@@ -9021,7 +9349,7 @@
               <a:t> </a:t>
             </a:r>
             <a:r>
-              <a:rPr lang="en-US" sz="7749" b="1" dirty="0" err="1">
+              <a:rPr lang="vi-VN" sz="7749" b="1" dirty="0">
                 <a:solidFill>
                   <a:srgbClr val="000000"/>
                 </a:solidFill>
@@ -9030,76 +9358,32 @@
                 <a:cs typeface="Cabin Bold"/>
                 <a:sym typeface="Cabin Bold"/>
               </a:rPr>
-              <a:t>Lớp</a:t>
-            </a:r>
-            <a:endParaRPr lang="en-US" sz="7749" b="1" dirty="0">
-              <a:solidFill>
-                <a:srgbClr val="000000"/>
-              </a:solidFill>
-              <a:latin typeface="Cabin Bold"/>
-              <a:ea typeface="Cabin Bold"/>
-              <a:cs typeface="Cabin Bold"/>
-              <a:sym typeface="Cabin Bold"/>
-            </a:endParaRPr>
-          </a:p>
-        </p:txBody>
-      </p:sp>
-      <p:pic>
-        <p:nvPicPr>
-          <p:cNvPr id="8" name="Picture 7">
-            <a:extLst>
-              <a:ext uri="{FF2B5EF4-FFF2-40B4-BE49-F238E27FC236}">
-                <a16:creationId xmlns:a16="http://schemas.microsoft.com/office/drawing/2014/main" id="{B7E9CC9D-6558-3015-2489-F1A87FBC6385}"/>
-              </a:ext>
-            </a:extLst>
-          </p:cNvPr>
-          <p:cNvPicPr>
-            <a:picLocks noChangeAspect="1"/>
-          </p:cNvPicPr>
-          <p:nvPr/>
-        </p:nvPicPr>
-        <p:blipFill>
-          <a:blip r:embed="rId2"/>
-          <a:stretch>
-            <a:fillRect/>
-          </a:stretch>
-        </p:blipFill>
-        <p:spPr>
-          <a:xfrm>
-            <a:off x="1600200" y="1943100"/>
-            <a:ext cx="14631668" cy="6858000"/>
-          </a:xfrm>
-          <a:prstGeom prst="rect">
-            <a:avLst/>
-          </a:prstGeom>
-        </p:spPr>
-      </p:pic>
+              <a:t>quản lý lớp</a:t>
+            </a:r>
+            <a:r>
+              <a:rPr lang="en-US" sz="7749" b="1" dirty="0">
+                <a:solidFill>
+                  <a:srgbClr val="000000"/>
+                </a:solidFill>
+                <a:latin typeface="Cabin Bold"/>
+                <a:ea typeface="Cabin Bold"/>
+                <a:cs typeface="Cabin Bold"/>
+                <a:sym typeface="Cabin Bold"/>
+              </a:rPr>
+              <a:t> </a:t>
+            </a:r>
+          </a:p>
+        </p:txBody>
+      </p:sp>
     </p:spTree>
-    <p:extLst>
-      <p:ext uri="{BB962C8B-B14F-4D97-AF65-F5344CB8AC3E}">
-        <p14:creationId xmlns:p14="http://schemas.microsoft.com/office/powerpoint/2010/main" val="290868242"/>
-      </p:ext>
-    </p:extLst>
   </p:cSld>
   <p:clrMapOvr>
     <a:masterClrMapping/>
   </p:clrMapOvr>
-  <mc:AlternateContent xmlns:mc="http://schemas.openxmlformats.org/markup-compatibility/2006">
-    <mc:Choice xmlns:p159="http://schemas.microsoft.com/office/powerpoint/2015/09/main" Requires="p159">
-      <p:transition xmlns:p14="http://schemas.microsoft.com/office/powerpoint/2010/main" spd="slow" p14:dur="2000">
-        <p159:morph option="byObject"/>
-      </p:transition>
-    </mc:Choice>
-    <mc:Fallback>
-      <p:transition spd="slow">
-        <p:fade/>
-      </p:transition>
-    </mc:Fallback>
-  </mc:AlternateContent>
 </p:sld>
 </file>
 
-<file path=ppt/slides/slide5.xml><?xml version="1.0" encoding="utf-8"?>
+<file path=ppt/slides/slide7.xml><?xml version="1.0" encoding="utf-8"?>
 <p:sld xmlns:a="http://schemas.openxmlformats.org/drawingml/2006/main" xmlns:r="http://schemas.openxmlformats.org/officeDocument/2006/relationships" xmlns:p="http://schemas.openxmlformats.org/presentationml/2006/main">
   <p:cSld>
     <p:spTree>
@@ -9227,116 +9511,12 @@
           </p:txBody>
         </p:sp>
       </p:grpSp>
-      <p:sp>
-        <p:nvSpPr>
-          <p:cNvPr id="7" name="TextBox 6">
+      <p:pic>
+        <p:nvPicPr>
+          <p:cNvPr id="3" name="Picture 2">
             <a:extLst>
               <a:ext uri="{FF2B5EF4-FFF2-40B4-BE49-F238E27FC236}">
-                <a16:creationId xmlns:a16="http://schemas.microsoft.com/office/drawing/2014/main" id="{9F3DE5B1-4661-2B74-8669-ECEFF27C4EF6}"/>
-              </a:ext>
-            </a:extLst>
-          </p:cNvPr>
-          <p:cNvSpPr txBox="1"/>
-          <p:nvPr/>
-        </p:nvSpPr>
-        <p:spPr>
-          <a:xfrm>
-            <a:off x="337504" y="16661"/>
-            <a:ext cx="16350295" cy="1284134"/>
-          </a:xfrm>
-          <a:prstGeom prst="rect">
-            <a:avLst/>
-          </a:prstGeom>
-        </p:spPr>
-        <p:txBody>
-          <a:bodyPr wrap="square" lIns="0" tIns="0" rIns="0" bIns="0" rtlCol="0" anchor="t">
-            <a:spAutoFit/>
-          </a:bodyPr>
-          <a:lstStyle/>
-          <a:p>
-            <a:pPr algn="ctr">
-              <a:lnSpc>
-                <a:spcPts val="10848"/>
-              </a:lnSpc>
-            </a:pPr>
-            <a:r>
-              <a:rPr lang="en-US" sz="7749" b="1" dirty="0" err="1">
-                <a:solidFill>
-                  <a:srgbClr val="000000"/>
-                </a:solidFill>
-                <a:latin typeface="Cabin Bold"/>
-                <a:ea typeface="Cabin Bold"/>
-                <a:cs typeface="Cabin Bold"/>
-                <a:sym typeface="Cabin Bold"/>
-              </a:rPr>
-              <a:t>Hiển</a:t>
-            </a:r>
-            <a:r>
-              <a:rPr lang="en-US" sz="7749" b="1" dirty="0">
-                <a:solidFill>
-                  <a:srgbClr val="000000"/>
-                </a:solidFill>
-                <a:latin typeface="Cabin Bold"/>
-                <a:ea typeface="Cabin Bold"/>
-                <a:cs typeface="Cabin Bold"/>
-                <a:sym typeface="Cabin Bold"/>
-              </a:rPr>
-              <a:t> </a:t>
-            </a:r>
-            <a:r>
-              <a:rPr lang="en-US" sz="7749" b="1" dirty="0" err="1">
-                <a:solidFill>
-                  <a:srgbClr val="000000"/>
-                </a:solidFill>
-                <a:latin typeface="Cabin Bold"/>
-                <a:ea typeface="Cabin Bold"/>
-                <a:cs typeface="Cabin Bold"/>
-                <a:sym typeface="Cabin Bold"/>
-              </a:rPr>
-              <a:t>thị</a:t>
-            </a:r>
-            <a:r>
-              <a:rPr lang="en-US" sz="7749" b="1" dirty="0">
-                <a:solidFill>
-                  <a:srgbClr val="000000"/>
-                </a:solidFill>
-                <a:latin typeface="Cabin Bold"/>
-                <a:ea typeface="Cabin Bold"/>
-                <a:cs typeface="Cabin Bold"/>
-                <a:sym typeface="Cabin Bold"/>
-              </a:rPr>
-              <a:t> </a:t>
-            </a:r>
-            <a:r>
-              <a:rPr lang="en-US" sz="7749" b="1" dirty="0" err="1">
-                <a:solidFill>
-                  <a:srgbClr val="000000"/>
-                </a:solidFill>
-                <a:latin typeface="Cabin Bold"/>
-                <a:ea typeface="Cabin Bold"/>
-                <a:cs typeface="Cabin Bold"/>
-                <a:sym typeface="Cabin Bold"/>
-              </a:rPr>
-              <a:t>Lớp</a:t>
-            </a:r>
-            <a:endParaRPr lang="en-US" sz="7749" b="1" dirty="0">
-              <a:solidFill>
-                <a:srgbClr val="000000"/>
-              </a:solidFill>
-              <a:latin typeface="Cabin Bold"/>
-              <a:ea typeface="Cabin Bold"/>
-              <a:cs typeface="Cabin Bold"/>
-              <a:sym typeface="Cabin Bold"/>
-            </a:endParaRPr>
-          </a:p>
-        </p:txBody>
-      </p:sp>
-      <p:pic>
-        <p:nvPicPr>
-          <p:cNvPr id="9" name="Picture 8">
-            <a:extLst>
-              <a:ext uri="{FF2B5EF4-FFF2-40B4-BE49-F238E27FC236}">
-                <a16:creationId xmlns:a16="http://schemas.microsoft.com/office/drawing/2014/main" id="{D1E1D1A2-2531-F98D-C572-0788F79BD361}"/>
+                <a16:creationId xmlns:a16="http://schemas.microsoft.com/office/drawing/2014/main" id="{81368FE9-2C39-6C51-7C24-DE5BEF0A68FF}"/>
               </a:ext>
             </a:extLst>
           </p:cNvPr>
@@ -9353,14 +9533,80 @@
         </p:blipFill>
         <p:spPr>
           <a:xfrm>
-            <a:off x="1676400" y="2171700"/>
-            <a:ext cx="14631668" cy="6439115"/>
+            <a:off x="762000" y="2476500"/>
+            <a:ext cx="16968338" cy="6448825"/>
+          </a:xfrm>
+          <a:prstGeom prst="rect">
+            <a:avLst/>
+          </a:prstGeom>
+          <a:ln>
+            <a:noFill/>
+          </a:ln>
+          <a:effectLst>
+            <a:outerShdw blurRad="292100" dist="139700" dir="2700000" algn="tl" rotWithShape="0">
+              <a:srgbClr val="333333">
+                <a:alpha val="65000"/>
+              </a:srgbClr>
+            </a:outerShdw>
+          </a:effectLst>
+        </p:spPr>
+      </p:pic>
+      <p:sp>
+        <p:nvSpPr>
+          <p:cNvPr id="6" name="TextBox 7">
+            <a:extLst>
+              <a:ext uri="{FF2B5EF4-FFF2-40B4-BE49-F238E27FC236}">
+                <a16:creationId xmlns:a16="http://schemas.microsoft.com/office/drawing/2014/main" id="{47EA10FB-6A34-35E3-B6C2-F830E4AC6DE1}"/>
+              </a:ext>
+            </a:extLst>
+          </p:cNvPr>
+          <p:cNvSpPr txBox="1"/>
+          <p:nvPr/>
+        </p:nvSpPr>
+        <p:spPr>
+          <a:xfrm>
+            <a:off x="-2057400" y="506938"/>
+            <a:ext cx="11850881" cy="615553"/>
           </a:xfrm>
           <a:prstGeom prst="rect">
             <a:avLst/>
           </a:prstGeom>
         </p:spPr>
-      </p:pic>
+        <p:txBody>
+          <a:bodyPr wrap="square" lIns="0" tIns="0" rIns="0" bIns="0" rtlCol="0" anchor="t">
+            <a:spAutoFit/>
+          </a:bodyPr>
+          <a:lstStyle/>
+          <a:p>
+            <a:pPr algn="ctr">
+              <a:lnSpc>
+                <a:spcPts val="4759"/>
+              </a:lnSpc>
+            </a:pPr>
+            <a:r>
+              <a:rPr lang="vi-VN" sz="4000" b="1" dirty="0">
+                <a:solidFill>
+                  <a:srgbClr val="000000"/>
+                </a:solidFill>
+                <a:latin typeface="Cabin"/>
+                <a:ea typeface="Cabin"/>
+                <a:cs typeface="Cabin"/>
+                <a:sym typeface="Cabin"/>
+              </a:rPr>
+              <a:t>Hiển thị sinh viên trong lớp</a:t>
+            </a:r>
+            <a:endParaRPr lang="en-US" sz="4000" b="1" dirty="0">
+              <a:solidFill>
+                <a:srgbClr val="000000"/>
+              </a:solidFill>
+              <a:latin typeface="Cabin"/>
+              <a:ea typeface="Cabin"/>
+              <a:cs typeface="Cabin"/>
+              <a:sym typeface="Cabin"/>
+            </a:endParaRPr>
+          </a:p>
+        </p:txBody>
+      </p:sp>
     </p:spTree>
     <p:extLst>
       <p:ext uri="{BB962C8B-B14F-4D97-AF65-F5344CB8AC3E}">
@@ -9371,22 +9617,10 @@
   <p:clrMapOvr>
     <a:masterClrMapping/>
   </p:clrMapOvr>
-  <mc:AlternateContent xmlns:mc="http://schemas.openxmlformats.org/markup-compatibility/2006">
-    <mc:Choice xmlns:p159="http://schemas.microsoft.com/office/powerpoint/2015/09/main" Requires="p159">
-      <p:transition xmlns:p14="http://schemas.microsoft.com/office/powerpoint/2010/main" spd="slow" p14:dur="2000">
-        <p159:morph option="byObject"/>
-      </p:transition>
-    </mc:Choice>
-    <mc:Fallback>
-      <p:transition spd="slow">
-        <p:fade/>
-      </p:transition>
-    </mc:Fallback>
-  </mc:AlternateContent>
 </p:sld>
 </file>
 
-<file path=ppt/slides/slide6.xml><?xml version="1.0" encoding="utf-8"?>
+<file path=ppt/slides/slide8.xml><?xml version="1.0" encoding="utf-8"?>
 <p:sld xmlns:a="http://schemas.openxmlformats.org/drawingml/2006/main" xmlns:r="http://schemas.openxmlformats.org/officeDocument/2006/relationships" xmlns:p="http://schemas.openxmlformats.org/presentationml/2006/main">
   <p:cSld>
     <p:spTree>
@@ -9403,6 +9637,46 @@
           <a:chExt cx="0" cy="0"/>
         </a:xfrm>
       </p:grpSpPr>
+      <p:pic>
+        <p:nvPicPr>
+          <p:cNvPr id="3" name="Picture 2">
+            <a:extLst>
+              <a:ext uri="{FF2B5EF4-FFF2-40B4-BE49-F238E27FC236}">
+                <a16:creationId xmlns:a16="http://schemas.microsoft.com/office/drawing/2014/main" id="{F5F0BE48-669E-FEA8-66FD-DBC70721755B}"/>
+              </a:ext>
+            </a:extLst>
+          </p:cNvPr>
+          <p:cNvPicPr>
+            <a:picLocks noChangeAspect="1"/>
+          </p:cNvPicPr>
+          <p:nvPr/>
+        </p:nvPicPr>
+        <p:blipFill>
+          <a:blip r:embed="rId2"/>
+          <a:stretch>
+            <a:fillRect/>
+          </a:stretch>
+        </p:blipFill>
+        <p:spPr>
+          <a:xfrm>
+            <a:off x="152400" y="1943100"/>
+            <a:ext cx="17526000" cy="6477000"/>
+          </a:xfrm>
+          <a:prstGeom prst="rect">
+            <a:avLst/>
+          </a:prstGeom>
+          <a:ln>
+            <a:noFill/>
+          </a:ln>
+          <a:effectLst>
+            <a:outerShdw blurRad="292100" dist="139700" dir="2700000" algn="tl" rotWithShape="0">
+              <a:srgbClr val="333333">
+                <a:alpha val="65000"/>
+              </a:srgbClr>
+            </a:outerShdw>
+          </a:effectLst>
+        </p:spPr>
+      </p:pic>
       <p:grpSp>
         <p:nvGrpSpPr>
           <p:cNvPr id="2" name="Group 3">
@@ -9514,12 +9788,182 @@
           </p:txBody>
         </p:sp>
       </p:grpSp>
+      <p:sp>
+        <p:nvSpPr>
+          <p:cNvPr id="4" name="TextBox 7">
+            <a:extLst>
+              <a:ext uri="{FF2B5EF4-FFF2-40B4-BE49-F238E27FC236}">
+                <a16:creationId xmlns:a16="http://schemas.microsoft.com/office/drawing/2014/main" id="{95D50BA3-94FA-246F-22AA-74706F589E4B}"/>
+              </a:ext>
+            </a:extLst>
+          </p:cNvPr>
+          <p:cNvSpPr txBox="1"/>
+          <p:nvPr/>
+        </p:nvSpPr>
+        <p:spPr>
+          <a:xfrm>
+            <a:off x="-2057400" y="452190"/>
+            <a:ext cx="11850881" cy="615553"/>
+          </a:xfrm>
+          <a:prstGeom prst="rect">
+            <a:avLst/>
+          </a:prstGeom>
+        </p:spPr>
+        <p:txBody>
+          <a:bodyPr wrap="square" lIns="0" tIns="0" rIns="0" bIns="0" rtlCol="0" anchor="t">
+            <a:spAutoFit/>
+          </a:bodyPr>
+          <a:lstStyle/>
+          <a:p>
+            <a:pPr algn="ctr">
+              <a:lnSpc>
+                <a:spcPts val="4759"/>
+              </a:lnSpc>
+            </a:pPr>
+            <a:r>
+              <a:rPr lang="en-US" sz="4000" b="1" dirty="0">
+                <a:solidFill>
+                  <a:srgbClr val="000000"/>
+                </a:solidFill>
+                <a:latin typeface="Cabin"/>
+                <a:ea typeface="Cabin"/>
+                <a:cs typeface="Cabin"/>
+                <a:sym typeface="Cabin"/>
+              </a:rPr>
+              <a:t>Giao </a:t>
+            </a:r>
+            <a:r>
+              <a:rPr lang="en-US" sz="4000" b="1" dirty="0" err="1">
+                <a:solidFill>
+                  <a:srgbClr val="000000"/>
+                </a:solidFill>
+                <a:latin typeface="Cabin"/>
+                <a:ea typeface="Cabin"/>
+                <a:cs typeface="Cabin"/>
+                <a:sym typeface="Cabin"/>
+              </a:rPr>
+              <a:t>diện</a:t>
+            </a:r>
+            <a:r>
+              <a:rPr lang="en-US" sz="4000" b="1" dirty="0">
+                <a:solidFill>
+                  <a:srgbClr val="000000"/>
+                </a:solidFill>
+                <a:latin typeface="Cabin"/>
+                <a:ea typeface="Cabin"/>
+                <a:cs typeface="Cabin"/>
+                <a:sym typeface="Cabin"/>
+              </a:rPr>
+              <a:t> </a:t>
+            </a:r>
+            <a:r>
+              <a:rPr lang="en-US" sz="4000" b="1" dirty="0" err="1">
+                <a:solidFill>
+                  <a:srgbClr val="000000"/>
+                </a:solidFill>
+                <a:latin typeface="Cabin"/>
+                <a:ea typeface="Cabin"/>
+                <a:cs typeface="Cabin"/>
+                <a:sym typeface="Cabin"/>
+              </a:rPr>
+              <a:t>chức</a:t>
+            </a:r>
+            <a:r>
+              <a:rPr lang="en-US" sz="4000" b="1" dirty="0">
+                <a:solidFill>
+                  <a:srgbClr val="000000"/>
+                </a:solidFill>
+                <a:latin typeface="Cabin"/>
+                <a:ea typeface="Cabin"/>
+                <a:cs typeface="Cabin"/>
+                <a:sym typeface="Cabin"/>
+              </a:rPr>
+              <a:t> </a:t>
+            </a:r>
+            <a:r>
+              <a:rPr lang="en-US" sz="4000" b="1" dirty="0" err="1">
+                <a:solidFill>
+                  <a:srgbClr val="000000"/>
+                </a:solidFill>
+                <a:latin typeface="Cabin"/>
+                <a:ea typeface="Cabin"/>
+                <a:cs typeface="Cabin"/>
+                <a:sym typeface="Cabin"/>
+              </a:rPr>
+              <a:t>năng</a:t>
+            </a:r>
+            <a:r>
+              <a:rPr lang="en-US" sz="4000" b="1" dirty="0">
+                <a:solidFill>
+                  <a:srgbClr val="000000"/>
+                </a:solidFill>
+                <a:latin typeface="Cabin"/>
+                <a:ea typeface="Cabin"/>
+                <a:cs typeface="Cabin"/>
+                <a:sym typeface="Cabin"/>
+              </a:rPr>
+              <a:t> </a:t>
+            </a:r>
+            <a:r>
+              <a:rPr lang="vi-VN" sz="4000" b="1" dirty="0">
+                <a:solidFill>
+                  <a:srgbClr val="000000"/>
+                </a:solidFill>
+                <a:latin typeface="Cabin"/>
+                <a:ea typeface="Cabin"/>
+                <a:cs typeface="Cabin"/>
+                <a:sym typeface="Cabin"/>
+              </a:rPr>
+              <a:t>thêm lớp</a:t>
+            </a:r>
+            <a:endParaRPr lang="en-US" sz="4000" b="1" dirty="0">
+              <a:solidFill>
+                <a:srgbClr val="000000"/>
+              </a:solidFill>
+              <a:latin typeface="Cabin"/>
+              <a:ea typeface="Cabin"/>
+              <a:cs typeface="Cabin"/>
+              <a:sym typeface="Cabin"/>
+            </a:endParaRPr>
+          </a:p>
+        </p:txBody>
+      </p:sp>
+    </p:spTree>
+    <p:extLst>
+      <p:ext uri="{BB962C8B-B14F-4D97-AF65-F5344CB8AC3E}">
+        <p14:creationId xmlns:p14="http://schemas.microsoft.com/office/powerpoint/2010/main" val="3219390872"/>
+      </p:ext>
+    </p:extLst>
+  </p:cSld>
+  <p:clrMapOvr>
+    <a:masterClrMapping/>
+  </p:clrMapOvr>
+</p:sld>
+</file>
+
+<file path=ppt/slides/slide9.xml><?xml version="1.0" encoding="utf-8"?>
+<p:sld xmlns:a="http://schemas.openxmlformats.org/drawingml/2006/main" xmlns:r="http://schemas.openxmlformats.org/officeDocument/2006/relationships" xmlns:p="http://schemas.openxmlformats.org/presentationml/2006/main">
+  <p:cSld>
+    <p:spTree>
+      <p:nvGrpSpPr>
+        <p:cNvPr id="1" name=""/>
+        <p:cNvGrpSpPr/>
+        <p:nvPr/>
+      </p:nvGrpSpPr>
+      <p:grpSpPr>
+        <a:xfrm>
+          <a:off x="0" y="0"/>
+          <a:ext cx="0" cy="0"/>
+          <a:chOff x="0" y="0"/>
+          <a:chExt cx="0" cy="0"/>
+        </a:xfrm>
+      </p:grpSpPr>
       <p:pic>
         <p:nvPicPr>
-          <p:cNvPr id="8" name="Picture 7">
+          <p:cNvPr id="3" name="Picture 2">
             <a:extLst>
               <a:ext uri="{FF2B5EF4-FFF2-40B4-BE49-F238E27FC236}">
-                <a16:creationId xmlns:a16="http://schemas.microsoft.com/office/drawing/2014/main" id="{61D5D0B0-D2A9-8E05-D340-A5E2DA99CBFF}"/>
+                <a16:creationId xmlns:a16="http://schemas.microsoft.com/office/drawing/2014/main" id="{3E5EBD5F-BA88-1690-E2C0-C16D9732975C}"/>
               </a:ext>
             </a:extLst>
           </p:cNvPr>
@@ -9536,184 +9980,24 @@
         </p:blipFill>
         <p:spPr>
           <a:xfrm>
-            <a:off x="1828166" y="2163822"/>
-            <a:ext cx="14631668" cy="5959356"/>
+            <a:off x="1603910" y="2324101"/>
+            <a:ext cx="15080180" cy="6477000"/>
           </a:xfrm>
           <a:prstGeom prst="rect">
             <a:avLst/>
           </a:prstGeom>
+          <a:ln>
+            <a:noFill/>
+          </a:ln>
+          <a:effectLst>
+            <a:outerShdw blurRad="292100" dist="139700" dir="2700000" algn="tl" rotWithShape="0">
+              <a:srgbClr val="333333">
+                <a:alpha val="65000"/>
+              </a:srgbClr>
+            </a:outerShdw>
+          </a:effectLst>
         </p:spPr>
       </p:pic>
-      <p:sp>
-        <p:nvSpPr>
-          <p:cNvPr id="9" name="TextBox 8">
-            <a:extLst>
-              <a:ext uri="{FF2B5EF4-FFF2-40B4-BE49-F238E27FC236}">
-                <a16:creationId xmlns:a16="http://schemas.microsoft.com/office/drawing/2014/main" id="{53FD6223-9964-8BBA-2AAA-621657AC7EB2}"/>
-              </a:ext>
-            </a:extLst>
-          </p:cNvPr>
-          <p:cNvSpPr txBox="1"/>
-          <p:nvPr/>
-        </p:nvSpPr>
-        <p:spPr>
-          <a:xfrm>
-            <a:off x="337504" y="16661"/>
-            <a:ext cx="16350295" cy="1284134"/>
-          </a:xfrm>
-          <a:prstGeom prst="rect">
-            <a:avLst/>
-          </a:prstGeom>
-        </p:spPr>
-        <p:txBody>
-          <a:bodyPr wrap="square" lIns="0" tIns="0" rIns="0" bIns="0" rtlCol="0" anchor="t">
-            <a:spAutoFit/>
-          </a:bodyPr>
-          <a:lstStyle/>
-          <a:p>
-            <a:pPr algn="ctr">
-              <a:lnSpc>
-                <a:spcPts val="10848"/>
-              </a:lnSpc>
-            </a:pPr>
-            <a:r>
-              <a:rPr lang="en-US" sz="7749" b="1" dirty="0" err="1">
-                <a:solidFill>
-                  <a:srgbClr val="000000"/>
-                </a:solidFill>
-                <a:latin typeface="Cabin Bold"/>
-                <a:ea typeface="Cabin Bold"/>
-                <a:cs typeface="Cabin Bold"/>
-                <a:sym typeface="Cabin Bold"/>
-              </a:rPr>
-              <a:t>Cập</a:t>
-            </a:r>
-            <a:r>
-              <a:rPr lang="en-US" sz="7749" b="1" dirty="0">
-                <a:solidFill>
-                  <a:srgbClr val="000000"/>
-                </a:solidFill>
-                <a:latin typeface="Cabin Bold"/>
-                <a:ea typeface="Cabin Bold"/>
-                <a:cs typeface="Cabin Bold"/>
-                <a:sym typeface="Cabin Bold"/>
-              </a:rPr>
-              <a:t> </a:t>
-            </a:r>
-            <a:r>
-              <a:rPr lang="en-US" sz="7749" b="1" dirty="0" err="1">
-                <a:solidFill>
-                  <a:srgbClr val="000000"/>
-                </a:solidFill>
-                <a:latin typeface="Cabin Bold"/>
-                <a:ea typeface="Cabin Bold"/>
-                <a:cs typeface="Cabin Bold"/>
-                <a:sym typeface="Cabin Bold"/>
-              </a:rPr>
-              <a:t>nhật</a:t>
-            </a:r>
-            <a:r>
-              <a:rPr lang="en-US" sz="7749" b="1" dirty="0">
-                <a:solidFill>
-                  <a:srgbClr val="000000"/>
-                </a:solidFill>
-                <a:latin typeface="Cabin Bold"/>
-                <a:ea typeface="Cabin Bold"/>
-                <a:cs typeface="Cabin Bold"/>
-                <a:sym typeface="Cabin Bold"/>
-              </a:rPr>
-              <a:t> </a:t>
-            </a:r>
-            <a:r>
-              <a:rPr lang="en-US" sz="7749" b="1" dirty="0" err="1">
-                <a:solidFill>
-                  <a:srgbClr val="000000"/>
-                </a:solidFill>
-                <a:latin typeface="Cabin Bold"/>
-                <a:ea typeface="Cabin Bold"/>
-                <a:cs typeface="Cabin Bold"/>
-                <a:sym typeface="Cabin Bold"/>
-              </a:rPr>
-              <a:t>thông</a:t>
-            </a:r>
-            <a:r>
-              <a:rPr lang="en-US" sz="7749" b="1" dirty="0">
-                <a:solidFill>
-                  <a:srgbClr val="000000"/>
-                </a:solidFill>
-                <a:latin typeface="Cabin Bold"/>
-                <a:ea typeface="Cabin Bold"/>
-                <a:cs typeface="Cabin Bold"/>
-                <a:sym typeface="Cabin Bold"/>
-              </a:rPr>
-              <a:t> </a:t>
-            </a:r>
-            <a:r>
-              <a:rPr lang="en-US" sz="7749" b="1" dirty="0" err="1">
-                <a:solidFill>
-                  <a:srgbClr val="000000"/>
-                </a:solidFill>
-                <a:latin typeface="Cabin Bold"/>
-                <a:ea typeface="Cabin Bold"/>
-                <a:cs typeface="Cabin Bold"/>
-                <a:sym typeface="Cabin Bold"/>
-              </a:rPr>
-              <a:t>Lớp</a:t>
-            </a:r>
-            <a:endParaRPr lang="en-US" sz="7749" b="1" dirty="0">
-              <a:solidFill>
-                <a:srgbClr val="000000"/>
-              </a:solidFill>
-              <a:latin typeface="Cabin Bold"/>
-              <a:ea typeface="Cabin Bold"/>
-              <a:cs typeface="Cabin Bold"/>
-              <a:sym typeface="Cabin Bold"/>
-            </a:endParaRPr>
-          </a:p>
-        </p:txBody>
-      </p:sp>
-    </p:spTree>
-    <p:extLst>
-      <p:ext uri="{BB962C8B-B14F-4D97-AF65-F5344CB8AC3E}">
-        <p14:creationId xmlns:p14="http://schemas.microsoft.com/office/powerpoint/2010/main" val="3219390872"/>
-      </p:ext>
-    </p:extLst>
-  </p:cSld>
-  <p:clrMapOvr>
-    <a:masterClrMapping/>
-  </p:clrMapOvr>
-  <mc:AlternateContent xmlns:mc="http://schemas.openxmlformats.org/markup-compatibility/2006">
-    <mc:Choice xmlns:p159="http://schemas.microsoft.com/office/powerpoint/2015/09/main" Requires="p159">
-      <p:transition xmlns:p14="http://schemas.microsoft.com/office/powerpoint/2010/main" spd="slow" p14:dur="2000">
-        <p159:morph option="byObject"/>
-      </p:transition>
-    </mc:Choice>
-    <mc:Fallback>
-      <p:transition spd="slow">
-        <p:fade/>
-      </p:transition>
-    </mc:Fallback>
-  </mc:AlternateContent>
-</p:sld>
-</file>
-
-<file path=ppt/slides/slide7.xml><?xml version="1.0" encoding="utf-8"?>
-<p:sld xmlns:a="http://schemas.openxmlformats.org/drawingml/2006/main" xmlns:r="http://schemas.openxmlformats.org/officeDocument/2006/relationships" xmlns:p="http://schemas.openxmlformats.org/presentationml/2006/main">
-  <p:cSld>
-    <p:spTree>
-      <p:nvGrpSpPr>
-        <p:cNvPr id="1" name=""/>
-        <p:cNvGrpSpPr/>
-        <p:nvPr/>
-      </p:nvGrpSpPr>
-      <p:grpSpPr>
-        <a:xfrm>
-          <a:off x="0" y="0"/>
-          <a:ext cx="0" cy="0"/>
-          <a:chOff x="0" y="0"/>
-          <a:chExt cx="0" cy="0"/>
-        </a:xfrm>
-      </p:grpSpPr>
       <p:grpSp>
         <p:nvGrpSpPr>
           <p:cNvPr id="2" name="Group 3">
@@ -9825,57 +10109,27 @@
           </p:txBody>
         </p:sp>
       </p:grpSp>
-      <p:pic>
-        <p:nvPicPr>
-          <p:cNvPr id="8" name="Picture 7">
+      <p:sp>
+        <p:nvSpPr>
+          <p:cNvPr id="4" name="TextBox 7">
             <a:extLst>
               <a:ext uri="{FF2B5EF4-FFF2-40B4-BE49-F238E27FC236}">
-                <a16:creationId xmlns:a16="http://schemas.microsoft.com/office/drawing/2014/main" id="{7995F078-026F-587E-A24E-A0C16FD670FC}"/>
+                <a16:creationId xmlns:a16="http://schemas.microsoft.com/office/drawing/2014/main" id="{1D4E09D6-BFF2-B967-9271-6B21FC0FD30C}"/>
               </a:ext>
             </a:extLst>
           </p:cNvPr>
-          <p:cNvPicPr>
-            <a:picLocks noChangeAspect="1"/>
-          </p:cNvPicPr>
+          <p:cNvSpPr txBox="1"/>
           <p:nvPr/>
-        </p:nvPicPr>
-        <p:blipFill>
-          <a:blip r:embed="rId2"/>
-          <a:stretch>
-            <a:fillRect/>
-          </a:stretch>
-        </p:blipFill>
+        </p:nvSpPr>
         <p:spPr>
           <a:xfrm>
-            <a:off x="1931045" y="1702772"/>
-            <a:ext cx="14425910" cy="6881456"/>
+            <a:off x="-1600200" y="647700"/>
+            <a:ext cx="11850881" cy="615553"/>
           </a:xfrm>
           <a:prstGeom prst="rect">
             <a:avLst/>
           </a:prstGeom>
         </p:spPr>
-      </p:pic>
-      <p:sp>
-        <p:nvSpPr>
-          <p:cNvPr id="9" name="TextBox 8">
-            <a:extLst>
-              <a:ext uri="{FF2B5EF4-FFF2-40B4-BE49-F238E27FC236}">
-                <a16:creationId xmlns:a16="http://schemas.microsoft.com/office/drawing/2014/main" id="{7FAA65D6-0C55-1D8D-77F8-6058A8A4DA0F}"/>
-              </a:ext>
-            </a:extLst>
-          </p:cNvPr>
-          <p:cNvSpPr txBox="1"/>
-          <p:nvPr/>
-        </p:nvSpPr>
-        <p:spPr>
-          <a:xfrm>
-            <a:off x="337504" y="16661"/>
-            <a:ext cx="16350295" cy="1284134"/>
-          </a:xfrm>
-          <a:prstGeom prst="rect">
-            <a:avLst/>
-          </a:prstGeom>
-        </p:spPr>
         <p:txBody>
           <a:bodyPr wrap="square" lIns="0" tIns="0" rIns="0" bIns="0" rtlCol="0" anchor="t">
             <a:spAutoFit/>
@@ -9884,77 +10138,125 @@
           <a:p>
             <a:pPr algn="ctr">
               <a:lnSpc>
-                <a:spcPts val="10848"/>
+                <a:spcPts val="4759"/>
               </a:lnSpc>
             </a:pPr>
             <a:r>
-              <a:rPr lang="en-US" sz="7749" b="1" dirty="0" err="1">
+              <a:rPr lang="en-US" sz="4000" b="1" dirty="0">
                 <a:solidFill>
                   <a:srgbClr val="000000"/>
                 </a:solidFill>
-                <a:latin typeface="Cabin Bold"/>
-                <a:ea typeface="Cabin Bold"/>
-                <a:cs typeface="Cabin Bold"/>
-                <a:sym typeface="Cabin Bold"/>
+                <a:latin typeface="Cabin"/>
+                <a:ea typeface="Cabin"/>
+                <a:cs typeface="Cabin"/>
+                <a:sym typeface="Cabin"/>
               </a:rPr>
-              <a:t>Thêm</a:t>
-            </a:r>
-            <a:r>
-              <a:rPr lang="en-US" sz="7749" b="1" dirty="0">
+              <a:t>Giao </a:t>
+            </a:r>
+            <a:r>
+              <a:rPr lang="en-US" sz="4000" b="1" dirty="0" err="1">
                 <a:solidFill>
                   <a:srgbClr val="000000"/>
                 </a:solidFill>
-                <a:latin typeface="Cabin Bold"/>
-                <a:ea typeface="Cabin Bold"/>
-                <a:cs typeface="Cabin Bold"/>
-                <a:sym typeface="Cabin Bold"/>
+                <a:latin typeface="Cabin"/>
+                <a:ea typeface="Cabin"/>
+                <a:cs typeface="Cabin"/>
+                <a:sym typeface="Cabin"/>
+              </a:rPr>
+              <a:t>diện</a:t>
+            </a:r>
+            <a:r>
+              <a:rPr lang="en-US" sz="4000" b="1" dirty="0">
+                <a:solidFill>
+                  <a:srgbClr val="000000"/>
+                </a:solidFill>
+                <a:latin typeface="Cabin"/>
+                <a:ea typeface="Cabin"/>
+                <a:cs typeface="Cabin"/>
+                <a:sym typeface="Cabin"/>
               </a:rPr>
               <a:t> </a:t>
             </a:r>
             <a:r>
-              <a:rPr lang="en-US" sz="7749" b="1" dirty="0" err="1">
+              <a:rPr lang="en-US" sz="4000" b="1" dirty="0" err="1">
                 <a:solidFill>
                   <a:srgbClr val="000000"/>
                 </a:solidFill>
-                <a:latin typeface="Cabin Bold"/>
-                <a:ea typeface="Cabin Bold"/>
-                <a:cs typeface="Cabin Bold"/>
-                <a:sym typeface="Cabin Bold"/>
+                <a:latin typeface="Cabin"/>
+                <a:ea typeface="Cabin"/>
+                <a:cs typeface="Cabin"/>
+                <a:sym typeface="Cabin"/>
               </a:rPr>
-              <a:t>sinh</a:t>
-            </a:r>
-            <a:r>
-              <a:rPr lang="en-US" sz="7749" b="1" dirty="0">
+              <a:t>chức</a:t>
+            </a:r>
+            <a:r>
+              <a:rPr lang="en-US" sz="4000" b="1" dirty="0">
                 <a:solidFill>
                   <a:srgbClr val="000000"/>
                 </a:solidFill>
-                <a:latin typeface="Cabin Bold"/>
-                <a:ea typeface="Cabin Bold"/>
-                <a:cs typeface="Cabin Bold"/>
-                <a:sym typeface="Cabin Bold"/>
+                <a:latin typeface="Cabin"/>
+                <a:ea typeface="Cabin"/>
+                <a:cs typeface="Cabin"/>
+                <a:sym typeface="Cabin"/>
               </a:rPr>
               <a:t> </a:t>
             </a:r>
             <a:r>
-              <a:rPr lang="en-US" sz="7749" b="1" dirty="0" err="1">
+              <a:rPr lang="en-US" sz="4000" b="1" dirty="0" err="1">
                 <a:solidFill>
                   <a:srgbClr val="000000"/>
                 </a:solidFill>
-                <a:latin typeface="Cabin Bold"/>
-                <a:ea typeface="Cabin Bold"/>
-                <a:cs typeface="Cabin Bold"/>
-                <a:sym typeface="Cabin Bold"/>
+                <a:latin typeface="Cabin"/>
+                <a:ea typeface="Cabin"/>
+                <a:cs typeface="Cabin"/>
+                <a:sym typeface="Cabin"/>
               </a:rPr>
-              <a:t>viên</a:t>
-            </a:r>
-            <a:endParaRPr lang="en-US" sz="7749" b="1" dirty="0">
+              <a:t>năng</a:t>
+            </a:r>
+            <a:r>
+              <a:rPr lang="en-US" sz="4000" b="1" dirty="0">
+                <a:solidFill>
+                  <a:srgbClr val="000000"/>
+                </a:solidFill>
+                <a:latin typeface="Cabin"/>
+                <a:ea typeface="Cabin"/>
+                <a:cs typeface="Cabin"/>
+                <a:sym typeface="Cabin"/>
+              </a:rPr>
+              <a:t> </a:t>
+            </a:r>
+            <a:r>
+              <a:rPr lang="en-US" sz="4000" b="1" dirty="0" err="1">
+                <a:solidFill>
+                  <a:srgbClr val="000000"/>
+                </a:solidFill>
+                <a:latin typeface="Cabin"/>
+                <a:ea typeface="Cabin"/>
+                <a:cs typeface="Cabin"/>
+                <a:sym typeface="Cabin"/>
+              </a:rPr>
+              <a:t>sửa</a:t>
+            </a:r>
+            <a:r>
+              <a:rPr lang="vi-VN" sz="4000" b="1" dirty="0">
+                <a:solidFill>
+                  <a:srgbClr val="000000"/>
+                </a:solidFill>
+                <a:latin typeface="Cabin"/>
+                <a:ea typeface="Cabin"/>
+                <a:cs typeface="Cabin"/>
+                <a:sym typeface="Cabin"/>
+              </a:rPr>
+              <a:t> lớp</a:t>
+            </a:r>
+            <a:endParaRPr lang="en-US" sz="4000" b="1" dirty="0">
               <a:solidFill>
                 <a:srgbClr val="000000"/>
               </a:solidFill>
-              <a:latin typeface="Cabin Bold"/>
-              <a:ea typeface="Cabin Bold"/>
-              <a:cs typeface="Cabin Bold"/>
-              <a:sym typeface="Cabin Bold"/>
+              <a:latin typeface="Cabin"/>
+              <a:ea typeface="Cabin"/>
+              <a:cs typeface="Cabin"/>
+              <a:sym typeface="Cabin"/>
             </a:endParaRPr>
           </a:p>
         </p:txBody>
@@ -9969,611 +10271,6 @@
   <p:clrMapOvr>
     <a:masterClrMapping/>
   </p:clrMapOvr>
-  <mc:AlternateContent xmlns:mc="http://schemas.openxmlformats.org/markup-compatibility/2006">
-    <mc:Choice xmlns:p159="http://schemas.microsoft.com/office/powerpoint/2015/09/main" Requires="p159">
-      <p:transition xmlns:p14="http://schemas.microsoft.com/office/powerpoint/2010/main" spd="slow" p14:dur="2000">
-        <p159:morph option="byObject"/>
-      </p:transition>
-    </mc:Choice>
-    <mc:Fallback>
-      <p:transition spd="slow">
-        <p:fade/>
-      </p:transition>
-    </mc:Fallback>
-  </mc:AlternateContent>
-</p:sld>
-</file>
-
-<file path=ppt/slides/slide8.xml><?xml version="1.0" encoding="utf-8"?>
-<p:sld xmlns:a="http://schemas.openxmlformats.org/drawingml/2006/main" xmlns:r="http://schemas.openxmlformats.org/officeDocument/2006/relationships" xmlns:p="http://schemas.openxmlformats.org/presentationml/2006/main">
-  <p:cSld>
-    <p:spTree>
-      <p:nvGrpSpPr>
-        <p:cNvPr id="1" name=""/>
-        <p:cNvGrpSpPr/>
-        <p:nvPr/>
-      </p:nvGrpSpPr>
-      <p:grpSpPr>
-        <a:xfrm>
-          <a:off x="0" y="0"/>
-          <a:ext cx="0" cy="0"/>
-          <a:chOff x="0" y="0"/>
-          <a:chExt cx="0" cy="0"/>
-        </a:xfrm>
-      </p:grpSpPr>
-      <p:grpSp>
-        <p:nvGrpSpPr>
-          <p:cNvPr id="2" name="Group 2"/>
-          <p:cNvGrpSpPr/>
-          <p:nvPr/>
-        </p:nvGrpSpPr>
-        <p:grpSpPr>
-          <a:xfrm>
-            <a:off x="0" y="0"/>
-            <a:ext cx="18288000" cy="1564155"/>
-            <a:chOff x="0" y="0"/>
-            <a:chExt cx="4816593" cy="411959"/>
-          </a:xfrm>
-        </p:grpSpPr>
-        <p:sp>
-          <p:nvSpPr>
-            <p:cNvPr id="3" name="Freeform 3"/>
-            <p:cNvSpPr/>
-            <p:nvPr/>
-          </p:nvSpPr>
-          <p:spPr>
-            <a:xfrm>
-              <a:off x="0" y="0"/>
-              <a:ext cx="4816592" cy="411959"/>
-            </a:xfrm>
-            <a:custGeom>
-              <a:avLst/>
-              <a:gdLst/>
-              <a:ahLst/>
-              <a:cxnLst/>
-              <a:rect l="l" t="t" r="r" b="b"/>
-              <a:pathLst>
-                <a:path w="4816592" h="411959">
-                  <a:moveTo>
-                    <a:pt x="0" y="0"/>
-                  </a:moveTo>
-                  <a:lnTo>
-                    <a:pt x="4816592" y="0"/>
-                  </a:lnTo>
-                  <a:lnTo>
-                    <a:pt x="4816592" y="411959"/>
-                  </a:lnTo>
-                  <a:lnTo>
-                    <a:pt x="0" y="411959"/>
-                  </a:lnTo>
-                  <a:close/>
-                </a:path>
-              </a:pathLst>
-            </a:custGeom>
-            <a:solidFill>
-              <a:srgbClr val="AEB2D5"/>
-            </a:solidFill>
-          </p:spPr>
-          <p:txBody>
-            <a:bodyPr/>
-            <a:lstStyle/>
-            <a:p>
-              <a:endParaRPr lang="vi-VN"/>
-            </a:p>
-          </p:txBody>
-        </p:sp>
-        <p:sp>
-          <p:nvSpPr>
-            <p:cNvPr id="4" name="TextBox 4"/>
-            <p:cNvSpPr txBox="1"/>
-            <p:nvPr/>
-          </p:nvSpPr>
-          <p:spPr>
-            <a:xfrm>
-              <a:off x="0" y="-38100"/>
-              <a:ext cx="4816593" cy="450059"/>
-            </a:xfrm>
-            <a:prstGeom prst="rect">
-              <a:avLst/>
-            </a:prstGeom>
-          </p:spPr>
-          <p:txBody>
-            <a:bodyPr lIns="50800" tIns="50800" rIns="50800" bIns="50800" rtlCol="0" anchor="ctr"/>
-            <a:lstStyle/>
-            <a:p>
-              <a:pPr algn="ctr">
-                <a:lnSpc>
-                  <a:spcPts val="2659"/>
-                </a:lnSpc>
-                <a:spcBef>
-                  <a:spcPct val="0"/>
-                </a:spcBef>
-              </a:pPr>
-              <a:endParaRPr/>
-            </a:p>
-          </p:txBody>
-        </p:sp>
-      </p:grpSp>
-      <p:sp>
-        <p:nvSpPr>
-          <p:cNvPr id="6" name="TextBox 6"/>
-          <p:cNvSpPr txBox="1"/>
-          <p:nvPr/>
-        </p:nvSpPr>
-        <p:spPr>
-          <a:xfrm>
-            <a:off x="2819400" y="140010"/>
-            <a:ext cx="12311696" cy="1284134"/>
-          </a:xfrm>
-          <a:prstGeom prst="rect">
-            <a:avLst/>
-          </a:prstGeom>
-        </p:spPr>
-        <p:txBody>
-          <a:bodyPr wrap="square" lIns="0" tIns="0" rIns="0" bIns="0" rtlCol="0" anchor="t">
-            <a:spAutoFit/>
-          </a:bodyPr>
-          <a:lstStyle/>
-          <a:p>
-            <a:pPr algn="ctr">
-              <a:lnSpc>
-                <a:spcPts val="10848"/>
-              </a:lnSpc>
-            </a:pPr>
-            <a:r>
-              <a:rPr lang="en-US" sz="7749" b="1" dirty="0" err="1">
-                <a:solidFill>
-                  <a:srgbClr val="000000"/>
-                </a:solidFill>
-                <a:latin typeface="Cabin Bold"/>
-                <a:ea typeface="Cabin Bold"/>
-                <a:cs typeface="Cabin Bold"/>
-                <a:sym typeface="Cabin Bold"/>
-              </a:rPr>
-              <a:t>Hiển</a:t>
-            </a:r>
-            <a:r>
-              <a:rPr lang="en-US" sz="7749" b="1" dirty="0">
-                <a:solidFill>
-                  <a:srgbClr val="000000"/>
-                </a:solidFill>
-                <a:latin typeface="Cabin Bold"/>
-                <a:ea typeface="Cabin Bold"/>
-                <a:cs typeface="Cabin Bold"/>
-                <a:sym typeface="Cabin Bold"/>
-              </a:rPr>
-              <a:t> </a:t>
-            </a:r>
-            <a:r>
-              <a:rPr lang="en-US" sz="7749" b="1" dirty="0" err="1">
-                <a:solidFill>
-                  <a:srgbClr val="000000"/>
-                </a:solidFill>
-                <a:latin typeface="Cabin Bold"/>
-                <a:ea typeface="Cabin Bold"/>
-                <a:cs typeface="Cabin Bold"/>
-                <a:sym typeface="Cabin Bold"/>
-              </a:rPr>
-              <a:t>thị</a:t>
-            </a:r>
-            <a:r>
-              <a:rPr lang="en-US" sz="7749" b="1" dirty="0">
-                <a:solidFill>
-                  <a:srgbClr val="000000"/>
-                </a:solidFill>
-                <a:latin typeface="Cabin Bold"/>
-                <a:ea typeface="Cabin Bold"/>
-                <a:cs typeface="Cabin Bold"/>
-                <a:sym typeface="Cabin Bold"/>
-              </a:rPr>
-              <a:t> </a:t>
-            </a:r>
-            <a:r>
-              <a:rPr lang="en-US" sz="7749" b="1" dirty="0" err="1">
-                <a:solidFill>
-                  <a:srgbClr val="000000"/>
-                </a:solidFill>
-                <a:latin typeface="Cabin Bold"/>
-                <a:ea typeface="Cabin Bold"/>
-                <a:cs typeface="Cabin Bold"/>
-                <a:sym typeface="Cabin Bold"/>
-              </a:rPr>
-              <a:t>sinh</a:t>
-            </a:r>
-            <a:r>
-              <a:rPr lang="en-US" sz="7749" b="1" dirty="0">
-                <a:solidFill>
-                  <a:srgbClr val="000000"/>
-                </a:solidFill>
-                <a:latin typeface="Cabin Bold"/>
-                <a:ea typeface="Cabin Bold"/>
-                <a:cs typeface="Cabin Bold"/>
-                <a:sym typeface="Cabin Bold"/>
-              </a:rPr>
-              <a:t> </a:t>
-            </a:r>
-            <a:r>
-              <a:rPr lang="en-US" sz="7749" b="1" dirty="0" err="1">
-                <a:solidFill>
-                  <a:srgbClr val="000000"/>
-                </a:solidFill>
-                <a:latin typeface="Cabin Bold"/>
-                <a:ea typeface="Cabin Bold"/>
-                <a:cs typeface="Cabin Bold"/>
-                <a:sym typeface="Cabin Bold"/>
-              </a:rPr>
-              <a:t>viên</a:t>
-            </a:r>
-            <a:endParaRPr lang="en-US" sz="7749" b="1" dirty="0">
-              <a:solidFill>
-                <a:srgbClr val="000000"/>
-              </a:solidFill>
-              <a:latin typeface="Cabin Bold"/>
-              <a:ea typeface="Cabin Bold"/>
-              <a:cs typeface="Cabin Bold"/>
-              <a:sym typeface="Cabin Bold"/>
-            </a:endParaRPr>
-          </a:p>
-        </p:txBody>
-      </p:sp>
-      <p:pic>
-        <p:nvPicPr>
-          <p:cNvPr id="8" name="Picture 7">
-            <a:extLst>
-              <a:ext uri="{FF2B5EF4-FFF2-40B4-BE49-F238E27FC236}">
-                <a16:creationId xmlns:a16="http://schemas.microsoft.com/office/drawing/2014/main" id="{E58E445A-DCFF-DA5A-686A-BBA869B581DA}"/>
-              </a:ext>
-            </a:extLst>
-          </p:cNvPr>
-          <p:cNvPicPr>
-            <a:picLocks noChangeAspect="1"/>
-          </p:cNvPicPr>
-          <p:nvPr/>
-        </p:nvPicPr>
-        <p:blipFill>
-          <a:blip r:embed="rId2"/>
-          <a:stretch>
-            <a:fillRect/>
-          </a:stretch>
-        </p:blipFill>
-        <p:spPr>
-          <a:xfrm>
-            <a:off x="1858648" y="1824702"/>
-            <a:ext cx="14570703" cy="6637595"/>
-          </a:xfrm>
-          <a:prstGeom prst="rect">
-            <a:avLst/>
-          </a:prstGeom>
-        </p:spPr>
-      </p:pic>
-    </p:spTree>
-  </p:cSld>
-  <p:clrMapOvr>
-    <a:masterClrMapping/>
-  </p:clrMapOvr>
-  <mc:AlternateContent xmlns:mc="http://schemas.openxmlformats.org/markup-compatibility/2006">
-    <mc:Choice xmlns:p159="http://schemas.microsoft.com/office/powerpoint/2015/09/main" Requires="p159">
-      <p:transition xmlns:p14="http://schemas.microsoft.com/office/powerpoint/2010/main" spd="slow" p14:dur="2000">
-        <p159:morph option="byObject"/>
-      </p:transition>
-    </mc:Choice>
-    <mc:Fallback>
-      <p:transition spd="slow">
-        <p:fade/>
-      </p:transition>
-    </mc:Fallback>
-  </mc:AlternateContent>
-</p:sld>
-</file>
-
-<file path=ppt/slides/slide9.xml><?xml version="1.0" encoding="utf-8"?>
-<p:sld xmlns:a="http://schemas.openxmlformats.org/drawingml/2006/main" xmlns:r="http://schemas.openxmlformats.org/officeDocument/2006/relationships" xmlns:p="http://schemas.openxmlformats.org/presentationml/2006/main">
-  <p:cSld>
-    <p:spTree>
-      <p:nvGrpSpPr>
-        <p:cNvPr id="1" name=""/>
-        <p:cNvGrpSpPr/>
-        <p:nvPr/>
-      </p:nvGrpSpPr>
-      <p:grpSpPr>
-        <a:xfrm>
-          <a:off x="0" y="0"/>
-          <a:ext cx="0" cy="0"/>
-          <a:chOff x="0" y="0"/>
-          <a:chExt cx="0" cy="0"/>
-        </a:xfrm>
-      </p:grpSpPr>
-      <p:grpSp>
-        <p:nvGrpSpPr>
-          <p:cNvPr id="2" name="Group 2">
-            <a:extLst>
-              <a:ext uri="{FF2B5EF4-FFF2-40B4-BE49-F238E27FC236}">
-                <a16:creationId xmlns:a16="http://schemas.microsoft.com/office/drawing/2014/main" id="{4399DDA5-0BC7-A52C-DAD1-64B2B0AD09DE}"/>
-              </a:ext>
-            </a:extLst>
-          </p:cNvPr>
-          <p:cNvGrpSpPr/>
-          <p:nvPr/>
-        </p:nvGrpSpPr>
-        <p:grpSpPr>
-          <a:xfrm>
-            <a:off x="0" y="0"/>
-            <a:ext cx="18288000" cy="1564155"/>
-            <a:chOff x="0" y="0"/>
-            <a:chExt cx="4816593" cy="411959"/>
-          </a:xfrm>
-        </p:grpSpPr>
-        <p:sp>
-          <p:nvSpPr>
-            <p:cNvPr id="3" name="Freeform 3">
-              <a:extLst>
-                <a:ext uri="{FF2B5EF4-FFF2-40B4-BE49-F238E27FC236}">
-                  <a16:creationId xmlns:a16="http://schemas.microsoft.com/office/drawing/2014/main" id="{672F3793-B787-4472-7A33-28EDF4A9B7C2}"/>
-                </a:ext>
-              </a:extLst>
-            </p:cNvPr>
-            <p:cNvSpPr/>
-            <p:nvPr/>
-          </p:nvSpPr>
-          <p:spPr>
-            <a:xfrm>
-              <a:off x="0" y="0"/>
-              <a:ext cx="4816592" cy="411959"/>
-            </a:xfrm>
-            <a:custGeom>
-              <a:avLst/>
-              <a:gdLst/>
-              <a:ahLst/>
-              <a:cxnLst/>
-              <a:rect l="l" t="t" r="r" b="b"/>
-              <a:pathLst>
-                <a:path w="4816592" h="411959">
-                  <a:moveTo>
-                    <a:pt x="0" y="0"/>
-                  </a:moveTo>
-                  <a:lnTo>
-                    <a:pt x="4816592" y="0"/>
-                  </a:lnTo>
-                  <a:lnTo>
-                    <a:pt x="4816592" y="411959"/>
-                  </a:lnTo>
-                  <a:lnTo>
-                    <a:pt x="0" y="411959"/>
-                  </a:lnTo>
-                  <a:close/>
-                </a:path>
-              </a:pathLst>
-            </a:custGeom>
-            <a:solidFill>
-              <a:srgbClr val="AEB2D5"/>
-            </a:solidFill>
-          </p:spPr>
-          <p:txBody>
-            <a:bodyPr/>
-            <a:lstStyle/>
-            <a:p>
-              <a:endParaRPr lang="vi-VN"/>
-            </a:p>
-          </p:txBody>
-        </p:sp>
-        <p:sp>
-          <p:nvSpPr>
-            <p:cNvPr id="4" name="TextBox 4">
-              <a:extLst>
-                <a:ext uri="{FF2B5EF4-FFF2-40B4-BE49-F238E27FC236}">
-                  <a16:creationId xmlns:a16="http://schemas.microsoft.com/office/drawing/2014/main" id="{D1AD9273-5813-E1C4-9652-B0C42FB80FEC}"/>
-                </a:ext>
-              </a:extLst>
-            </p:cNvPr>
-            <p:cNvSpPr txBox="1"/>
-            <p:nvPr/>
-          </p:nvSpPr>
-          <p:spPr>
-            <a:xfrm>
-              <a:off x="0" y="-38100"/>
-              <a:ext cx="4816593" cy="450059"/>
-            </a:xfrm>
-            <a:prstGeom prst="rect">
-              <a:avLst/>
-            </a:prstGeom>
-          </p:spPr>
-          <p:txBody>
-            <a:bodyPr lIns="50800" tIns="50800" rIns="50800" bIns="50800" rtlCol="0" anchor="ctr"/>
-            <a:lstStyle/>
-            <a:p>
-              <a:pPr algn="ctr">
-                <a:lnSpc>
-                  <a:spcPts val="2659"/>
-                </a:lnSpc>
-                <a:spcBef>
-                  <a:spcPct val="0"/>
-                </a:spcBef>
-              </a:pPr>
-              <a:endParaRPr/>
-            </a:p>
-          </p:txBody>
-        </p:sp>
-      </p:grpSp>
-      <p:sp>
-        <p:nvSpPr>
-          <p:cNvPr id="5" name="TextBox 6">
-            <a:extLst>
-              <a:ext uri="{FF2B5EF4-FFF2-40B4-BE49-F238E27FC236}">
-                <a16:creationId xmlns:a16="http://schemas.microsoft.com/office/drawing/2014/main" id="{F68A6FD3-7CAF-A0C0-FAF1-48F585F3DDA4}"/>
-              </a:ext>
-            </a:extLst>
-          </p:cNvPr>
-          <p:cNvSpPr txBox="1"/>
-          <p:nvPr/>
-        </p:nvSpPr>
-        <p:spPr>
-          <a:xfrm>
-            <a:off x="2819400" y="140010"/>
-            <a:ext cx="12311696" cy="1284134"/>
-          </a:xfrm>
-          <a:prstGeom prst="rect">
-            <a:avLst/>
-          </a:prstGeom>
-        </p:spPr>
-        <p:txBody>
-          <a:bodyPr wrap="square" lIns="0" tIns="0" rIns="0" bIns="0" rtlCol="0" anchor="t">
-            <a:spAutoFit/>
-          </a:bodyPr>
-          <a:lstStyle/>
-          <a:p>
-            <a:pPr algn="ctr">
-              <a:lnSpc>
-                <a:spcPts val="10848"/>
-              </a:lnSpc>
-            </a:pPr>
-            <a:r>
-              <a:rPr lang="en-US" sz="7749" b="1" dirty="0" err="1">
-                <a:solidFill>
-                  <a:srgbClr val="000000"/>
-                </a:solidFill>
-                <a:latin typeface="Cabin Bold"/>
-                <a:ea typeface="Cabin Bold"/>
-                <a:cs typeface="Cabin Bold"/>
-                <a:sym typeface="Cabin Bold"/>
-              </a:rPr>
-              <a:t>Cập</a:t>
-            </a:r>
-            <a:r>
-              <a:rPr lang="en-US" sz="7749" b="1" dirty="0">
-                <a:solidFill>
-                  <a:srgbClr val="000000"/>
-                </a:solidFill>
-                <a:latin typeface="Cabin Bold"/>
-                <a:ea typeface="Cabin Bold"/>
-                <a:cs typeface="Cabin Bold"/>
-                <a:sym typeface="Cabin Bold"/>
-              </a:rPr>
-              <a:t> </a:t>
-            </a:r>
-            <a:r>
-              <a:rPr lang="en-US" sz="7749" b="1" dirty="0" err="1">
-                <a:solidFill>
-                  <a:srgbClr val="000000"/>
-                </a:solidFill>
-                <a:latin typeface="Cabin Bold"/>
-                <a:ea typeface="Cabin Bold"/>
-                <a:cs typeface="Cabin Bold"/>
-                <a:sym typeface="Cabin Bold"/>
-              </a:rPr>
-              <a:t>nhật</a:t>
-            </a:r>
-            <a:r>
-              <a:rPr lang="en-US" sz="7749" b="1" dirty="0">
-                <a:solidFill>
-                  <a:srgbClr val="000000"/>
-                </a:solidFill>
-                <a:latin typeface="Cabin Bold"/>
-                <a:ea typeface="Cabin Bold"/>
-                <a:cs typeface="Cabin Bold"/>
-                <a:sym typeface="Cabin Bold"/>
-              </a:rPr>
-              <a:t> </a:t>
-            </a:r>
-            <a:r>
-              <a:rPr lang="en-US" sz="7749" b="1" dirty="0" err="1">
-                <a:solidFill>
-                  <a:srgbClr val="000000"/>
-                </a:solidFill>
-                <a:latin typeface="Cabin Bold"/>
-                <a:ea typeface="Cabin Bold"/>
-                <a:cs typeface="Cabin Bold"/>
-                <a:sym typeface="Cabin Bold"/>
-              </a:rPr>
-              <a:t>sinh</a:t>
-            </a:r>
-            <a:r>
-              <a:rPr lang="en-US" sz="7749" b="1" dirty="0">
-                <a:solidFill>
-                  <a:srgbClr val="000000"/>
-                </a:solidFill>
-                <a:latin typeface="Cabin Bold"/>
-                <a:ea typeface="Cabin Bold"/>
-                <a:cs typeface="Cabin Bold"/>
-                <a:sym typeface="Cabin Bold"/>
-              </a:rPr>
-              <a:t> </a:t>
-            </a:r>
-            <a:r>
-              <a:rPr lang="en-US" sz="7749" b="1" dirty="0" err="1">
-                <a:solidFill>
-                  <a:srgbClr val="000000"/>
-                </a:solidFill>
-                <a:latin typeface="Cabin Bold"/>
-                <a:ea typeface="Cabin Bold"/>
-                <a:cs typeface="Cabin Bold"/>
-                <a:sym typeface="Cabin Bold"/>
-              </a:rPr>
-              <a:t>viên</a:t>
-            </a:r>
-            <a:endParaRPr lang="en-US" sz="7749" b="1" dirty="0">
-              <a:solidFill>
-                <a:srgbClr val="000000"/>
-              </a:solidFill>
-              <a:latin typeface="Cabin Bold"/>
-              <a:ea typeface="Cabin Bold"/>
-              <a:cs typeface="Cabin Bold"/>
-              <a:sym typeface="Cabin Bold"/>
-            </a:endParaRPr>
-          </a:p>
-        </p:txBody>
-      </p:sp>
-      <p:pic>
-        <p:nvPicPr>
-          <p:cNvPr id="8" name="Picture 7">
-            <a:extLst>
-              <a:ext uri="{FF2B5EF4-FFF2-40B4-BE49-F238E27FC236}">
-                <a16:creationId xmlns:a16="http://schemas.microsoft.com/office/drawing/2014/main" id="{8B1CCCB5-61BE-515F-C73E-0260A06369E2}"/>
-              </a:ext>
-            </a:extLst>
-          </p:cNvPr>
-          <p:cNvPicPr>
-            <a:picLocks noChangeAspect="1"/>
-          </p:cNvPicPr>
-          <p:nvPr/>
-        </p:nvPicPr>
-        <p:blipFill>
-          <a:blip r:embed="rId2"/>
-          <a:stretch>
-            <a:fillRect/>
-          </a:stretch>
-        </p:blipFill>
-        <p:spPr>
-          <a:xfrm>
-            <a:off x="1915803" y="1748496"/>
-            <a:ext cx="14456393" cy="6790008"/>
-          </a:xfrm>
-          <a:prstGeom prst="rect">
-            <a:avLst/>
-          </a:prstGeom>
-        </p:spPr>
-      </p:pic>
-    </p:spTree>
-    <p:extLst>
-      <p:ext uri="{BB962C8B-B14F-4D97-AF65-F5344CB8AC3E}">
-        <p14:creationId xmlns:p14="http://schemas.microsoft.com/office/powerpoint/2010/main" val="2466399100"/>
-      </p:ext>
-    </p:extLst>
-  </p:cSld>
-  <p:clrMapOvr>
-    <a:masterClrMapping/>
-  </p:clrMapOvr>
-  <mc:AlternateContent xmlns:mc="http://schemas.openxmlformats.org/markup-compatibility/2006">
-    <mc:Choice xmlns:p159="http://schemas.microsoft.com/office/powerpoint/2015/09/main" Requires="p159">
-      <p:transition xmlns:p14="http://schemas.microsoft.com/office/powerpoint/2010/main" spd="slow" p14:dur="2000">
-        <p159:morph option="byObject"/>
-      </p:transition>
-    </mc:Choice>
-    <mc:Fallback>
-      <p:transition spd="slow">
-        <p:fade/>
-      </p:transition>
-    </mc:Fallback>
-  </mc:AlternateContent>
 </p:sld>
 </file>
 
